--- a/kableExtra_JSM2018.pptx
+++ b/kableExtra_JSM2018.pptx
@@ -816,7 +816,7 @@
   <p:cSld>
     <p:spTree>
       <p:nvGrpSpPr>
-        <p:cNvPr id="178" name="Shape 178"/>
+        <p:cNvPr id="179" name="Shape 179"/>
         <p:cNvGrpSpPr/>
         <p:nvPr/>
       </p:nvGrpSpPr>
@@ -830,7 +830,7 @@
       </p:grpSpPr>
       <p:sp>
         <p:nvSpPr>
-          <p:cNvPr id="179" name="Google Shape;179;g3e5d444fa7_0_203:notes"/>
+          <p:cNvPr id="180" name="Google Shape;180;g3e5d444fa7_0_203:notes"/>
           <p:cNvSpPr/>
           <p:nvPr>
             <p:ph idx="2" type="sldImg"/>
@@ -864,7 +864,7 @@
       </p:sp>
       <p:sp>
         <p:nvSpPr>
-          <p:cNvPr id="180" name="Google Shape;180;g3e5d444fa7_0_203:notes"/>
+          <p:cNvPr id="181" name="Google Shape;181;g3e5d444fa7_0_203:notes"/>
           <p:cNvSpPr txBox="1"/>
           <p:nvPr>
             <p:ph idx="1" type="body"/>
@@ -914,7 +914,7 @@
   <p:cSld>
     <p:spTree>
       <p:nvGrpSpPr>
-        <p:cNvPr id="202" name="Shape 202"/>
+        <p:cNvPr id="203" name="Shape 203"/>
         <p:cNvGrpSpPr/>
         <p:nvPr/>
       </p:nvGrpSpPr>
@@ -928,7 +928,7 @@
       </p:grpSpPr>
       <p:sp>
         <p:nvSpPr>
-          <p:cNvPr id="203" name="Google Shape;203;g3dbd03efa8_0_48:notes"/>
+          <p:cNvPr id="204" name="Google Shape;204;g3dbd03efa8_0_48:notes"/>
           <p:cNvSpPr/>
           <p:nvPr>
             <p:ph idx="2" type="sldImg"/>
@@ -962,7 +962,7 @@
       </p:sp>
       <p:sp>
         <p:nvSpPr>
-          <p:cNvPr id="204" name="Google Shape;204;g3dbd03efa8_0_48:notes"/>
+          <p:cNvPr id="205" name="Google Shape;205;g3dbd03efa8_0_48:notes"/>
           <p:cNvSpPr txBox="1"/>
           <p:nvPr>
             <p:ph idx="1" type="body"/>
@@ -1021,7 +1021,7 @@
   <p:cSld>
     <p:spTree>
       <p:nvGrpSpPr>
-        <p:cNvPr id="208" name="Shape 208"/>
+        <p:cNvPr id="209" name="Shape 209"/>
         <p:cNvGrpSpPr/>
         <p:nvPr/>
       </p:nvGrpSpPr>
@@ -1035,7 +1035,7 @@
       </p:grpSpPr>
       <p:sp>
         <p:nvSpPr>
-          <p:cNvPr id="209" name="Google Shape;209;g3e5d444fa7_0_251:notes"/>
+          <p:cNvPr id="210" name="Google Shape;210;g3e5d444fa7_0_251:notes"/>
           <p:cNvSpPr/>
           <p:nvPr>
             <p:ph idx="2" type="sldImg"/>
@@ -1069,7 +1069,7 @@
       </p:sp>
       <p:sp>
         <p:nvSpPr>
-          <p:cNvPr id="210" name="Google Shape;210;g3e5d444fa7_0_251:notes"/>
+          <p:cNvPr id="211" name="Google Shape;211;g3e5d444fa7_0_251:notes"/>
           <p:cNvSpPr txBox="1"/>
           <p:nvPr>
             <p:ph idx="1" type="body"/>
@@ -1119,7 +1119,7 @@
   <p:cSld>
     <p:spTree>
       <p:nvGrpSpPr>
-        <p:cNvPr id="215" name="Shape 215"/>
+        <p:cNvPr id="216" name="Shape 216"/>
         <p:cNvGrpSpPr/>
         <p:nvPr/>
       </p:nvGrpSpPr>
@@ -1133,7 +1133,7 @@
       </p:grpSpPr>
       <p:sp>
         <p:nvSpPr>
-          <p:cNvPr id="216" name="Google Shape;216;g3e5fae1630_2_0:notes"/>
+          <p:cNvPr id="217" name="Google Shape;217;g3e5fae1630_2_0:notes"/>
           <p:cNvSpPr/>
           <p:nvPr>
             <p:ph idx="2" type="sldImg"/>
@@ -1167,7 +1167,7 @@
       </p:sp>
       <p:sp>
         <p:nvSpPr>
-          <p:cNvPr id="217" name="Google Shape;217;g3e5fae1630_2_0:notes"/>
+          <p:cNvPr id="218" name="Google Shape;218;g3e5fae1630_2_0:notes"/>
           <p:cNvSpPr txBox="1"/>
           <p:nvPr>
             <p:ph idx="1" type="body"/>
@@ -1217,7 +1217,7 @@
   <p:cSld>
     <p:spTree>
       <p:nvGrpSpPr>
-        <p:cNvPr id="222" name="Shape 222"/>
+        <p:cNvPr id="223" name="Shape 223"/>
         <p:cNvGrpSpPr/>
         <p:nvPr/>
       </p:nvGrpSpPr>
@@ -1231,7 +1231,7 @@
       </p:grpSpPr>
       <p:sp>
         <p:nvSpPr>
-          <p:cNvPr id="223" name="Google Shape;223;g3e5fae1630_2_9:notes"/>
+          <p:cNvPr id="224" name="Google Shape;224;g3e5fae1630_2_9:notes"/>
           <p:cNvSpPr/>
           <p:nvPr>
             <p:ph idx="2" type="sldImg"/>
@@ -1265,7 +1265,7 @@
       </p:sp>
       <p:sp>
         <p:nvSpPr>
-          <p:cNvPr id="224" name="Google Shape;224;g3e5fae1630_2_9:notes"/>
+          <p:cNvPr id="225" name="Google Shape;225;g3e5fae1630_2_9:notes"/>
           <p:cNvSpPr txBox="1"/>
           <p:nvPr>
             <p:ph idx="1" type="body"/>
@@ -1315,7 +1315,7 @@
   <p:cSld>
     <p:spTree>
       <p:nvGrpSpPr>
-        <p:cNvPr id="229" name="Shape 229"/>
+        <p:cNvPr id="230" name="Shape 230"/>
         <p:cNvGrpSpPr/>
         <p:nvPr/>
       </p:nvGrpSpPr>
@@ -1329,7 +1329,7 @@
       </p:grpSpPr>
       <p:sp>
         <p:nvSpPr>
-          <p:cNvPr id="230" name="Google Shape;230;g3e5d444fa7_0_259:notes"/>
+          <p:cNvPr id="231" name="Google Shape;231;g3e5d444fa7_0_259:notes"/>
           <p:cNvSpPr/>
           <p:nvPr>
             <p:ph idx="2" type="sldImg"/>
@@ -1363,7 +1363,7 @@
       </p:sp>
       <p:sp>
         <p:nvSpPr>
-          <p:cNvPr id="231" name="Google Shape;231;g3e5d444fa7_0_259:notes"/>
+          <p:cNvPr id="232" name="Google Shape;232;g3e5d444fa7_0_259:notes"/>
           <p:cNvSpPr txBox="1"/>
           <p:nvPr>
             <p:ph idx="1" type="body"/>
@@ -1413,7 +1413,7 @@
   <p:cSld>
     <p:spTree>
       <p:nvGrpSpPr>
-        <p:cNvPr id="236" name="Shape 236"/>
+        <p:cNvPr id="237" name="Shape 237"/>
         <p:cNvGrpSpPr/>
         <p:nvPr/>
       </p:nvGrpSpPr>
@@ -1427,7 +1427,7 @@
       </p:grpSpPr>
       <p:sp>
         <p:nvSpPr>
-          <p:cNvPr id="237" name="Google Shape;237;g3e5fae1630_2_30:notes"/>
+          <p:cNvPr id="238" name="Google Shape;238;g3e5fae1630_2_30:notes"/>
           <p:cNvSpPr/>
           <p:nvPr>
             <p:ph idx="2" type="sldImg"/>
@@ -1461,7 +1461,7 @@
       </p:sp>
       <p:sp>
         <p:nvSpPr>
-          <p:cNvPr id="238" name="Google Shape;238;g3e5fae1630_2_30:notes"/>
+          <p:cNvPr id="239" name="Google Shape;239;g3e5fae1630_2_30:notes"/>
           <p:cNvSpPr txBox="1"/>
           <p:nvPr>
             <p:ph idx="1" type="body"/>
@@ -1511,7 +1511,7 @@
   <p:cSld>
     <p:spTree>
       <p:nvGrpSpPr>
-        <p:cNvPr id="243" name="Shape 243"/>
+        <p:cNvPr id="244" name="Shape 244"/>
         <p:cNvGrpSpPr/>
         <p:nvPr/>
       </p:nvGrpSpPr>
@@ -1525,7 +1525,7 @@
       </p:grpSpPr>
       <p:sp>
         <p:nvSpPr>
-          <p:cNvPr id="244" name="Google Shape;244;g3e5fae1630_2_36:notes"/>
+          <p:cNvPr id="245" name="Google Shape;245;g3e5fae1630_2_36:notes"/>
           <p:cNvSpPr/>
           <p:nvPr>
             <p:ph idx="2" type="sldImg"/>
@@ -1559,7 +1559,7 @@
       </p:sp>
       <p:sp>
         <p:nvSpPr>
-          <p:cNvPr id="245" name="Google Shape;245;g3e5fae1630_2_36:notes"/>
+          <p:cNvPr id="246" name="Google Shape;246;g3e5fae1630_2_36:notes"/>
           <p:cNvSpPr txBox="1"/>
           <p:nvPr>
             <p:ph idx="1" type="body"/>
@@ -1609,7 +1609,7 @@
   <p:cSld>
     <p:spTree>
       <p:nvGrpSpPr>
-        <p:cNvPr id="250" name="Shape 250"/>
+        <p:cNvPr id="251" name="Shape 251"/>
         <p:cNvGrpSpPr/>
         <p:nvPr/>
       </p:nvGrpSpPr>
@@ -1623,7 +1623,7 @@
       </p:grpSpPr>
       <p:sp>
         <p:nvSpPr>
-          <p:cNvPr id="251" name="Google Shape;251;g3e5d444fa7_0_246:notes"/>
+          <p:cNvPr id="252" name="Google Shape;252;g3e5d444fa7_0_246:notes"/>
           <p:cNvSpPr/>
           <p:nvPr>
             <p:ph idx="2" type="sldImg"/>
@@ -1657,7 +1657,7 @@
       </p:sp>
       <p:sp>
         <p:nvSpPr>
-          <p:cNvPr id="252" name="Google Shape;252;g3e5d444fa7_0_246:notes"/>
+          <p:cNvPr id="253" name="Google Shape;253;g3e5d444fa7_0_246:notes"/>
           <p:cNvSpPr txBox="1"/>
           <p:nvPr>
             <p:ph idx="1" type="body"/>
@@ -1716,7 +1716,7 @@
   <p:cSld>
     <p:spTree>
       <p:nvGrpSpPr>
-        <p:cNvPr id="257" name="Shape 257"/>
+        <p:cNvPr id="258" name="Shape 258"/>
         <p:cNvGrpSpPr/>
         <p:nvPr/>
       </p:nvGrpSpPr>
@@ -1730,7 +1730,7 @@
       </p:grpSpPr>
       <p:sp>
         <p:nvSpPr>
-          <p:cNvPr id="258" name="Google Shape;258;g3e5d444fa7_0_276:notes"/>
+          <p:cNvPr id="259" name="Google Shape;259;g3e5d444fa7_0_276:notes"/>
           <p:cNvSpPr/>
           <p:nvPr>
             <p:ph idx="2" type="sldImg"/>
@@ -1764,7 +1764,7 @@
       </p:sp>
       <p:sp>
         <p:nvSpPr>
-          <p:cNvPr id="259" name="Google Shape;259;g3e5d444fa7_0_276:notes"/>
+          <p:cNvPr id="260" name="Google Shape;260;g3e5d444fa7_0_276:notes"/>
           <p:cNvSpPr txBox="1"/>
           <p:nvPr>
             <p:ph idx="1" type="body"/>
@@ -1814,7 +1814,7 @@
   <p:cSld>
     <p:spTree>
       <p:nvGrpSpPr>
-        <p:cNvPr id="90" name="Shape 90"/>
+        <p:cNvPr id="91" name="Shape 91"/>
         <p:cNvGrpSpPr/>
         <p:nvPr/>
       </p:nvGrpSpPr>
@@ -1828,7 +1828,7 @@
       </p:grpSpPr>
       <p:sp>
         <p:nvSpPr>
-          <p:cNvPr id="91" name="Google Shape;91;g3e5d444fa7_0_101:notes"/>
+          <p:cNvPr id="92" name="Google Shape;92;g3e5d444fa7_0_101:notes"/>
           <p:cNvSpPr/>
           <p:nvPr>
             <p:ph idx="2" type="sldImg"/>
@@ -1862,7 +1862,7 @@
       </p:sp>
       <p:sp>
         <p:nvSpPr>
-          <p:cNvPr id="92" name="Google Shape;92;g3e5d444fa7_0_101:notes"/>
+          <p:cNvPr id="93" name="Google Shape;93;g3e5d444fa7_0_101:notes"/>
           <p:cNvSpPr txBox="1"/>
           <p:nvPr>
             <p:ph idx="1" type="body"/>
@@ -1913,7 +1913,7 @@
   <p:cSld>
     <p:spTree>
       <p:nvGrpSpPr>
-        <p:cNvPr id="264" name="Shape 264"/>
+        <p:cNvPr id="265" name="Shape 265"/>
         <p:cNvGrpSpPr/>
         <p:nvPr/>
       </p:nvGrpSpPr>
@@ -1927,7 +1927,7 @@
       </p:grpSpPr>
       <p:sp>
         <p:nvSpPr>
-          <p:cNvPr id="265" name="Google Shape;265;g3e5d444fa7_0_287:notes"/>
+          <p:cNvPr id="266" name="Google Shape;266;g3e5d444fa7_0_287:notes"/>
           <p:cNvSpPr/>
           <p:nvPr>
             <p:ph idx="2" type="sldImg"/>
@@ -1961,7 +1961,7 @@
       </p:sp>
       <p:sp>
         <p:nvSpPr>
-          <p:cNvPr id="266" name="Google Shape;266;g3e5d444fa7_0_287:notes"/>
+          <p:cNvPr id="267" name="Google Shape;267;g3e5d444fa7_0_287:notes"/>
           <p:cNvSpPr txBox="1"/>
           <p:nvPr>
             <p:ph idx="1" type="body"/>
@@ -2011,7 +2011,7 @@
   <p:cSld>
     <p:spTree>
       <p:nvGrpSpPr>
-        <p:cNvPr id="271" name="Shape 271"/>
+        <p:cNvPr id="272" name="Shape 272"/>
         <p:cNvGrpSpPr/>
         <p:nvPr/>
       </p:nvGrpSpPr>
@@ -2025,7 +2025,7 @@
       </p:grpSpPr>
       <p:sp>
         <p:nvSpPr>
-          <p:cNvPr id="272" name="Google Shape;272;g3e5fae1630_0_0:notes"/>
+          <p:cNvPr id="273" name="Google Shape;273;g3e5fae1630_0_0:notes"/>
           <p:cNvSpPr/>
           <p:nvPr>
             <p:ph idx="2" type="sldImg"/>
@@ -2059,7 +2059,7 @@
       </p:sp>
       <p:sp>
         <p:nvSpPr>
-          <p:cNvPr id="273" name="Google Shape;273;g3e5fae1630_0_0:notes"/>
+          <p:cNvPr id="274" name="Google Shape;274;g3e5fae1630_0_0:notes"/>
           <p:cNvSpPr txBox="1"/>
           <p:nvPr>
             <p:ph idx="1" type="body"/>
@@ -2109,7 +2109,7 @@
   <p:cSld>
     <p:spTree>
       <p:nvGrpSpPr>
-        <p:cNvPr id="95" name="Shape 95"/>
+        <p:cNvPr id="96" name="Shape 96"/>
         <p:cNvGrpSpPr/>
         <p:nvPr/>
       </p:nvGrpSpPr>
@@ -2123,7 +2123,7 @@
       </p:grpSpPr>
       <p:sp>
         <p:nvSpPr>
-          <p:cNvPr id="96" name="Google Shape;96;g3e5d444fa7_0_105:notes"/>
+          <p:cNvPr id="97" name="Google Shape;97;g3e5d444fa7_0_105:notes"/>
           <p:cNvSpPr/>
           <p:nvPr>
             <p:ph idx="2" type="sldImg"/>
@@ -2157,7 +2157,7 @@
       </p:sp>
       <p:sp>
         <p:nvSpPr>
-          <p:cNvPr id="97" name="Google Shape;97;g3e5d444fa7_0_105:notes"/>
+          <p:cNvPr id="98" name="Google Shape;98;g3e5d444fa7_0_105:notes"/>
           <p:cNvSpPr txBox="1"/>
           <p:nvPr>
             <p:ph idx="1" type="body"/>
@@ -2207,7 +2207,7 @@
   <p:cSld>
     <p:spTree>
       <p:nvGrpSpPr>
-        <p:cNvPr id="101" name="Shape 101"/>
+        <p:cNvPr id="102" name="Shape 102"/>
         <p:cNvGrpSpPr/>
         <p:nvPr/>
       </p:nvGrpSpPr>
@@ -2221,7 +2221,7 @@
       </p:grpSpPr>
       <p:sp>
         <p:nvSpPr>
-          <p:cNvPr id="102" name="Google Shape;102;g3e5d444fa7_0_110:notes"/>
+          <p:cNvPr id="103" name="Google Shape;103;g3e5d444fa7_0_110:notes"/>
           <p:cNvSpPr/>
           <p:nvPr>
             <p:ph idx="2" type="sldImg"/>
@@ -2255,7 +2255,7 @@
       </p:sp>
       <p:sp>
         <p:nvSpPr>
-          <p:cNvPr id="103" name="Google Shape;103;g3e5d444fa7_0_110:notes"/>
+          <p:cNvPr id="104" name="Google Shape;104;g3e5d444fa7_0_110:notes"/>
           <p:cNvSpPr txBox="1"/>
           <p:nvPr>
             <p:ph idx="1" type="body"/>
@@ -2305,7 +2305,7 @@
   <p:cSld>
     <p:spTree>
       <p:nvGrpSpPr>
-        <p:cNvPr id="107" name="Shape 107"/>
+        <p:cNvPr id="108" name="Shape 108"/>
         <p:cNvGrpSpPr/>
         <p:nvPr/>
       </p:nvGrpSpPr>
@@ -2319,7 +2319,7 @@
       </p:grpSpPr>
       <p:sp>
         <p:nvSpPr>
-          <p:cNvPr id="108" name="Google Shape;108;g3e5d444fa7_0_52:notes"/>
+          <p:cNvPr id="109" name="Google Shape;109;g3e5d444fa7_0_52:notes"/>
           <p:cNvSpPr/>
           <p:nvPr>
             <p:ph idx="2" type="sldImg"/>
@@ -2353,7 +2353,7 @@
       </p:sp>
       <p:sp>
         <p:nvSpPr>
-          <p:cNvPr id="109" name="Google Shape;109;g3e5d444fa7_0_52:notes"/>
+          <p:cNvPr id="110" name="Google Shape;110;g3e5d444fa7_0_52:notes"/>
           <p:cNvSpPr txBox="1"/>
           <p:nvPr>
             <p:ph idx="1" type="body"/>
@@ -2403,7 +2403,7 @@
   <p:cSld>
     <p:spTree>
       <p:nvGrpSpPr>
-        <p:cNvPr id="114" name="Shape 114"/>
+        <p:cNvPr id="115" name="Shape 115"/>
         <p:cNvGrpSpPr/>
         <p:nvPr/>
       </p:nvGrpSpPr>
@@ -2417,7 +2417,7 @@
       </p:grpSpPr>
       <p:sp>
         <p:nvSpPr>
-          <p:cNvPr id="115" name="Google Shape;115;g3dbb35b63d_0_303:notes"/>
+          <p:cNvPr id="116" name="Google Shape;116;g3dbb35b63d_0_303:notes"/>
           <p:cNvSpPr/>
           <p:nvPr>
             <p:ph idx="2" type="sldImg"/>
@@ -2451,7 +2451,7 @@
       </p:sp>
       <p:sp>
         <p:nvSpPr>
-          <p:cNvPr id="116" name="Google Shape;116;g3dbb35b63d_0_303:notes"/>
+          <p:cNvPr id="117" name="Google Shape;117;g3dbb35b63d_0_303:notes"/>
           <p:cNvSpPr txBox="1"/>
           <p:nvPr>
             <p:ph idx="1" type="body"/>
@@ -2502,7 +2502,7 @@
   <p:cSld>
     <p:spTree>
       <p:nvGrpSpPr>
-        <p:cNvPr id="131" name="Shape 131"/>
+        <p:cNvPr id="132" name="Shape 132"/>
         <p:cNvGrpSpPr/>
         <p:nvPr/>
       </p:nvGrpSpPr>
@@ -2516,7 +2516,7 @@
       </p:grpSpPr>
       <p:sp>
         <p:nvSpPr>
-          <p:cNvPr id="132" name="Google Shape;132;g3e5d444fa7_0_75:notes"/>
+          <p:cNvPr id="133" name="Google Shape;133;g3e5d444fa7_0_75:notes"/>
           <p:cNvSpPr/>
           <p:nvPr>
             <p:ph idx="2" type="sldImg"/>
@@ -2550,7 +2550,7 @@
       </p:sp>
       <p:sp>
         <p:nvSpPr>
-          <p:cNvPr id="133" name="Google Shape;133;g3e5d444fa7_0_75:notes"/>
+          <p:cNvPr id="134" name="Google Shape;134;g3e5d444fa7_0_75:notes"/>
           <p:cNvSpPr txBox="1"/>
           <p:nvPr>
             <p:ph idx="1" type="body"/>
@@ -2600,7 +2600,7 @@
   <p:cSld>
     <p:spTree>
       <p:nvGrpSpPr>
-        <p:cNvPr id="153" name="Shape 153"/>
+        <p:cNvPr id="154" name="Shape 154"/>
         <p:cNvGrpSpPr/>
         <p:nvPr/>
       </p:nvGrpSpPr>
@@ -2614,7 +2614,7 @@
       </p:grpSpPr>
       <p:sp>
         <p:nvSpPr>
-          <p:cNvPr id="154" name="Google Shape;154;g3e5fae1630_1_0:notes"/>
+          <p:cNvPr id="155" name="Google Shape;155;g3e5fae1630_1_0:notes"/>
           <p:cNvSpPr/>
           <p:nvPr>
             <p:ph idx="2" type="sldImg"/>
@@ -2648,7 +2648,7 @@
       </p:sp>
       <p:sp>
         <p:nvSpPr>
-          <p:cNvPr id="155" name="Google Shape;155;g3e5fae1630_1_0:notes"/>
+          <p:cNvPr id="156" name="Google Shape;156;g3e5fae1630_1_0:notes"/>
           <p:cNvSpPr txBox="1"/>
           <p:nvPr>
             <p:ph idx="1" type="body"/>
@@ -2698,7 +2698,7 @@
   <p:cSld>
     <p:spTree>
       <p:nvGrpSpPr>
-        <p:cNvPr id="168" name="Shape 168"/>
+        <p:cNvPr id="169" name="Shape 169"/>
         <p:cNvGrpSpPr/>
         <p:nvPr/>
       </p:nvGrpSpPr>
@@ -2712,7 +2712,7 @@
       </p:grpSpPr>
       <p:sp>
         <p:nvSpPr>
-          <p:cNvPr id="169" name="Google Shape;169;g3e5d444fa7_0_190:notes"/>
+          <p:cNvPr id="170" name="Google Shape;170;g3e5d444fa7_0_190:notes"/>
           <p:cNvSpPr/>
           <p:nvPr>
             <p:ph idx="2" type="sldImg"/>
@@ -2746,7 +2746,7 @@
       </p:sp>
       <p:sp>
         <p:nvSpPr>
-          <p:cNvPr id="170" name="Google Shape;170;g3e5d444fa7_0_190:notes"/>
+          <p:cNvPr id="171" name="Google Shape;171;g3e5d444fa7_0_190:notes"/>
           <p:cNvSpPr txBox="1"/>
           <p:nvPr>
             <p:ph idx="1" type="body"/>
@@ -9362,7 +9362,7 @@
         </p:nvSpPr>
         <p:spPr>
           <a:xfrm>
-            <a:off x="727950" y="5184423"/>
+            <a:off x="699708" y="4803423"/>
             <a:ext cx="7688100" cy="896400"/>
           </a:xfrm>
           <a:prstGeom prst="rect">
@@ -9400,7 +9400,7 @@
             <a:endParaRPr sz="2400"/>
           </a:p>
           <a:p>
-            <a:pPr indent="0" lvl="0" marL="0" rtl="0">
+            <a:pPr indent="0" lvl="0" marL="0">
               <a:spcBef>
                 <a:spcPts val="0"/>
               </a:spcBef>
@@ -9414,6 +9414,21 @@
               <a:t>Institute for Aging Research</a:t>
             </a:r>
             <a:endParaRPr sz="2400"/>
+          </a:p>
+          <a:p>
+            <a:pPr indent="0" lvl="0" marL="0" rtl="0">
+              <a:spcBef>
+                <a:spcPts val="0"/>
+              </a:spcBef>
+              <a:spcAft>
+                <a:spcPts val="0"/>
+              </a:spcAft>
+              <a:buNone/>
+            </a:pPr>
+            <a:r>
+              <a:t/>
+            </a:r>
+            <a:endParaRPr sz="1800"/>
           </a:p>
         </p:txBody>
       </p:sp>
@@ -9472,6 +9487,61 @@
           </a:ln>
         </p:spPr>
       </p:pic>
+      <p:sp>
+        <p:nvSpPr>
+          <p:cNvPr id="90" name="Google Shape;90;p13"/>
+          <p:cNvSpPr txBox="1"/>
+          <p:nvPr/>
+        </p:nvSpPr>
+        <p:spPr>
+          <a:xfrm>
+            <a:off x="711919" y="6175925"/>
+            <a:ext cx="4431600" cy="362100"/>
+          </a:xfrm>
+          <a:prstGeom prst="rect">
+            <a:avLst/>
+          </a:prstGeom>
+          <a:noFill/>
+          <a:ln>
+            <a:noFill/>
+          </a:ln>
+        </p:spPr>
+        <p:txBody>
+          <a:bodyPr anchorCtr="0" anchor="t" bIns="91425" lIns="91425" spcFirstLastPara="1" rIns="91425" wrap="square" tIns="91425">
+            <a:noAutofit/>
+          </a:bodyPr>
+          <a:lstStyle/>
+          <a:p>
+            <a:pPr indent="0" lvl="0" marL="0" rtl="0">
+              <a:spcBef>
+                <a:spcPts val="0"/>
+              </a:spcBef>
+              <a:spcAft>
+                <a:spcPts val="0"/>
+              </a:spcAft>
+              <a:buNone/>
+            </a:pPr>
+            <a:r>
+              <a:rPr lang="en" sz="1800">
+                <a:solidFill>
+                  <a:schemeClr val="accent1"/>
+                </a:solidFill>
+              </a:rPr>
+              <a:t>Slide available @ </a:t>
+            </a:r>
+            <a:r>
+              <a:rPr lang="en" sz="1800" u="sng">
+                <a:solidFill>
+                  <a:schemeClr val="accent5"/>
+                </a:solidFill>
+                <a:hlinkClick r:id="rId6"/>
+              </a:rPr>
+              <a:t>bit.ly/kableExtra_JSM</a:t>
+            </a:r>
+            <a:endParaRPr/>
+          </a:p>
+        </p:txBody>
+      </p:sp>
     </p:spTree>
   </p:cSld>
   <p:clrMapOvr>
@@ -9485,7 +9555,7 @@
   <p:cSld>
     <p:spTree>
       <p:nvGrpSpPr>
-        <p:cNvPr id="181" name="Shape 181"/>
+        <p:cNvPr id="182" name="Shape 182"/>
         <p:cNvGrpSpPr/>
         <p:nvPr/>
       </p:nvGrpSpPr>
@@ -9499,7 +9569,7 @@
       </p:grpSpPr>
       <p:sp>
         <p:nvSpPr>
-          <p:cNvPr id="182" name="Google Shape;182;p22"/>
+          <p:cNvPr id="183" name="Google Shape;183;p22"/>
           <p:cNvSpPr txBox="1"/>
           <p:nvPr/>
         </p:nvSpPr>
@@ -9549,7 +9619,7 @@
       </p:sp>
       <p:sp>
         <p:nvSpPr>
-          <p:cNvPr id="183" name="Google Shape;183;p22"/>
+          <p:cNvPr id="184" name="Google Shape;184;p22"/>
           <p:cNvSpPr txBox="1"/>
           <p:nvPr/>
         </p:nvSpPr>
@@ -9601,7 +9671,7 @@
       </p:sp>
       <p:sp>
         <p:nvSpPr>
-          <p:cNvPr id="184" name="Google Shape;184;p22"/>
+          <p:cNvPr id="185" name="Google Shape;185;p22"/>
           <p:cNvSpPr txBox="1"/>
           <p:nvPr/>
         </p:nvSpPr>
@@ -9651,7 +9721,7 @@
       </p:sp>
       <p:sp>
         <p:nvSpPr>
-          <p:cNvPr id="185" name="Google Shape;185;p22"/>
+          <p:cNvPr id="186" name="Google Shape;186;p22"/>
           <p:cNvSpPr txBox="1"/>
           <p:nvPr/>
         </p:nvSpPr>
@@ -9692,66 +9762,6 @@
                 </a:solidFill>
               </a:rPr>
               <a:t>column_spec</a:t>
-            </a:r>
-            <a:endParaRPr>
-              <a:solidFill>
-                <a:srgbClr val="CC0000"/>
-              </a:solidFill>
-            </a:endParaRPr>
-          </a:p>
-        </p:txBody>
-      </p:sp>
-      <p:sp>
-        <p:nvSpPr>
-          <p:cNvPr id="186" name="Google Shape;186;p22"/>
-          <p:cNvSpPr txBox="1"/>
-          <p:nvPr/>
-        </p:nvSpPr>
-        <p:spPr>
-          <a:xfrm>
-            <a:off x="594200" y="2425298"/>
-            <a:ext cx="956400" cy="352200"/>
-          </a:xfrm>
-          <a:prstGeom prst="rect">
-            <a:avLst/>
-          </a:prstGeom>
-          <a:solidFill>
-            <a:srgbClr val="EFEFEF"/>
-          </a:solidFill>
-          <a:ln>
-            <a:noFill/>
-          </a:ln>
-        </p:spPr>
-        <p:txBody>
-          <a:bodyPr anchorCtr="0" anchor="t" bIns="91425" lIns="91425" spcFirstLastPara="1" rIns="91425" wrap="square" tIns="91425">
-            <a:noAutofit/>
-          </a:bodyPr>
-          <a:lstStyle/>
-          <a:p>
-            <a:pPr indent="0" lvl="0" marL="0" rtl="0">
-              <a:spcBef>
-                <a:spcPts val="0"/>
-              </a:spcBef>
-              <a:spcAft>
-                <a:spcPts val="0"/>
-              </a:spcAft>
-              <a:buNone/>
-            </a:pPr>
-            <a:r>
-              <a:rPr lang="en">
-                <a:solidFill>
-                  <a:srgbClr val="CC0000"/>
-                </a:solidFill>
-              </a:rPr>
-              <a:t>row</a:t>
-            </a:r>
-            <a:r>
-              <a:rPr lang="en">
-                <a:solidFill>
-                  <a:srgbClr val="CC0000"/>
-                </a:solidFill>
-              </a:rPr>
-              <a:t>_spec</a:t>
             </a:r>
             <a:endParaRPr>
               <a:solidFill>
@@ -9769,7 +9779,7 @@
         </p:nvSpPr>
         <p:spPr>
           <a:xfrm>
-            <a:off x="594200" y="2894423"/>
+            <a:off x="594200" y="2425298"/>
             <a:ext cx="956400" cy="352200"/>
           </a:xfrm>
           <a:prstGeom prst="rect">
@@ -9803,7 +9813,7 @@
                   <a:srgbClr val="CC0000"/>
                 </a:solidFill>
               </a:rPr>
-              <a:t>cell</a:t>
+              <a:t>row</a:t>
             </a:r>
             <a:r>
               <a:rPr lang="en">
@@ -9829,6 +9839,66 @@
         </p:nvSpPr>
         <p:spPr>
           <a:xfrm>
+            <a:off x="594200" y="2894423"/>
+            <a:ext cx="956400" cy="352200"/>
+          </a:xfrm>
+          <a:prstGeom prst="rect">
+            <a:avLst/>
+          </a:prstGeom>
+          <a:solidFill>
+            <a:srgbClr val="EFEFEF"/>
+          </a:solidFill>
+          <a:ln>
+            <a:noFill/>
+          </a:ln>
+        </p:spPr>
+        <p:txBody>
+          <a:bodyPr anchorCtr="0" anchor="t" bIns="91425" lIns="91425" spcFirstLastPara="1" rIns="91425" wrap="square" tIns="91425">
+            <a:noAutofit/>
+          </a:bodyPr>
+          <a:lstStyle/>
+          <a:p>
+            <a:pPr indent="0" lvl="0" marL="0" rtl="0">
+              <a:spcBef>
+                <a:spcPts val="0"/>
+              </a:spcBef>
+              <a:spcAft>
+                <a:spcPts val="0"/>
+              </a:spcAft>
+              <a:buNone/>
+            </a:pPr>
+            <a:r>
+              <a:rPr lang="en">
+                <a:solidFill>
+                  <a:srgbClr val="CC0000"/>
+                </a:solidFill>
+              </a:rPr>
+              <a:t>cell</a:t>
+            </a:r>
+            <a:r>
+              <a:rPr lang="en">
+                <a:solidFill>
+                  <a:srgbClr val="CC0000"/>
+                </a:solidFill>
+              </a:rPr>
+              <a:t>_spec</a:t>
+            </a:r>
+            <a:endParaRPr>
+              <a:solidFill>
+                <a:srgbClr val="CC0000"/>
+              </a:solidFill>
+            </a:endParaRPr>
+          </a:p>
+        </p:txBody>
+      </p:sp>
+      <p:sp>
+        <p:nvSpPr>
+          <p:cNvPr id="189" name="Google Shape;189;p22"/>
+          <p:cNvSpPr txBox="1"/>
+          <p:nvPr/>
+        </p:nvSpPr>
+        <p:spPr>
+          <a:xfrm>
             <a:off x="489050" y="3270944"/>
             <a:ext cx="3542400" cy="548700"/>
           </a:xfrm>
@@ -9873,7 +9943,7 @@
       </p:sp>
       <p:sp>
         <p:nvSpPr>
-          <p:cNvPr id="189" name="Google Shape;189;p22"/>
+          <p:cNvPr id="190" name="Google Shape;190;p22"/>
           <p:cNvSpPr txBox="1"/>
           <p:nvPr/>
         </p:nvSpPr>
@@ -9914,58 +9984,6 @@
                 </a:solidFill>
               </a:rPr>
               <a:t>add_header_above</a:t>
-            </a:r>
-            <a:endParaRPr>
-              <a:solidFill>
-                <a:srgbClr val="CC0000"/>
-              </a:solidFill>
-            </a:endParaRPr>
-          </a:p>
-        </p:txBody>
-      </p:sp>
-      <p:sp>
-        <p:nvSpPr>
-          <p:cNvPr id="190" name="Google Shape;190;p22"/>
-          <p:cNvSpPr txBox="1"/>
-          <p:nvPr/>
-        </p:nvSpPr>
-        <p:spPr>
-          <a:xfrm>
-            <a:off x="594200" y="4230250"/>
-            <a:ext cx="1123200" cy="352200"/>
-          </a:xfrm>
-          <a:prstGeom prst="rect">
-            <a:avLst/>
-          </a:prstGeom>
-          <a:solidFill>
-            <a:srgbClr val="EFEFEF"/>
-          </a:solidFill>
-          <a:ln>
-            <a:noFill/>
-          </a:ln>
-        </p:spPr>
-        <p:txBody>
-          <a:bodyPr anchorCtr="0" anchor="t" bIns="91425" lIns="91425" spcFirstLastPara="1" rIns="91425" wrap="square" tIns="91425">
-            <a:noAutofit/>
-          </a:bodyPr>
-          <a:lstStyle/>
-          <a:p>
-            <a:pPr indent="0" lvl="0" marL="0" rtl="0">
-              <a:spcBef>
-                <a:spcPts val="0"/>
-              </a:spcBef>
-              <a:spcAft>
-                <a:spcPts val="0"/>
-              </a:spcAft>
-              <a:buNone/>
-            </a:pPr>
-            <a:r>
-              <a:rPr lang="en">
-                <a:solidFill>
-                  <a:srgbClr val="CC0000"/>
-                </a:solidFill>
-              </a:rPr>
-              <a:t>group_rows</a:t>
             </a:r>
             <a:endParaRPr>
               <a:solidFill>
@@ -9983,8 +10001,8 @@
         </p:nvSpPr>
         <p:spPr>
           <a:xfrm>
-            <a:off x="594200" y="4699375"/>
-            <a:ext cx="1314000" cy="352200"/>
+            <a:off x="594200" y="4230250"/>
+            <a:ext cx="1123200" cy="352200"/>
           </a:xfrm>
           <a:prstGeom prst="rect">
             <a:avLst/>
@@ -10017,7 +10035,7 @@
                   <a:srgbClr val="CC0000"/>
                 </a:solidFill>
               </a:rPr>
-              <a:t>collapse_rows</a:t>
+              <a:t>group_rows</a:t>
             </a:r>
             <a:endParaRPr>
               <a:solidFill>
@@ -10035,6 +10053,58 @@
         </p:nvSpPr>
         <p:spPr>
           <a:xfrm>
+            <a:off x="594200" y="4699375"/>
+            <a:ext cx="1314000" cy="352200"/>
+          </a:xfrm>
+          <a:prstGeom prst="rect">
+            <a:avLst/>
+          </a:prstGeom>
+          <a:solidFill>
+            <a:srgbClr val="EFEFEF"/>
+          </a:solidFill>
+          <a:ln>
+            <a:noFill/>
+          </a:ln>
+        </p:spPr>
+        <p:txBody>
+          <a:bodyPr anchorCtr="0" anchor="t" bIns="91425" lIns="91425" spcFirstLastPara="1" rIns="91425" wrap="square" tIns="91425">
+            <a:noAutofit/>
+          </a:bodyPr>
+          <a:lstStyle/>
+          <a:p>
+            <a:pPr indent="0" lvl="0" marL="0" rtl="0">
+              <a:spcBef>
+                <a:spcPts val="0"/>
+              </a:spcBef>
+              <a:spcAft>
+                <a:spcPts val="0"/>
+              </a:spcAft>
+              <a:buNone/>
+            </a:pPr>
+            <a:r>
+              <a:rPr lang="en">
+                <a:solidFill>
+                  <a:srgbClr val="CC0000"/>
+                </a:solidFill>
+              </a:rPr>
+              <a:t>collapse_rows</a:t>
+            </a:r>
+            <a:endParaRPr>
+              <a:solidFill>
+                <a:srgbClr val="CC0000"/>
+              </a:solidFill>
+            </a:endParaRPr>
+          </a:p>
+        </p:txBody>
+      </p:sp>
+      <p:sp>
+        <p:nvSpPr>
+          <p:cNvPr id="193" name="Google Shape;193;p22"/>
+          <p:cNvSpPr txBox="1"/>
+          <p:nvPr/>
+        </p:nvSpPr>
+        <p:spPr>
+          <a:xfrm>
             <a:off x="489050" y="5099744"/>
             <a:ext cx="3542400" cy="548700"/>
           </a:xfrm>
@@ -10079,7 +10149,7 @@
       </p:sp>
       <p:sp>
         <p:nvSpPr>
-          <p:cNvPr id="193" name="Google Shape;193;p22"/>
+          <p:cNvPr id="194" name="Google Shape;194;p22"/>
           <p:cNvSpPr txBox="1"/>
           <p:nvPr/>
         </p:nvSpPr>
@@ -10131,7 +10201,7 @@
       </p:sp>
       <p:sp>
         <p:nvSpPr>
-          <p:cNvPr id="194" name="Google Shape;194;p22"/>
+          <p:cNvPr id="195" name="Google Shape;195;p22"/>
           <p:cNvSpPr txBox="1"/>
           <p:nvPr/>
         </p:nvSpPr>
@@ -10170,56 +10240,6 @@
                 </a:solidFill>
               </a:rPr>
               <a:t>General setup: Table themes, striped rows, position, font size etc</a:t>
-            </a:r>
-            <a:endParaRPr sz="1800">
-              <a:solidFill>
-                <a:srgbClr val="45397F"/>
-              </a:solidFill>
-            </a:endParaRPr>
-          </a:p>
-        </p:txBody>
-      </p:sp>
-      <p:sp>
-        <p:nvSpPr>
-          <p:cNvPr id="195" name="Google Shape;195;p22"/>
-          <p:cNvSpPr txBox="1"/>
-          <p:nvPr/>
-        </p:nvSpPr>
-        <p:spPr>
-          <a:xfrm>
-            <a:off x="3065250" y="1894200"/>
-            <a:ext cx="3111900" cy="714300"/>
-          </a:xfrm>
-          <a:prstGeom prst="rect">
-            <a:avLst/>
-          </a:prstGeom>
-          <a:noFill/>
-          <a:ln>
-            <a:noFill/>
-          </a:ln>
-        </p:spPr>
-        <p:txBody>
-          <a:bodyPr anchorCtr="0" anchor="t" bIns="91425" lIns="91425" spcFirstLastPara="1" rIns="91425" wrap="square" tIns="91425">
-            <a:noAutofit/>
-          </a:bodyPr>
-          <a:lstStyle/>
-          <a:p>
-            <a:pPr indent="0" lvl="0" marL="0" rtl="0">
-              <a:spcBef>
-                <a:spcPts val="0"/>
-              </a:spcBef>
-              <a:spcAft>
-                <a:spcPts val="0"/>
-              </a:spcAft>
-              <a:buNone/>
-            </a:pPr>
-            <a:r>
-              <a:rPr lang="en" sz="1800">
-                <a:solidFill>
-                  <a:srgbClr val="45397F"/>
-                </a:solidFill>
-              </a:rPr>
-              <a:t>Specify formats (bold, font color etc) for selected columns, rows &amp; cells</a:t>
             </a:r>
             <a:endParaRPr sz="1800">
               <a:solidFill>
@@ -10237,6 +10257,56 @@
         </p:nvSpPr>
         <p:spPr>
           <a:xfrm>
+            <a:off x="3065250" y="1894200"/>
+            <a:ext cx="3111900" cy="714300"/>
+          </a:xfrm>
+          <a:prstGeom prst="rect">
+            <a:avLst/>
+          </a:prstGeom>
+          <a:noFill/>
+          <a:ln>
+            <a:noFill/>
+          </a:ln>
+        </p:spPr>
+        <p:txBody>
+          <a:bodyPr anchorCtr="0" anchor="t" bIns="91425" lIns="91425" spcFirstLastPara="1" rIns="91425" wrap="square" tIns="91425">
+            <a:noAutofit/>
+          </a:bodyPr>
+          <a:lstStyle/>
+          <a:p>
+            <a:pPr indent="0" lvl="0" marL="0" rtl="0">
+              <a:spcBef>
+                <a:spcPts val="0"/>
+              </a:spcBef>
+              <a:spcAft>
+                <a:spcPts val="0"/>
+              </a:spcAft>
+              <a:buNone/>
+            </a:pPr>
+            <a:r>
+              <a:rPr lang="en" sz="1800">
+                <a:solidFill>
+                  <a:srgbClr val="45397F"/>
+                </a:solidFill>
+              </a:rPr>
+              <a:t>Specify formats (bold, font color etc) for selected columns, rows &amp; cells</a:t>
+            </a:r>
+            <a:endParaRPr sz="1800">
+              <a:solidFill>
+                <a:srgbClr val="45397F"/>
+              </a:solidFill>
+            </a:endParaRPr>
+          </a:p>
+        </p:txBody>
+      </p:sp>
+      <p:sp>
+        <p:nvSpPr>
+          <p:cNvPr id="197" name="Google Shape;197;p22"/>
+          <p:cNvSpPr txBox="1"/>
+          <p:nvPr/>
+        </p:nvSpPr>
+        <p:spPr>
+          <a:xfrm>
             <a:off x="3065250" y="3773050"/>
             <a:ext cx="2719200" cy="1352700"/>
           </a:xfrm>
@@ -10281,7 +10351,7 @@
       </p:sp>
       <p:pic>
         <p:nvPicPr>
-          <p:cNvPr id="197" name="Google Shape;197;p22"/>
+          <p:cNvPr id="198" name="Google Shape;198;p22"/>
           <p:cNvPicPr preferRelativeResize="0"/>
           <p:nvPr/>
         </p:nvPicPr>
@@ -10314,7 +10384,7 @@
       </p:pic>
       <p:pic>
         <p:nvPicPr>
-          <p:cNvPr id="198" name="Google Shape;198;p22"/>
+          <p:cNvPr id="199" name="Google Shape;199;p22"/>
           <p:cNvPicPr preferRelativeResize="0"/>
           <p:nvPr/>
         </p:nvPicPr>
@@ -10348,7 +10418,7 @@
       </p:pic>
       <p:pic>
         <p:nvPicPr>
-          <p:cNvPr id="199" name="Google Shape;199;p22"/>
+          <p:cNvPr id="200" name="Google Shape;200;p22"/>
           <p:cNvPicPr preferRelativeResize="0"/>
           <p:nvPr/>
         </p:nvPicPr>
@@ -10382,7 +10452,7 @@
       </p:pic>
       <p:pic>
         <p:nvPicPr>
-          <p:cNvPr id="200" name="Google Shape;200;p22"/>
+          <p:cNvPr id="201" name="Google Shape;201;p22"/>
           <p:cNvPicPr preferRelativeResize="0"/>
           <p:nvPr/>
         </p:nvPicPr>
@@ -10416,7 +10486,7 @@
       </p:pic>
       <p:sp>
         <p:nvSpPr>
-          <p:cNvPr id="201" name="Google Shape;201;p22"/>
+          <p:cNvPr id="202" name="Google Shape;202;p22"/>
           <p:cNvSpPr txBox="1"/>
           <p:nvPr/>
         </p:nvSpPr>
@@ -10477,7 +10547,7 @@
   <p:cSld>
     <p:spTree>
       <p:nvGrpSpPr>
-        <p:cNvPr id="205" name="Shape 205"/>
+        <p:cNvPr id="206" name="Shape 206"/>
         <p:cNvGrpSpPr/>
         <p:nvPr/>
       </p:nvGrpSpPr>
@@ -10491,7 +10561,7 @@
       </p:grpSpPr>
       <p:pic>
         <p:nvPicPr>
-          <p:cNvPr id="206" name="Google Shape;206;p23"/>
+          <p:cNvPr id="207" name="Google Shape;207;p23"/>
           <p:cNvPicPr preferRelativeResize="0"/>
           <p:nvPr/>
         </p:nvPicPr>
@@ -10518,7 +10588,7 @@
       </p:pic>
       <p:sp>
         <p:nvSpPr>
-          <p:cNvPr id="207" name="Google Shape;207;p23"/>
+          <p:cNvPr id="208" name="Google Shape;208;p23"/>
           <p:cNvSpPr txBox="1"/>
           <p:nvPr>
             <p:ph type="title"/>
@@ -10569,7 +10639,7 @@
   <p:cSld>
     <p:spTree>
       <p:nvGrpSpPr>
-        <p:cNvPr id="211" name="Shape 211"/>
+        <p:cNvPr id="212" name="Shape 212"/>
         <p:cNvGrpSpPr/>
         <p:nvPr/>
       </p:nvGrpSpPr>
@@ -10583,7 +10653,7 @@
       </p:grpSpPr>
       <p:pic>
         <p:nvPicPr>
-          <p:cNvPr id="212" name="Google Shape;212;p24"/>
+          <p:cNvPr id="213" name="Google Shape;213;p24"/>
           <p:cNvPicPr preferRelativeResize="0"/>
           <p:nvPr/>
         </p:nvPicPr>
@@ -10616,7 +10686,7 @@
       </p:pic>
       <p:sp>
         <p:nvSpPr>
-          <p:cNvPr id="213" name="Google Shape;213;p24"/>
+          <p:cNvPr id="214" name="Google Shape;214;p24"/>
           <p:cNvSpPr txBox="1"/>
           <p:nvPr/>
         </p:nvSpPr>
@@ -10666,7 +10736,7 @@
       </p:sp>
       <p:sp>
         <p:nvSpPr>
-          <p:cNvPr id="214" name="Google Shape;214;p24"/>
+          <p:cNvPr id="215" name="Google Shape;215;p24"/>
           <p:cNvSpPr txBox="1"/>
           <p:nvPr/>
         </p:nvSpPr>
@@ -10728,7 +10798,7 @@
   <p:cSld>
     <p:spTree>
       <p:nvGrpSpPr>
-        <p:cNvPr id="218" name="Shape 218"/>
+        <p:cNvPr id="219" name="Shape 219"/>
         <p:cNvGrpSpPr/>
         <p:nvPr/>
       </p:nvGrpSpPr>
@@ -10742,7 +10812,7 @@
       </p:grpSpPr>
       <p:pic>
         <p:nvPicPr>
-          <p:cNvPr id="219" name="Google Shape;219;p25"/>
+          <p:cNvPr id="220" name="Google Shape;220;p25"/>
           <p:cNvPicPr preferRelativeResize="0"/>
           <p:nvPr/>
         </p:nvPicPr>
@@ -10776,7 +10846,7 @@
       </p:pic>
       <p:sp>
         <p:nvSpPr>
-          <p:cNvPr id="220" name="Google Shape;220;p25"/>
+          <p:cNvPr id="221" name="Google Shape;221;p25"/>
           <p:cNvSpPr txBox="1"/>
           <p:nvPr/>
         </p:nvSpPr>
@@ -10853,7 +10923,7 @@
       </p:sp>
       <p:sp>
         <p:nvSpPr>
-          <p:cNvPr id="221" name="Google Shape;221;p25"/>
+          <p:cNvPr id="222" name="Google Shape;222;p25"/>
           <p:cNvSpPr txBox="1"/>
           <p:nvPr/>
         </p:nvSpPr>
@@ -10915,7 +10985,7 @@
   <p:cSld>
     <p:spTree>
       <p:nvGrpSpPr>
-        <p:cNvPr id="225" name="Shape 225"/>
+        <p:cNvPr id="226" name="Shape 226"/>
         <p:cNvGrpSpPr/>
         <p:nvPr/>
       </p:nvGrpSpPr>
@@ -10929,7 +10999,7 @@
       </p:grpSpPr>
       <p:sp>
         <p:nvSpPr>
-          <p:cNvPr id="226" name="Google Shape;226;p26"/>
+          <p:cNvPr id="227" name="Google Shape;227;p26"/>
           <p:cNvSpPr txBox="1"/>
           <p:nvPr/>
         </p:nvSpPr>
@@ -11006,7 +11076,7 @@
       </p:sp>
       <p:pic>
         <p:nvPicPr>
-          <p:cNvPr id="227" name="Google Shape;227;p26"/>
+          <p:cNvPr id="228" name="Google Shape;228;p26"/>
           <p:cNvPicPr preferRelativeResize="0"/>
           <p:nvPr/>
         </p:nvPicPr>
@@ -11040,7 +11110,7 @@
       </p:pic>
       <p:sp>
         <p:nvSpPr>
-          <p:cNvPr id="228" name="Google Shape;228;p26"/>
+          <p:cNvPr id="229" name="Google Shape;229;p26"/>
           <p:cNvSpPr txBox="1"/>
           <p:nvPr/>
         </p:nvSpPr>
@@ -11102,7 +11172,7 @@
   <p:cSld>
     <p:spTree>
       <p:nvGrpSpPr>
-        <p:cNvPr id="232" name="Shape 232"/>
+        <p:cNvPr id="233" name="Shape 233"/>
         <p:cNvGrpSpPr/>
         <p:nvPr/>
       </p:nvGrpSpPr>
@@ -11116,7 +11186,7 @@
       </p:grpSpPr>
       <p:sp>
         <p:nvSpPr>
-          <p:cNvPr id="233" name="Google Shape;233;p27"/>
+          <p:cNvPr id="234" name="Google Shape;234;p27"/>
           <p:cNvSpPr txBox="1"/>
           <p:nvPr/>
         </p:nvSpPr>
@@ -11193,7 +11263,7 @@
       </p:sp>
       <p:pic>
         <p:nvPicPr>
-          <p:cNvPr id="234" name="Google Shape;234;p27"/>
+          <p:cNvPr id="235" name="Google Shape;235;p27"/>
           <p:cNvPicPr preferRelativeResize="0"/>
           <p:nvPr/>
         </p:nvPicPr>
@@ -11221,7 +11291,7 @@
       </p:pic>
       <p:sp>
         <p:nvSpPr>
-          <p:cNvPr id="235" name="Google Shape;235;p27"/>
+          <p:cNvPr id="236" name="Google Shape;236;p27"/>
           <p:cNvSpPr txBox="1"/>
           <p:nvPr/>
         </p:nvSpPr>
@@ -11283,7 +11353,7 @@
   <p:cSld>
     <p:spTree>
       <p:nvGrpSpPr>
-        <p:cNvPr id="239" name="Shape 239"/>
+        <p:cNvPr id="240" name="Shape 240"/>
         <p:cNvGrpSpPr/>
         <p:nvPr/>
       </p:nvGrpSpPr>
@@ -11297,7 +11367,7 @@
       </p:grpSpPr>
       <p:sp>
         <p:nvSpPr>
-          <p:cNvPr id="240" name="Google Shape;240;p28"/>
+          <p:cNvPr id="241" name="Google Shape;241;p28"/>
           <p:cNvSpPr txBox="1"/>
           <p:nvPr/>
         </p:nvSpPr>
@@ -11366,7 +11436,7 @@
       </p:sp>
       <p:sp>
         <p:nvSpPr>
-          <p:cNvPr id="241" name="Google Shape;241;p28"/>
+          <p:cNvPr id="242" name="Google Shape;242;p28"/>
           <p:cNvSpPr txBox="1"/>
           <p:nvPr/>
         </p:nvSpPr>
@@ -11417,7 +11487,7 @@
       </p:sp>
       <p:pic>
         <p:nvPicPr>
-          <p:cNvPr id="242" name="Google Shape;242;p28"/>
+          <p:cNvPr id="243" name="Google Shape;243;p28"/>
           <p:cNvPicPr preferRelativeResize="0"/>
           <p:nvPr/>
         </p:nvPicPr>
@@ -11456,7 +11526,7 @@
   <p:cSld>
     <p:spTree>
       <p:nvGrpSpPr>
-        <p:cNvPr id="246" name="Shape 246"/>
+        <p:cNvPr id="247" name="Shape 247"/>
         <p:cNvGrpSpPr/>
         <p:nvPr/>
       </p:nvGrpSpPr>
@@ -11470,7 +11540,7 @@
       </p:grpSpPr>
       <p:sp>
         <p:nvSpPr>
-          <p:cNvPr id="247" name="Google Shape;247;p29"/>
+          <p:cNvPr id="248" name="Google Shape;248;p29"/>
           <p:cNvSpPr txBox="1"/>
           <p:nvPr/>
         </p:nvSpPr>
@@ -11539,7 +11609,7 @@
       </p:sp>
       <p:sp>
         <p:nvSpPr>
-          <p:cNvPr id="248" name="Google Shape;248;p29"/>
+          <p:cNvPr id="249" name="Google Shape;249;p29"/>
           <p:cNvSpPr txBox="1"/>
           <p:nvPr/>
         </p:nvSpPr>
@@ -11590,7 +11660,7 @@
       </p:sp>
       <p:pic>
         <p:nvPicPr>
-          <p:cNvPr id="249" name="Google Shape;249;p29"/>
+          <p:cNvPr id="250" name="Google Shape;250;p29"/>
           <p:cNvPicPr preferRelativeResize="0"/>
           <p:nvPr/>
         </p:nvPicPr>
@@ -11629,7 +11699,7 @@
   <p:cSld>
     <p:spTree>
       <p:nvGrpSpPr>
-        <p:cNvPr id="253" name="Shape 253"/>
+        <p:cNvPr id="254" name="Shape 254"/>
         <p:cNvGrpSpPr/>
         <p:nvPr/>
       </p:nvGrpSpPr>
@@ -11643,7 +11713,7 @@
       </p:grpSpPr>
       <p:sp>
         <p:nvSpPr>
-          <p:cNvPr id="254" name="Google Shape;254;p30"/>
+          <p:cNvPr id="255" name="Google Shape;255;p30"/>
           <p:cNvSpPr txBox="1"/>
           <p:nvPr>
             <p:ph type="title"/>
@@ -11687,7 +11757,7 @@
       </p:sp>
       <p:sp>
         <p:nvSpPr>
-          <p:cNvPr id="255" name="Google Shape;255;p30"/>
+          <p:cNvPr id="256" name="Google Shape;256;p30"/>
           <p:cNvSpPr txBox="1"/>
           <p:nvPr>
             <p:ph idx="1" type="body"/>
@@ -11778,7 +11848,7 @@
       </p:sp>
       <p:sp>
         <p:nvSpPr>
-          <p:cNvPr id="256" name="Google Shape;256;p30"/>
+          <p:cNvPr id="257" name="Google Shape;257;p30"/>
           <p:cNvSpPr/>
           <p:nvPr/>
         </p:nvSpPr>
@@ -11835,7 +11905,7 @@
   <p:cSld>
     <p:spTree>
       <p:nvGrpSpPr>
-        <p:cNvPr id="260" name="Shape 260"/>
+        <p:cNvPr id="261" name="Shape 261"/>
         <p:cNvGrpSpPr/>
         <p:nvPr/>
       </p:nvGrpSpPr>
@@ -11849,7 +11919,7 @@
       </p:grpSpPr>
       <p:sp>
         <p:nvSpPr>
-          <p:cNvPr id="261" name="Google Shape;261;p31"/>
+          <p:cNvPr id="262" name="Google Shape;262;p31"/>
           <p:cNvSpPr txBox="1"/>
           <p:nvPr/>
         </p:nvSpPr>
@@ -11899,7 +11969,7 @@
       </p:sp>
       <p:pic>
         <p:nvPicPr>
-          <p:cNvPr id="262" name="Google Shape;262;p31"/>
+          <p:cNvPr id="263" name="Google Shape;263;p31"/>
           <p:cNvPicPr preferRelativeResize="0"/>
           <p:nvPr/>
         </p:nvPicPr>
@@ -11927,7 +11997,7 @@
       </p:pic>
       <p:sp>
         <p:nvSpPr>
-          <p:cNvPr id="263" name="Google Shape;263;p31"/>
+          <p:cNvPr id="264" name="Google Shape;264;p31"/>
           <p:cNvSpPr txBox="1"/>
           <p:nvPr/>
         </p:nvSpPr>
@@ -11985,7 +12055,7 @@
   <p:cSld>
     <p:spTree>
       <p:nvGrpSpPr>
-        <p:cNvPr id="93" name="Shape 93"/>
+        <p:cNvPr id="94" name="Shape 94"/>
         <p:cNvGrpSpPr/>
         <p:nvPr/>
       </p:nvGrpSpPr>
@@ -11999,7 +12069,7 @@
       </p:grpSpPr>
       <p:pic>
         <p:nvPicPr>
-          <p:cNvPr id="94" name="Google Shape;94;p14"/>
+          <p:cNvPr id="95" name="Google Shape;95;p14"/>
           <p:cNvPicPr preferRelativeResize="0"/>
           <p:nvPr/>
         </p:nvPicPr>
@@ -12038,7 +12108,7 @@
   <p:cSld>
     <p:spTree>
       <p:nvGrpSpPr>
-        <p:cNvPr id="267" name="Shape 267"/>
+        <p:cNvPr id="268" name="Shape 268"/>
         <p:cNvGrpSpPr/>
         <p:nvPr/>
       </p:nvGrpSpPr>
@@ -12052,7 +12122,7 @@
       </p:grpSpPr>
       <p:sp>
         <p:nvSpPr>
-          <p:cNvPr id="268" name="Google Shape;268;p32"/>
+          <p:cNvPr id="269" name="Google Shape;269;p32"/>
           <p:cNvSpPr txBox="1"/>
           <p:nvPr/>
         </p:nvSpPr>
@@ -12110,7 +12180,7 @@
       </p:sp>
       <p:sp>
         <p:nvSpPr>
-          <p:cNvPr id="269" name="Google Shape;269;p32"/>
+          <p:cNvPr id="270" name="Google Shape;270;p32"/>
           <p:cNvSpPr txBox="1"/>
           <p:nvPr/>
         </p:nvSpPr>
@@ -12157,7 +12227,7 @@
       </p:sp>
       <p:pic>
         <p:nvPicPr>
-          <p:cNvPr id="270" name="Google Shape;270;p32"/>
+          <p:cNvPr id="271" name="Google Shape;271;p32"/>
           <p:cNvPicPr preferRelativeResize="0"/>
           <p:nvPr/>
         </p:nvPicPr>
@@ -12195,7 +12265,7 @@
   <p:cSld>
     <p:spTree>
       <p:nvGrpSpPr>
-        <p:cNvPr id="274" name="Shape 274"/>
+        <p:cNvPr id="275" name="Shape 275"/>
         <p:cNvGrpSpPr/>
         <p:nvPr/>
       </p:nvGrpSpPr>
@@ -12209,7 +12279,7 @@
       </p:grpSpPr>
       <p:sp>
         <p:nvSpPr>
-          <p:cNvPr id="275" name="Google Shape;275;p33"/>
+          <p:cNvPr id="276" name="Google Shape;276;p33"/>
           <p:cNvSpPr txBox="1"/>
           <p:nvPr>
             <p:ph type="title"/>
@@ -12268,7 +12338,7 @@
       </p:sp>
       <p:sp>
         <p:nvSpPr>
-          <p:cNvPr id="276" name="Google Shape;276;p33"/>
+          <p:cNvPr id="277" name="Google Shape;277;p33"/>
           <p:cNvSpPr txBox="1"/>
           <p:nvPr>
             <p:ph idx="1" type="body"/>
@@ -12391,7 +12461,7 @@
   <p:cSld>
     <p:spTree>
       <p:nvGrpSpPr>
-        <p:cNvPr id="98" name="Shape 98"/>
+        <p:cNvPr id="99" name="Shape 99"/>
         <p:cNvGrpSpPr/>
         <p:nvPr/>
       </p:nvGrpSpPr>
@@ -12405,7 +12475,7 @@
       </p:grpSpPr>
       <p:sp>
         <p:nvSpPr>
-          <p:cNvPr id="99" name="Google Shape;99;p15"/>
+          <p:cNvPr id="100" name="Google Shape;100;p15"/>
           <p:cNvSpPr txBox="1"/>
           <p:nvPr>
             <p:ph type="title"/>
@@ -12445,7 +12515,7 @@
       </p:sp>
       <p:sp>
         <p:nvSpPr>
-          <p:cNvPr id="100" name="Google Shape;100;p15"/>
+          <p:cNvPr id="101" name="Google Shape;101;p15"/>
           <p:cNvSpPr txBox="1"/>
           <p:nvPr>
             <p:ph idx="1" type="body"/>
@@ -12547,7 +12617,7 @@
   <p:cSld>
     <p:spTree>
       <p:nvGrpSpPr>
-        <p:cNvPr id="104" name="Shape 104"/>
+        <p:cNvPr id="105" name="Shape 105"/>
         <p:cNvGrpSpPr/>
         <p:nvPr/>
       </p:nvGrpSpPr>
@@ -12561,7 +12631,7 @@
       </p:grpSpPr>
       <p:sp>
         <p:nvSpPr>
-          <p:cNvPr id="105" name="Google Shape;105;p16"/>
+          <p:cNvPr id="106" name="Google Shape;106;p16"/>
           <p:cNvSpPr txBox="1"/>
           <p:nvPr>
             <p:ph type="title"/>
@@ -12601,7 +12671,7 @@
       </p:sp>
       <p:sp>
         <p:nvSpPr>
-          <p:cNvPr id="106" name="Google Shape;106;p16"/>
+          <p:cNvPr id="107" name="Google Shape;107;p16"/>
           <p:cNvSpPr txBox="1"/>
           <p:nvPr>
             <p:ph idx="1" type="body"/>
@@ -12765,7 +12835,7 @@
   <p:cSld>
     <p:spTree>
       <p:nvGrpSpPr>
-        <p:cNvPr id="110" name="Shape 110"/>
+        <p:cNvPr id="111" name="Shape 111"/>
         <p:cNvGrpSpPr/>
         <p:nvPr/>
       </p:nvGrpSpPr>
@@ -12779,7 +12849,7 @@
       </p:grpSpPr>
       <p:sp>
         <p:nvSpPr>
-          <p:cNvPr id="111" name="Google Shape;111;p17"/>
+          <p:cNvPr id="112" name="Google Shape;112;p17"/>
           <p:cNvSpPr txBox="1"/>
           <p:nvPr>
             <p:ph type="title"/>
@@ -12819,7 +12889,7 @@
       </p:sp>
       <p:sp>
         <p:nvSpPr>
-          <p:cNvPr id="112" name="Google Shape;112;p17"/>
+          <p:cNvPr id="113" name="Google Shape;113;p17"/>
           <p:cNvSpPr txBox="1"/>
           <p:nvPr>
             <p:ph type="title"/>
@@ -12859,7 +12929,7 @@
       </p:sp>
       <p:sp>
         <p:nvSpPr>
-          <p:cNvPr id="113" name="Google Shape;113;p17"/>
+          <p:cNvPr id="114" name="Google Shape;114;p17"/>
           <p:cNvSpPr txBox="1"/>
           <p:nvPr>
             <p:ph type="title"/>
@@ -12944,7 +13014,7 @@
                                           </p:stCondLst>
                                         </p:cTn>
                                         <p:tgtEl>
-                                          <p:spTgt spid="112"/>
+                                          <p:spTgt spid="113"/>
                                         </p:tgtEl>
                                         <p:attrNameLst>
                                           <p:attrName>style.visibility</p:attrName>
@@ -12958,7 +13028,7 @@
                                       <p:cBhvr>
                                         <p:cTn dur="1000"/>
                                         <p:tgtEl>
-                                          <p:spTgt spid="112"/>
+                                          <p:spTgt spid="113"/>
                                         </p:tgtEl>
                                       </p:cBhvr>
                                     </p:animEffect>
@@ -12993,41 +13063,6 @@
                                       <p:cBhvr>
                                         <p:cTn dur="1000"/>
                                         <p:tgtEl>
-                                          <p:spTgt spid="111"/>
-                                        </p:tgtEl>
-                                      </p:cBhvr>
-                                    </p:animEffect>
-                                    <p:set>
-                                      <p:cBhvr>
-                                        <p:cTn dur="1" fill="hold">
-                                          <p:stCondLst>
-                                            <p:cond delay="1000"/>
-                                          </p:stCondLst>
-                                        </p:cTn>
-                                        <p:tgtEl>
-                                          <p:spTgt spid="111"/>
-                                        </p:tgtEl>
-                                        <p:attrNameLst>
-                                          <p:attrName>style.visibility</p:attrName>
-                                        </p:attrNameLst>
-                                      </p:cBhvr>
-                                      <p:to>
-                                        <p:strVal val="hidden"/>
-                                      </p:to>
-                                    </p:set>
-                                  </p:childTnLst>
-                                </p:cTn>
-                              </p:par>
-                              <p:par>
-                                <p:cTn fill="hold" nodeType="withEffect" presetClass="exit" presetID="10" presetSubtype="0">
-                                  <p:stCondLst>
-                                    <p:cond delay="0"/>
-                                  </p:stCondLst>
-                                  <p:childTnLst>
-                                    <p:animEffect filter="fade" transition="out">
-                                      <p:cBhvr>
-                                        <p:cTn dur="1000"/>
-                                        <p:tgtEl>
                                           <p:spTgt spid="112"/>
                                         </p:tgtEl>
                                       </p:cBhvr>
@@ -13054,6 +13089,41 @@
                                 </p:cTn>
                               </p:par>
                               <p:par>
+                                <p:cTn fill="hold" nodeType="withEffect" presetClass="exit" presetID="10" presetSubtype="0">
+                                  <p:stCondLst>
+                                    <p:cond delay="0"/>
+                                  </p:stCondLst>
+                                  <p:childTnLst>
+                                    <p:animEffect filter="fade" transition="out">
+                                      <p:cBhvr>
+                                        <p:cTn dur="1000"/>
+                                        <p:tgtEl>
+                                          <p:spTgt spid="113"/>
+                                        </p:tgtEl>
+                                      </p:cBhvr>
+                                    </p:animEffect>
+                                    <p:set>
+                                      <p:cBhvr>
+                                        <p:cTn dur="1" fill="hold">
+                                          <p:stCondLst>
+                                            <p:cond delay="1000"/>
+                                          </p:stCondLst>
+                                        </p:cTn>
+                                        <p:tgtEl>
+                                          <p:spTgt spid="113"/>
+                                        </p:tgtEl>
+                                        <p:attrNameLst>
+                                          <p:attrName>style.visibility</p:attrName>
+                                        </p:attrNameLst>
+                                      </p:cBhvr>
+                                      <p:to>
+                                        <p:strVal val="hidden"/>
+                                      </p:to>
+                                    </p:set>
+                                  </p:childTnLst>
+                                </p:cTn>
+                              </p:par>
+                              <p:par>
                                 <p:cTn fill="hold" nodeType="withEffect" presetClass="entr" presetID="10" presetSubtype="0">
                                   <p:stCondLst>
                                     <p:cond delay="0"/>
@@ -13067,7 +13137,7 @@
                                           </p:stCondLst>
                                         </p:cTn>
                                         <p:tgtEl>
-                                          <p:spTgt spid="113"/>
+                                          <p:spTgt spid="114"/>
                                         </p:tgtEl>
                                         <p:attrNameLst>
                                           <p:attrName>style.visibility</p:attrName>
@@ -13081,7 +13151,7 @@
                                       <p:cBhvr>
                                         <p:cTn dur="1000"/>
                                         <p:tgtEl>
-                                          <p:spTgt spid="113"/>
+                                          <p:spTgt spid="114"/>
                                         </p:tgtEl>
                                       </p:cBhvr>
                                     </p:animEffect>
@@ -13124,7 +13194,7 @@
   <p:cSld>
     <p:spTree>
       <p:nvGrpSpPr>
-        <p:cNvPr id="117" name="Shape 117"/>
+        <p:cNvPr id="118" name="Shape 118"/>
         <p:cNvGrpSpPr/>
         <p:nvPr/>
       </p:nvGrpSpPr>
@@ -13138,7 +13208,7 @@
       </p:grpSpPr>
       <p:pic>
         <p:nvPicPr>
-          <p:cNvPr id="118" name="Google Shape;118;p18"/>
+          <p:cNvPr id="119" name="Google Shape;119;p18"/>
           <p:cNvPicPr preferRelativeResize="0"/>
           <p:nvPr/>
         </p:nvPicPr>
@@ -13165,7 +13235,7 @@
       </p:pic>
       <p:pic>
         <p:nvPicPr>
-          <p:cNvPr id="119" name="Google Shape;119;p18"/>
+          <p:cNvPr id="120" name="Google Shape;120;p18"/>
           <p:cNvPicPr preferRelativeResize="0"/>
           <p:nvPr/>
         </p:nvPicPr>
@@ -13193,7 +13263,7 @@
       </p:pic>
       <p:pic>
         <p:nvPicPr>
-          <p:cNvPr id="120" name="Google Shape;120;p18"/>
+          <p:cNvPr id="121" name="Google Shape;121;p18"/>
           <p:cNvPicPr preferRelativeResize="0"/>
           <p:nvPr/>
         </p:nvPicPr>
@@ -13221,7 +13291,7 @@
       </p:pic>
       <p:sp>
         <p:nvSpPr>
-          <p:cNvPr id="121" name="Google Shape;121;p18"/>
+          <p:cNvPr id="122" name="Google Shape;122;p18"/>
           <p:cNvSpPr/>
           <p:nvPr/>
         </p:nvSpPr>
@@ -13270,7 +13340,7 @@
       </p:sp>
       <p:sp>
         <p:nvSpPr>
-          <p:cNvPr id="122" name="Google Shape;122;p18"/>
+          <p:cNvPr id="123" name="Google Shape;123;p18"/>
           <p:cNvSpPr txBox="1"/>
           <p:nvPr/>
         </p:nvSpPr>
@@ -13320,10 +13390,10 @@
       </p:sp>
       <p:cxnSp>
         <p:nvCxnSpPr>
-          <p:cNvPr id="123" name="Google Shape;123;p18"/>
+          <p:cNvPr id="124" name="Google Shape;124;p18"/>
           <p:cNvCxnSpPr>
-            <a:stCxn id="118" idx="3"/>
-            <a:endCxn id="124" idx="1"/>
+            <a:stCxn id="119" idx="3"/>
+            <a:endCxn id="125" idx="1"/>
           </p:cNvCxnSpPr>
           <p:nvPr/>
         </p:nvCxnSpPr>
@@ -13351,7 +13421,7 @@
       </p:cxnSp>
       <p:cxnSp>
         <p:nvCxnSpPr>
-          <p:cNvPr id="125" name="Google Shape;125;p18"/>
+          <p:cNvPr id="126" name="Google Shape;126;p18"/>
           <p:cNvCxnSpPr/>
           <p:nvPr/>
         </p:nvCxnSpPr>
@@ -13377,7 +13447,7 @@
       </p:cxnSp>
       <p:pic>
         <p:nvPicPr>
-          <p:cNvPr id="124" name="Google Shape;124;p18"/>
+          <p:cNvPr id="125" name="Google Shape;125;p18"/>
           <p:cNvPicPr preferRelativeResize="0"/>
           <p:nvPr/>
         </p:nvPicPr>
@@ -13405,7 +13475,7 @@
       </p:pic>
       <p:sp>
         <p:nvSpPr>
-          <p:cNvPr id="126" name="Google Shape;126;p18"/>
+          <p:cNvPr id="127" name="Google Shape;127;p18"/>
           <p:cNvSpPr/>
           <p:nvPr/>
         </p:nvSpPr>
@@ -13454,7 +13524,7 @@
       </p:sp>
       <p:sp>
         <p:nvSpPr>
-          <p:cNvPr id="127" name="Google Shape;127;p18"/>
+          <p:cNvPr id="128" name="Google Shape;128;p18"/>
           <p:cNvSpPr txBox="1"/>
           <p:nvPr/>
         </p:nvSpPr>
@@ -13504,7 +13574,7 @@
       </p:sp>
       <p:cxnSp>
         <p:nvCxnSpPr>
-          <p:cNvPr id="128" name="Google Shape;128;p18"/>
+          <p:cNvPr id="129" name="Google Shape;129;p18"/>
           <p:cNvCxnSpPr/>
           <p:nvPr/>
         </p:nvCxnSpPr>
@@ -13530,7 +13600,7 @@
       </p:cxnSp>
       <p:pic>
         <p:nvPicPr>
-          <p:cNvPr id="129" name="Google Shape;129;p18"/>
+          <p:cNvPr id="130" name="Google Shape;130;p18"/>
           <p:cNvPicPr preferRelativeResize="0"/>
           <p:nvPr/>
         </p:nvPicPr>
@@ -13558,7 +13628,7 @@
       </p:pic>
       <p:pic>
         <p:nvPicPr>
-          <p:cNvPr id="130" name="Google Shape;130;p18"/>
+          <p:cNvPr id="131" name="Google Shape;131;p18"/>
           <p:cNvPicPr preferRelativeResize="0"/>
           <p:nvPr/>
         </p:nvPicPr>
@@ -13597,94 +13667,6 @@
             <p:seq concurrent="1" nextAc="seek">
               <p:cTn dur="indefinite" id="2" nodeType="mainSeq">
                 <p:childTnLst>
-                  <p:par>
-                    <p:cTn fill="hold">
-                      <p:stCondLst>
-                        <p:cond delay="indefinite"/>
-                      </p:stCondLst>
-                      <p:childTnLst>
-                        <p:par>
-                          <p:cTn fill="hold">
-                            <p:stCondLst>
-                              <p:cond delay="0"/>
-                            </p:stCondLst>
-                            <p:childTnLst>
-                              <p:par>
-                                <p:cTn fill="hold" nodeType="clickEffect" presetClass="entr" presetID="10" presetSubtype="0">
-                                  <p:stCondLst>
-                                    <p:cond delay="0"/>
-                                  </p:stCondLst>
-                                  <p:childTnLst>
-                                    <p:set>
-                                      <p:cBhvr>
-                                        <p:cTn dur="1" fill="hold">
-                                          <p:stCondLst>
-                                            <p:cond delay="0"/>
-                                          </p:stCondLst>
-                                        </p:cTn>
-                                        <p:tgtEl>
-                                          <p:spTgt spid="120"/>
-                                        </p:tgtEl>
-                                        <p:attrNameLst>
-                                          <p:attrName>style.visibility</p:attrName>
-                                        </p:attrNameLst>
-                                      </p:cBhvr>
-                                      <p:to>
-                                        <p:strVal val="visible"/>
-                                      </p:to>
-                                    </p:set>
-                                    <p:animEffect filter="fade" transition="in">
-                                      <p:cBhvr>
-                                        <p:cTn dur="1000"/>
-                                        <p:tgtEl>
-                                          <p:spTgt spid="120"/>
-                                        </p:tgtEl>
-                                      </p:cBhvr>
-                                    </p:animEffect>
-                                  </p:childTnLst>
-                                </p:cTn>
-                              </p:par>
-                              <p:par>
-                                <p:cTn fill="hold" nodeType="withEffect" presetClass="entr" presetID="10" presetSubtype="0">
-                                  <p:stCondLst>
-                                    <p:cond delay="0"/>
-                                  </p:stCondLst>
-                                  <p:childTnLst>
-                                    <p:set>
-                                      <p:cBhvr>
-                                        <p:cTn dur="1" fill="hold">
-                                          <p:stCondLst>
-                                            <p:cond delay="0"/>
-                                          </p:stCondLst>
-                                        </p:cTn>
-                                        <p:tgtEl>
-                                          <p:spTgt spid="119"/>
-                                        </p:tgtEl>
-                                        <p:attrNameLst>
-                                          <p:attrName>style.visibility</p:attrName>
-                                        </p:attrNameLst>
-                                      </p:cBhvr>
-                                      <p:to>
-                                        <p:strVal val="visible"/>
-                                      </p:to>
-                                    </p:set>
-                                    <p:animEffect filter="fade" transition="in">
-                                      <p:cBhvr>
-                                        <p:cTn dur="1000"/>
-                                        <p:tgtEl>
-                                          <p:spTgt spid="119"/>
-                                        </p:tgtEl>
-                                      </p:cBhvr>
-                                    </p:animEffect>
-                                  </p:childTnLst>
-                                </p:cTn>
-                              </p:par>
-                            </p:childTnLst>
-                          </p:cTn>
-                        </p:par>
-                      </p:childTnLst>
-                    </p:cTn>
-                  </p:par>
                   <p:par>
                     <p:cTn fill="hold">
                       <p:stCondLst>
@@ -13746,7 +13728,7 @@
                                           </p:stCondLst>
                                         </p:cTn>
                                         <p:tgtEl>
-                                          <p:spTgt spid="123"/>
+                                          <p:spTgt spid="120"/>
                                         </p:tgtEl>
                                         <p:attrNameLst>
                                           <p:attrName>style.visibility</p:attrName>
@@ -13760,50 +13742,33 @@
                                       <p:cBhvr>
                                         <p:cTn dur="1000"/>
                                         <p:tgtEl>
-                                          <p:spTgt spid="123"/>
+                                          <p:spTgt spid="120"/>
                                         </p:tgtEl>
                                       </p:cBhvr>
                                     </p:animEffect>
                                   </p:childTnLst>
                                 </p:cTn>
                               </p:par>
+                            </p:childTnLst>
+                          </p:cTn>
+                        </p:par>
+                      </p:childTnLst>
+                    </p:cTn>
+                  </p:par>
+                  <p:par>
+                    <p:cTn fill="hold">
+                      <p:stCondLst>
+                        <p:cond delay="indefinite"/>
+                      </p:stCondLst>
+                      <p:childTnLst>
+                        <p:par>
+                          <p:cTn fill="hold">
+                            <p:stCondLst>
+                              <p:cond delay="0"/>
+                            </p:stCondLst>
+                            <p:childTnLst>
                               <p:par>
-                                <p:cTn fill="hold" nodeType="withEffect" presetClass="entr" presetID="10" presetSubtype="0">
-                                  <p:stCondLst>
-                                    <p:cond delay="0"/>
-                                  </p:stCondLst>
-                                  <p:childTnLst>
-                                    <p:set>
-                                      <p:cBhvr>
-                                        <p:cTn dur="1" fill="hold">
-                                          <p:stCondLst>
-                                            <p:cond delay="0"/>
-                                          </p:stCondLst>
-                                        </p:cTn>
-                                        <p:tgtEl>
-                                          <p:spTgt spid="125"/>
-                                        </p:tgtEl>
-                                        <p:attrNameLst>
-                                          <p:attrName>style.visibility</p:attrName>
-                                        </p:attrNameLst>
-                                      </p:cBhvr>
-                                      <p:to>
-                                        <p:strVal val="visible"/>
-                                      </p:to>
-                                    </p:set>
-                                    <p:animEffect filter="fade" transition="in">
-                                      <p:cBhvr>
-                                        <p:cTn dur="1000"/>
-                                        <p:tgtEl>
-                                          <p:spTgt spid="125"/>
-                                        </p:tgtEl>
-                                      </p:cBhvr>
-                                    </p:animEffect>
-                                  </p:childTnLst>
-                                </p:cTn>
-                              </p:par>
-                              <p:par>
-                                <p:cTn fill="hold" nodeType="withEffect" presetClass="entr" presetID="10" presetSubtype="0">
+                                <p:cTn fill="hold" nodeType="clickEffect" presetClass="entr" presetID="10" presetSubtype="0">
                                   <p:stCondLst>
                                     <p:cond delay="0"/>
                                   </p:stCondLst>
@@ -13834,94 +13799,6 @@
                                         </p:tgtEl>
                                       </p:cBhvr>
                                     </p:animEffect>
-                                  </p:childTnLst>
-                                </p:cTn>
-                              </p:par>
-                            </p:childTnLst>
-                          </p:cTn>
-                        </p:par>
-                      </p:childTnLst>
-                    </p:cTn>
-                  </p:par>
-                  <p:par>
-                    <p:cTn fill="hold">
-                      <p:stCondLst>
-                        <p:cond delay="indefinite"/>
-                      </p:stCondLst>
-                      <p:childTnLst>
-                        <p:par>
-                          <p:cTn fill="hold">
-                            <p:stCondLst>
-                              <p:cond delay="0"/>
-                            </p:stCondLst>
-                            <p:childTnLst>
-                              <p:par>
-                                <p:cTn fill="hold" nodeType="clickEffect" presetClass="exit" presetID="10" presetSubtype="0">
-                                  <p:stCondLst>
-                                    <p:cond delay="0"/>
-                                  </p:stCondLst>
-                                  <p:childTnLst>
-                                    <p:animEffect filter="fade" transition="out">
-                                      <p:cBhvr>
-                                        <p:cTn dur="1000"/>
-                                        <p:tgtEl>
-                                          <p:spTgt spid="121"/>
-                                        </p:tgtEl>
-                                      </p:cBhvr>
-                                    </p:animEffect>
-                                    <p:set>
-                                      <p:cBhvr>
-                                        <p:cTn dur="1" fill="hold">
-                                          <p:stCondLst>
-                                            <p:cond delay="1000"/>
-                                          </p:stCondLst>
-                                        </p:cTn>
-                                        <p:tgtEl>
-                                          <p:spTgt spid="121"/>
-                                        </p:tgtEl>
-                                        <p:attrNameLst>
-                                          <p:attrName>style.visibility</p:attrName>
-                                        </p:attrNameLst>
-                                      </p:cBhvr>
-                                      <p:to>
-                                        <p:strVal val="hidden"/>
-                                      </p:to>
-                                    </p:set>
-                                  </p:childTnLst>
-                                </p:cTn>
-                              </p:par>
-                              <p:par>
-                                <p:cTn fill="hold" nodeType="withEffect" presetClass="exit" presetID="10" presetSubtype="0">
-                                  <p:stCondLst>
-                                    <p:cond delay="0"/>
-                                  </p:stCondLst>
-                                  <p:childTnLst>
-                                    <p:animEffect filter="fade" transition="out">
-                                      <p:cBhvr>
-                                        <p:cTn dur="1000"/>
-                                        <p:tgtEl>
-                                          <p:spTgt spid="122"/>
-                                        </p:tgtEl>
-                                      </p:cBhvr>
-                                    </p:animEffect>
-                                    <p:set>
-                                      <p:cBhvr>
-                                        <p:cTn dur="1" fill="hold">
-                                          <p:stCondLst>
-                                            <p:cond delay="1000"/>
-                                          </p:stCondLst>
-                                        </p:cTn>
-                                        <p:tgtEl>
-                                          <p:spTgt spid="122"/>
-                                        </p:tgtEl>
-                                        <p:attrNameLst>
-                                          <p:attrName>style.visibility</p:attrName>
-                                        </p:attrNameLst>
-                                      </p:cBhvr>
-                                      <p:to>
-                                        <p:strVal val="hidden"/>
-                                      </p:to>
-                                    </p:set>
                                   </p:childTnLst>
                                 </p:cTn>
                               </p:par>
@@ -14009,6 +13886,164 @@
                                           </p:stCondLst>
                                         </p:cTn>
                                         <p:tgtEl>
+                                          <p:spTgt spid="123"/>
+                                        </p:tgtEl>
+                                        <p:attrNameLst>
+                                          <p:attrName>style.visibility</p:attrName>
+                                        </p:attrNameLst>
+                                      </p:cBhvr>
+                                      <p:to>
+                                        <p:strVal val="visible"/>
+                                      </p:to>
+                                    </p:set>
+                                    <p:animEffect filter="fade" transition="in">
+                                      <p:cBhvr>
+                                        <p:cTn dur="1000"/>
+                                        <p:tgtEl>
+                                          <p:spTgt spid="123"/>
+                                        </p:tgtEl>
+                                      </p:cBhvr>
+                                    </p:animEffect>
+                                  </p:childTnLst>
+                                </p:cTn>
+                              </p:par>
+                            </p:childTnLst>
+                          </p:cTn>
+                        </p:par>
+                      </p:childTnLst>
+                    </p:cTn>
+                  </p:par>
+                  <p:par>
+                    <p:cTn fill="hold">
+                      <p:stCondLst>
+                        <p:cond delay="indefinite"/>
+                      </p:stCondLst>
+                      <p:childTnLst>
+                        <p:par>
+                          <p:cTn fill="hold">
+                            <p:stCondLst>
+                              <p:cond delay="0"/>
+                            </p:stCondLst>
+                            <p:childTnLst>
+                              <p:par>
+                                <p:cTn fill="hold" nodeType="clickEffect" presetClass="exit" presetID="10" presetSubtype="0">
+                                  <p:stCondLst>
+                                    <p:cond delay="0"/>
+                                  </p:stCondLst>
+                                  <p:childTnLst>
+                                    <p:animEffect filter="fade" transition="out">
+                                      <p:cBhvr>
+                                        <p:cTn dur="1000"/>
+                                        <p:tgtEl>
+                                          <p:spTgt spid="122"/>
+                                        </p:tgtEl>
+                                      </p:cBhvr>
+                                    </p:animEffect>
+                                    <p:set>
+                                      <p:cBhvr>
+                                        <p:cTn dur="1" fill="hold">
+                                          <p:stCondLst>
+                                            <p:cond delay="1000"/>
+                                          </p:stCondLst>
+                                        </p:cTn>
+                                        <p:tgtEl>
+                                          <p:spTgt spid="122"/>
+                                        </p:tgtEl>
+                                        <p:attrNameLst>
+                                          <p:attrName>style.visibility</p:attrName>
+                                        </p:attrNameLst>
+                                      </p:cBhvr>
+                                      <p:to>
+                                        <p:strVal val="hidden"/>
+                                      </p:to>
+                                    </p:set>
+                                  </p:childTnLst>
+                                </p:cTn>
+                              </p:par>
+                              <p:par>
+                                <p:cTn fill="hold" nodeType="withEffect" presetClass="exit" presetID="10" presetSubtype="0">
+                                  <p:stCondLst>
+                                    <p:cond delay="0"/>
+                                  </p:stCondLst>
+                                  <p:childTnLst>
+                                    <p:animEffect filter="fade" transition="out">
+                                      <p:cBhvr>
+                                        <p:cTn dur="1000"/>
+                                        <p:tgtEl>
+                                          <p:spTgt spid="123"/>
+                                        </p:tgtEl>
+                                      </p:cBhvr>
+                                    </p:animEffect>
+                                    <p:set>
+                                      <p:cBhvr>
+                                        <p:cTn dur="1" fill="hold">
+                                          <p:stCondLst>
+                                            <p:cond delay="1000"/>
+                                          </p:stCondLst>
+                                        </p:cTn>
+                                        <p:tgtEl>
+                                          <p:spTgt spid="123"/>
+                                        </p:tgtEl>
+                                        <p:attrNameLst>
+                                          <p:attrName>style.visibility</p:attrName>
+                                        </p:attrNameLst>
+                                      </p:cBhvr>
+                                      <p:to>
+                                        <p:strVal val="hidden"/>
+                                      </p:to>
+                                    </p:set>
+                                  </p:childTnLst>
+                                </p:cTn>
+                              </p:par>
+                              <p:par>
+                                <p:cTn fill="hold" nodeType="withEffect" presetClass="entr" presetID="10" presetSubtype="0">
+                                  <p:stCondLst>
+                                    <p:cond delay="0"/>
+                                  </p:stCondLst>
+                                  <p:childTnLst>
+                                    <p:set>
+                                      <p:cBhvr>
+                                        <p:cTn dur="1" fill="hold">
+                                          <p:stCondLst>
+                                            <p:cond delay="0"/>
+                                          </p:stCondLst>
+                                        </p:cTn>
+                                        <p:tgtEl>
+                                          <p:spTgt spid="125"/>
+                                        </p:tgtEl>
+                                        <p:attrNameLst>
+                                          <p:attrName>style.visibility</p:attrName>
+                                        </p:attrNameLst>
+                                      </p:cBhvr>
+                                      <p:to>
+                                        <p:strVal val="visible"/>
+                                      </p:to>
+                                    </p:set>
+                                    <p:animEffect filter="fade" transition="in">
+                                      <p:cBhvr>
+                                        <p:cTn dur="1000"/>
+                                        <p:tgtEl>
+                                          <p:spTgt spid="125"/>
+                                        </p:tgtEl>
+                                      </p:cBhvr>
+                                    </p:animEffect>
+                                  </p:childTnLst>
+                                </p:cTn>
+                              </p:par>
+                              <p:par>
+                                <p:cTn fill="hold" nodeType="withEffect" presetClass="entr" presetID="10" presetSubtype="0">
+                                  <p:stCondLst>
+                                    <p:cond delay="0"/>
+                                  </p:stCondLst>
+                                  <p:childTnLst>
+                                    <p:set>
+                                      <p:cBhvr>
+                                        <p:cTn dur="1" fill="hold">
+                                          <p:stCondLst>
+                                            <p:cond delay="0"/>
+                                          </p:stCondLst>
+                                        </p:cTn>
+                                        <p:tgtEl>
                                           <p:spTgt spid="127"/>
                                         </p:tgtEl>
                                         <p:attrNameLst>
@@ -14065,6 +14100,41 @@
                                   </p:childTnLst>
                                 </p:cTn>
                               </p:par>
+                              <p:par>
+                                <p:cTn fill="hold" nodeType="withEffect" presetClass="entr" presetID="10" presetSubtype="0">
+                                  <p:stCondLst>
+                                    <p:cond delay="0"/>
+                                  </p:stCondLst>
+                                  <p:childTnLst>
+                                    <p:set>
+                                      <p:cBhvr>
+                                        <p:cTn dur="1" fill="hold">
+                                          <p:stCondLst>
+                                            <p:cond delay="0"/>
+                                          </p:stCondLst>
+                                        </p:cTn>
+                                        <p:tgtEl>
+                                          <p:spTgt spid="129"/>
+                                        </p:tgtEl>
+                                        <p:attrNameLst>
+                                          <p:attrName>style.visibility</p:attrName>
+                                        </p:attrNameLst>
+                                      </p:cBhvr>
+                                      <p:to>
+                                        <p:strVal val="visible"/>
+                                      </p:to>
+                                    </p:set>
+                                    <p:animEffect filter="fade" transition="in">
+                                      <p:cBhvr>
+                                        <p:cTn dur="1000"/>
+                                        <p:tgtEl>
+                                          <p:spTgt spid="129"/>
+                                        </p:tgtEl>
+                                      </p:cBhvr>
+                                    </p:animEffect>
+                                  </p:childTnLst>
+                                </p:cTn>
+                              </p:par>
                             </p:childTnLst>
                           </p:cTn>
                         </p:par>
@@ -14085,6 +14155,41 @@
                             <p:childTnLst>
                               <p:par>
                                 <p:cTn fill="hold" nodeType="clickEffect" presetClass="exit" presetID="10" presetSubtype="0">
+                                  <p:stCondLst>
+                                    <p:cond delay="0"/>
+                                  </p:stCondLst>
+                                  <p:childTnLst>
+                                    <p:animEffect filter="fade" transition="out">
+                                      <p:cBhvr>
+                                        <p:cTn dur="1000"/>
+                                        <p:tgtEl>
+                                          <p:spTgt spid="128"/>
+                                        </p:tgtEl>
+                                      </p:cBhvr>
+                                    </p:animEffect>
+                                    <p:set>
+                                      <p:cBhvr>
+                                        <p:cTn dur="1" fill="hold">
+                                          <p:stCondLst>
+                                            <p:cond delay="1000"/>
+                                          </p:stCondLst>
+                                        </p:cTn>
+                                        <p:tgtEl>
+                                          <p:spTgt spid="128"/>
+                                        </p:tgtEl>
+                                        <p:attrNameLst>
+                                          <p:attrName>style.visibility</p:attrName>
+                                        </p:attrNameLst>
+                                      </p:cBhvr>
+                                      <p:to>
+                                        <p:strVal val="hidden"/>
+                                      </p:to>
+                                    </p:set>
+                                  </p:childTnLst>
+                                </p:cTn>
+                              </p:par>
+                              <p:par>
+                                <p:cTn fill="hold" nodeType="withEffect" presetClass="exit" presetID="10" presetSubtype="0">
                                   <p:stCondLst>
                                     <p:cond delay="0"/>
                                   </p:stCondLst>
@@ -14119,37 +14224,37 @@
                                 </p:cTn>
                               </p:par>
                               <p:par>
-                                <p:cTn fill="hold" nodeType="withEffect" presetClass="exit" presetID="10" presetSubtype="0">
+                                <p:cTn fill="hold" nodeType="withEffect" presetClass="entr" presetID="10" presetSubtype="0">
                                   <p:stCondLst>
                                     <p:cond delay="0"/>
                                   </p:stCondLst>
                                   <p:childTnLst>
-                                    <p:animEffect filter="fade" transition="out">
-                                      <p:cBhvr>
-                                        <p:cTn dur="1000"/>
-                                        <p:tgtEl>
-                                          <p:spTgt spid="126"/>
-                                        </p:tgtEl>
-                                      </p:cBhvr>
-                                    </p:animEffect>
                                     <p:set>
                                       <p:cBhvr>
                                         <p:cTn dur="1" fill="hold">
                                           <p:stCondLst>
-                                            <p:cond delay="1000"/>
+                                            <p:cond delay="0"/>
                                           </p:stCondLst>
                                         </p:cTn>
                                         <p:tgtEl>
-                                          <p:spTgt spid="126"/>
+                                          <p:spTgt spid="131"/>
                                         </p:tgtEl>
                                         <p:attrNameLst>
                                           <p:attrName>style.visibility</p:attrName>
                                         </p:attrNameLst>
                                       </p:cBhvr>
                                       <p:to>
-                                        <p:strVal val="hidden"/>
+                                        <p:strVal val="visible"/>
                                       </p:to>
                                     </p:set>
+                                    <p:animEffect filter="fade" transition="in">
+                                      <p:cBhvr>
+                                        <p:cTn dur="1000"/>
+                                        <p:tgtEl>
+                                          <p:spTgt spid="131"/>
+                                        </p:tgtEl>
+                                      </p:cBhvr>
+                                    </p:animEffect>
                                   </p:childTnLst>
                                 </p:cTn>
                               </p:par>
@@ -14182,41 +14287,6 @@
                                         <p:cTn dur="1000"/>
                                         <p:tgtEl>
                                           <p:spTgt spid="130"/>
-                                        </p:tgtEl>
-                                      </p:cBhvr>
-                                    </p:animEffect>
-                                  </p:childTnLst>
-                                </p:cTn>
-                              </p:par>
-                              <p:par>
-                                <p:cTn fill="hold" nodeType="withEffect" presetClass="entr" presetID="10" presetSubtype="0">
-                                  <p:stCondLst>
-                                    <p:cond delay="0"/>
-                                  </p:stCondLst>
-                                  <p:childTnLst>
-                                    <p:set>
-                                      <p:cBhvr>
-                                        <p:cTn dur="1" fill="hold">
-                                          <p:stCondLst>
-                                            <p:cond delay="0"/>
-                                          </p:stCondLst>
-                                        </p:cTn>
-                                        <p:tgtEl>
-                                          <p:spTgt spid="129"/>
-                                        </p:tgtEl>
-                                        <p:attrNameLst>
-                                          <p:attrName>style.visibility</p:attrName>
-                                        </p:attrNameLst>
-                                      </p:cBhvr>
-                                      <p:to>
-                                        <p:strVal val="visible"/>
-                                      </p:to>
-                                    </p:set>
-                                    <p:animEffect filter="fade" transition="in">
-                                      <p:cBhvr>
-                                        <p:cTn dur="1000"/>
-                                        <p:tgtEl>
-                                          <p:spTgt spid="129"/>
                                         </p:tgtEl>
                                       </p:cBhvr>
                                     </p:animEffect>
@@ -14259,7 +14329,7 @@
   <p:cSld>
     <p:spTree>
       <p:nvGrpSpPr>
-        <p:cNvPr id="134" name="Shape 134"/>
+        <p:cNvPr id="135" name="Shape 135"/>
         <p:cNvGrpSpPr/>
         <p:nvPr/>
       </p:nvGrpSpPr>
@@ -14273,7 +14343,7 @@
       </p:grpSpPr>
       <p:sp>
         <p:nvSpPr>
-          <p:cNvPr id="135" name="Google Shape;135;p19"/>
+          <p:cNvPr id="136" name="Google Shape;136;p19"/>
           <p:cNvSpPr txBox="1"/>
           <p:nvPr>
             <p:ph type="title"/>
@@ -14313,7 +14383,7 @@
       </p:sp>
       <p:sp>
         <p:nvSpPr>
-          <p:cNvPr id="136" name="Google Shape;136;p19"/>
+          <p:cNvPr id="137" name="Google Shape;137;p19"/>
           <p:cNvSpPr txBox="1"/>
           <p:nvPr/>
         </p:nvSpPr>
@@ -14363,7 +14433,7 @@
       </p:sp>
       <p:sp>
         <p:nvSpPr>
-          <p:cNvPr id="137" name="Google Shape;137;p19"/>
+          <p:cNvPr id="138" name="Google Shape;138;p19"/>
           <p:cNvSpPr txBox="1"/>
           <p:nvPr/>
         </p:nvSpPr>
@@ -14413,7 +14483,7 @@
       </p:sp>
       <p:sp>
         <p:nvSpPr>
-          <p:cNvPr id="138" name="Google Shape;138;p19"/>
+          <p:cNvPr id="139" name="Google Shape;139;p19"/>
           <p:cNvSpPr txBox="1"/>
           <p:nvPr/>
         </p:nvSpPr>
@@ -14463,7 +14533,7 @@
       </p:sp>
       <p:sp>
         <p:nvSpPr>
-          <p:cNvPr id="139" name="Google Shape;139;p19"/>
+          <p:cNvPr id="140" name="Google Shape;140;p19"/>
           <p:cNvSpPr txBox="1"/>
           <p:nvPr/>
         </p:nvSpPr>
@@ -14513,7 +14583,7 @@
       </p:sp>
       <p:sp>
         <p:nvSpPr>
-          <p:cNvPr id="140" name="Google Shape;140;p19"/>
+          <p:cNvPr id="141" name="Google Shape;141;p19"/>
           <p:cNvSpPr txBox="1"/>
           <p:nvPr/>
         </p:nvSpPr>
@@ -14571,7 +14641,7 @@
       </p:sp>
       <p:sp>
         <p:nvSpPr>
-          <p:cNvPr id="141" name="Google Shape;141;p19"/>
+          <p:cNvPr id="142" name="Google Shape;142;p19"/>
           <p:cNvSpPr/>
           <p:nvPr/>
         </p:nvSpPr>
@@ -14587,51 +14657,6 @@
           </a:prstGeom>
           <a:solidFill>
             <a:srgbClr val="D0E0E3"/>
-          </a:solidFill>
-          <a:ln>
-            <a:noFill/>
-          </a:ln>
-        </p:spPr>
-        <p:txBody>
-          <a:bodyPr anchorCtr="0" anchor="ctr" bIns="91425" lIns="91425" spcFirstLastPara="1" rIns="91425" wrap="square" tIns="91425">
-            <a:noAutofit/>
-          </a:bodyPr>
-          <a:lstStyle/>
-          <a:p>
-            <a:pPr indent="0" lvl="0" marL="0">
-              <a:spcBef>
-                <a:spcPts val="0"/>
-              </a:spcBef>
-              <a:spcAft>
-                <a:spcPts val="0"/>
-              </a:spcAft>
-              <a:buNone/>
-            </a:pPr>
-            <a:r>
-              <a:t/>
-            </a:r>
-            <a:endParaRPr/>
-          </a:p>
-        </p:txBody>
-      </p:sp>
-      <p:sp>
-        <p:nvSpPr>
-          <p:cNvPr id="142" name="Google Shape;142;p19"/>
-          <p:cNvSpPr/>
-          <p:nvPr/>
-        </p:nvSpPr>
-        <p:spPr>
-          <a:xfrm>
-            <a:off x="6830476" y="3252906"/>
-            <a:ext cx="621600" cy="352200"/>
-          </a:xfrm>
-          <a:prstGeom prst="homePlate">
-            <a:avLst>
-              <a:gd fmla="val 50000" name="adj"/>
-            </a:avLst>
-          </a:prstGeom>
-          <a:solidFill>
-            <a:srgbClr val="A2C4C9"/>
           </a:solidFill>
           <a:ln>
             <a:noFill/>
@@ -14667,7 +14692,7 @@
         </p:nvSpPr>
         <p:spPr>
           <a:xfrm>
-            <a:off x="4757776" y="3859631"/>
+            <a:off x="6830476" y="3252906"/>
             <a:ext cx="621600" cy="352200"/>
           </a:xfrm>
           <a:prstGeom prst="homePlate">
@@ -14676,7 +14701,7 @@
             </a:avLst>
           </a:prstGeom>
           <a:solidFill>
-            <a:srgbClr val="76A5AF"/>
+            <a:srgbClr val="A2C4C9"/>
           </a:solidFill>
           <a:ln>
             <a:noFill/>
@@ -14712,6 +14737,51 @@
         </p:nvSpPr>
         <p:spPr>
           <a:xfrm>
+            <a:off x="4757776" y="3859631"/>
+            <a:ext cx="621600" cy="352200"/>
+          </a:xfrm>
+          <a:prstGeom prst="homePlate">
+            <a:avLst>
+              <a:gd fmla="val 50000" name="adj"/>
+            </a:avLst>
+          </a:prstGeom>
+          <a:solidFill>
+            <a:srgbClr val="76A5AF"/>
+          </a:solidFill>
+          <a:ln>
+            <a:noFill/>
+          </a:ln>
+        </p:spPr>
+        <p:txBody>
+          <a:bodyPr anchorCtr="0" anchor="ctr" bIns="91425" lIns="91425" spcFirstLastPara="1" rIns="91425" wrap="square" tIns="91425">
+            <a:noAutofit/>
+          </a:bodyPr>
+          <a:lstStyle/>
+          <a:p>
+            <a:pPr indent="0" lvl="0" marL="0">
+              <a:spcBef>
+                <a:spcPts val="0"/>
+              </a:spcBef>
+              <a:spcAft>
+                <a:spcPts val="0"/>
+              </a:spcAft>
+              <a:buNone/>
+            </a:pPr>
+            <a:r>
+              <a:t/>
+            </a:r>
+            <a:endParaRPr/>
+          </a:p>
+        </p:txBody>
+      </p:sp>
+      <p:sp>
+        <p:nvSpPr>
+          <p:cNvPr id="145" name="Google Shape;145;p19"/>
+          <p:cNvSpPr/>
+          <p:nvPr/>
+        </p:nvSpPr>
+        <p:spPr>
+          <a:xfrm>
             <a:off x="3711226" y="4487981"/>
             <a:ext cx="621600" cy="352200"/>
           </a:xfrm>
@@ -14751,7 +14821,7 @@
       </p:sp>
       <p:sp>
         <p:nvSpPr>
-          <p:cNvPr id="145" name="Google Shape;145;p19"/>
+          <p:cNvPr id="146" name="Google Shape;146;p19"/>
           <p:cNvSpPr txBox="1"/>
           <p:nvPr/>
         </p:nvSpPr>
@@ -14777,58 +14847,6 @@
           <a:lstStyle/>
           <a:p>
             <a:pPr indent="0" lvl="0" marL="0">
-              <a:spcBef>
-                <a:spcPts val="0"/>
-              </a:spcBef>
-              <a:spcAft>
-                <a:spcPts val="0"/>
-              </a:spcAft>
-              <a:buNone/>
-            </a:pPr>
-            <a:r>
-              <a:rPr lang="en">
-                <a:solidFill>
-                  <a:srgbClr val="CC0000"/>
-                </a:solidFill>
-              </a:rPr>
-              <a:t>%&gt;%</a:t>
-            </a:r>
-            <a:endParaRPr>
-              <a:solidFill>
-                <a:srgbClr val="CC0000"/>
-              </a:solidFill>
-            </a:endParaRPr>
-          </a:p>
-        </p:txBody>
-      </p:sp>
-      <p:sp>
-        <p:nvSpPr>
-          <p:cNvPr id="146" name="Google Shape;146;p19"/>
-          <p:cNvSpPr txBox="1"/>
-          <p:nvPr/>
-        </p:nvSpPr>
-        <p:spPr>
-          <a:xfrm>
-            <a:off x="6830475" y="3252900"/>
-            <a:ext cx="621600" cy="352200"/>
-          </a:xfrm>
-          <a:prstGeom prst="rect">
-            <a:avLst/>
-          </a:prstGeom>
-          <a:solidFill>
-            <a:srgbClr val="EFEFEF"/>
-          </a:solidFill>
-          <a:ln>
-            <a:noFill/>
-          </a:ln>
-        </p:spPr>
-        <p:txBody>
-          <a:bodyPr anchorCtr="0" anchor="t" bIns="91425" lIns="91425" spcFirstLastPara="1" rIns="91425" wrap="square" tIns="91425">
-            <a:noAutofit/>
-          </a:bodyPr>
-          <a:lstStyle/>
-          <a:p>
-            <a:pPr indent="0" lvl="0" marL="0" rtl="0">
               <a:spcBef>
                 <a:spcPts val="0"/>
               </a:spcBef>
@@ -14861,7 +14879,7 @@
         </p:nvSpPr>
         <p:spPr>
           <a:xfrm>
-            <a:off x="4757775" y="3859625"/>
+            <a:off x="6830475" y="3252900"/>
             <a:ext cx="621600" cy="352200"/>
           </a:xfrm>
           <a:prstGeom prst="rect">
@@ -14913,7 +14931,7 @@
         </p:nvSpPr>
         <p:spPr>
           <a:xfrm>
-            <a:off x="3711225" y="4487975"/>
+            <a:off x="4757775" y="3859625"/>
             <a:ext cx="621600" cy="352200"/>
           </a:xfrm>
           <a:prstGeom prst="rect">
@@ -14960,6 +14978,58 @@
       <p:sp>
         <p:nvSpPr>
           <p:cNvPr id="149" name="Google Shape;149;p19"/>
+          <p:cNvSpPr txBox="1"/>
+          <p:nvPr/>
+        </p:nvSpPr>
+        <p:spPr>
+          <a:xfrm>
+            <a:off x="3711225" y="4487975"/>
+            <a:ext cx="621600" cy="352200"/>
+          </a:xfrm>
+          <a:prstGeom prst="rect">
+            <a:avLst/>
+          </a:prstGeom>
+          <a:solidFill>
+            <a:srgbClr val="EFEFEF"/>
+          </a:solidFill>
+          <a:ln>
+            <a:noFill/>
+          </a:ln>
+        </p:spPr>
+        <p:txBody>
+          <a:bodyPr anchorCtr="0" anchor="t" bIns="91425" lIns="91425" spcFirstLastPara="1" rIns="91425" wrap="square" tIns="91425">
+            <a:noAutofit/>
+          </a:bodyPr>
+          <a:lstStyle/>
+          <a:p>
+            <a:pPr indent="0" lvl="0" marL="0" rtl="0">
+              <a:spcBef>
+                <a:spcPts val="0"/>
+              </a:spcBef>
+              <a:spcAft>
+                <a:spcPts val="0"/>
+              </a:spcAft>
+              <a:buNone/>
+            </a:pPr>
+            <a:r>
+              <a:rPr lang="en">
+                <a:solidFill>
+                  <a:srgbClr val="CC0000"/>
+                </a:solidFill>
+              </a:rPr>
+              <a:t>%&gt;%</a:t>
+            </a:r>
+            <a:endParaRPr>
+              <a:solidFill>
+                <a:srgbClr val="CC0000"/>
+              </a:solidFill>
+            </a:endParaRPr>
+          </a:p>
+        </p:txBody>
+      </p:sp>
+      <p:sp>
+        <p:nvSpPr>
+          <p:cNvPr id="150" name="Google Shape;150;p19"/>
           <p:cNvSpPr/>
           <p:nvPr/>
         </p:nvSpPr>
@@ -15014,7 +15084,7 @@
       </p:sp>
       <p:sp>
         <p:nvSpPr>
-          <p:cNvPr id="150" name="Google Shape;150;p19"/>
+          <p:cNvPr id="151" name="Google Shape;151;p19"/>
           <p:cNvSpPr txBox="1"/>
           <p:nvPr/>
         </p:nvSpPr>
@@ -15066,7 +15136,7 @@
       </p:sp>
       <p:sp>
         <p:nvSpPr>
-          <p:cNvPr id="151" name="Google Shape;151;p19"/>
+          <p:cNvPr id="152" name="Google Shape;152;p19"/>
           <p:cNvSpPr/>
           <p:nvPr/>
         </p:nvSpPr>
@@ -15113,7 +15183,7 @@
       </p:sp>
       <p:sp>
         <p:nvSpPr>
-          <p:cNvPr id="152" name="Google Shape;152;p19"/>
+          <p:cNvPr id="153" name="Google Shape;153;p19"/>
           <p:cNvSpPr txBox="1"/>
           <p:nvPr/>
         </p:nvSpPr>
@@ -15180,41 +15250,6 @@
                             <p:childTnLst>
                               <p:par>
                                 <p:cTn fill="hold" nodeType="clickEffect" presetClass="exit" presetID="10" presetSubtype="0">
-                                  <p:stCondLst>
-                                    <p:cond delay="0"/>
-                                  </p:stCondLst>
-                                  <p:childTnLst>
-                                    <p:animEffect filter="fade" transition="out">
-                                      <p:cBhvr>
-                                        <p:cTn dur="1000"/>
-                                        <p:tgtEl>
-                                          <p:spTgt spid="141"/>
-                                        </p:tgtEl>
-                                      </p:cBhvr>
-                                    </p:animEffect>
-                                    <p:set>
-                                      <p:cBhvr>
-                                        <p:cTn dur="1" fill="hold">
-                                          <p:stCondLst>
-                                            <p:cond delay="1000"/>
-                                          </p:stCondLst>
-                                        </p:cTn>
-                                        <p:tgtEl>
-                                          <p:spTgt spid="141"/>
-                                        </p:tgtEl>
-                                        <p:attrNameLst>
-                                          <p:attrName>style.visibility</p:attrName>
-                                        </p:attrNameLst>
-                                      </p:cBhvr>
-                                      <p:to>
-                                        <p:strVal val="hidden"/>
-                                      </p:to>
-                                    </p:set>
-                                  </p:childTnLst>
-                                </p:cTn>
-                              </p:par>
-                              <p:par>
-                                <p:cTn fill="hold" nodeType="withEffect" presetClass="exit" presetID="10" presetSubtype="0">
                                   <p:stCondLst>
                                     <p:cond delay="0"/>
                                   </p:stCondLst>
@@ -15319,16 +15354,24 @@
                                 </p:cTn>
                               </p:par>
                               <p:par>
-                                <p:cTn fill="hold" nodeType="withEffect" presetClass="entr" presetID="10" presetSubtype="0">
+                                <p:cTn fill="hold" nodeType="withEffect" presetClass="exit" presetID="10" presetSubtype="0">
                                   <p:stCondLst>
                                     <p:cond delay="0"/>
                                   </p:stCondLst>
                                   <p:childTnLst>
+                                    <p:animEffect filter="fade" transition="out">
+                                      <p:cBhvr>
+                                        <p:cTn dur="1000"/>
+                                        <p:tgtEl>
+                                          <p:spTgt spid="145"/>
+                                        </p:tgtEl>
+                                      </p:cBhvr>
+                                    </p:animEffect>
                                     <p:set>
                                       <p:cBhvr>
                                         <p:cTn dur="1" fill="hold">
                                           <p:stCondLst>
-                                            <p:cond delay="0"/>
+                                            <p:cond delay="1000"/>
                                           </p:stCondLst>
                                         </p:cTn>
                                         <p:tgtEl>
@@ -15339,17 +15382,9 @@
                                         </p:attrNameLst>
                                       </p:cBhvr>
                                       <p:to>
-                                        <p:strVal val="visible"/>
+                                        <p:strVal val="hidden"/>
                                       </p:to>
                                     </p:set>
-                                    <p:animEffect filter="fade" transition="in">
-                                      <p:cBhvr>
-                                        <p:cTn dur="1000"/>
-                                        <p:tgtEl>
-                                          <p:spTgt spid="145"/>
-                                        </p:tgtEl>
-                                      </p:cBhvr>
-                                    </p:animEffect>
                                   </p:childTnLst>
                                 </p:cTn>
                               </p:par>
@@ -15367,7 +15402,7 @@
                                           </p:stCondLst>
                                         </p:cTn>
                                         <p:tgtEl>
-                                          <p:spTgt spid="147"/>
+                                          <p:spTgt spid="146"/>
                                         </p:tgtEl>
                                         <p:attrNameLst>
                                           <p:attrName>style.visibility</p:attrName>
@@ -15381,7 +15416,7 @@
                                       <p:cBhvr>
                                         <p:cTn dur="1000"/>
                                         <p:tgtEl>
-                                          <p:spTgt spid="147"/>
+                                          <p:spTgt spid="146"/>
                                         </p:tgtEl>
                                       </p:cBhvr>
                                     </p:animEffect>
@@ -15437,7 +15472,7 @@
                                           </p:stCondLst>
                                         </p:cTn>
                                         <p:tgtEl>
-                                          <p:spTgt spid="146"/>
+                                          <p:spTgt spid="149"/>
                                         </p:tgtEl>
                                         <p:attrNameLst>
                                           <p:attrName>style.visibility</p:attrName>
@@ -15451,7 +15486,42 @@
                                       <p:cBhvr>
                                         <p:cTn dur="1000"/>
                                         <p:tgtEl>
-                                          <p:spTgt spid="146"/>
+                                          <p:spTgt spid="149"/>
+                                        </p:tgtEl>
+                                      </p:cBhvr>
+                                    </p:animEffect>
+                                  </p:childTnLst>
+                                </p:cTn>
+                              </p:par>
+                              <p:par>
+                                <p:cTn fill="hold" nodeType="withEffect" presetClass="entr" presetID="10" presetSubtype="0">
+                                  <p:stCondLst>
+                                    <p:cond delay="0"/>
+                                  </p:stCondLst>
+                                  <p:childTnLst>
+                                    <p:set>
+                                      <p:cBhvr>
+                                        <p:cTn dur="1" fill="hold">
+                                          <p:stCondLst>
+                                            <p:cond delay="0"/>
+                                          </p:stCondLst>
+                                        </p:cTn>
+                                        <p:tgtEl>
+                                          <p:spTgt spid="147"/>
+                                        </p:tgtEl>
+                                        <p:attrNameLst>
+                                          <p:attrName>style.visibility</p:attrName>
+                                        </p:attrNameLst>
+                                      </p:cBhvr>
+                                      <p:to>
+                                        <p:strVal val="visible"/>
+                                      </p:to>
+                                    </p:set>
+                                    <p:animEffect filter="fade" transition="in">
+                                      <p:cBhvr>
+                                        <p:cTn dur="1000"/>
+                                        <p:tgtEl>
+                                          <p:spTgt spid="147"/>
                                         </p:tgtEl>
                                       </p:cBhvr>
                                     </p:animEffect>
@@ -15478,41 +15548,6 @@
                             <p:childTnLst>
                               <p:par>
                                 <p:cTn fill="hold" nodeType="clickEffect" presetClass="entr" presetID="10" presetSubtype="0">
-                                  <p:stCondLst>
-                                    <p:cond delay="0"/>
-                                  </p:stCondLst>
-                                  <p:childTnLst>
-                                    <p:set>
-                                      <p:cBhvr>
-                                        <p:cTn dur="1" fill="hold">
-                                          <p:stCondLst>
-                                            <p:cond delay="0"/>
-                                          </p:stCondLst>
-                                        </p:cTn>
-                                        <p:tgtEl>
-                                          <p:spTgt spid="149"/>
-                                        </p:tgtEl>
-                                        <p:attrNameLst>
-                                          <p:attrName>style.visibility</p:attrName>
-                                        </p:attrNameLst>
-                                      </p:cBhvr>
-                                      <p:to>
-                                        <p:strVal val="visible"/>
-                                      </p:to>
-                                    </p:set>
-                                    <p:animEffect filter="fade" transition="in">
-                                      <p:cBhvr>
-                                        <p:cTn dur="1000"/>
-                                        <p:tgtEl>
-                                          <p:spTgt spid="149"/>
-                                        </p:tgtEl>
-                                      </p:cBhvr>
-                                    </p:animEffect>
-                                  </p:childTnLst>
-                                </p:cTn>
-                              </p:par>
-                              <p:par>
-                                <p:cTn fill="hold" nodeType="withEffect" presetClass="entr" presetID="10" presetSubtype="0">
                                   <p:stCondLst>
                                     <p:cond delay="0"/>
                                   </p:stCondLst>
@@ -15581,6 +15616,41 @@
                                   </p:childTnLst>
                                 </p:cTn>
                               </p:par>
+                              <p:par>
+                                <p:cTn fill="hold" nodeType="withEffect" presetClass="entr" presetID="10" presetSubtype="0">
+                                  <p:stCondLst>
+                                    <p:cond delay="0"/>
+                                  </p:stCondLst>
+                                  <p:childTnLst>
+                                    <p:set>
+                                      <p:cBhvr>
+                                        <p:cTn dur="1" fill="hold">
+                                          <p:stCondLst>
+                                            <p:cond delay="0"/>
+                                          </p:stCondLst>
+                                        </p:cTn>
+                                        <p:tgtEl>
+                                          <p:spTgt spid="152"/>
+                                        </p:tgtEl>
+                                        <p:attrNameLst>
+                                          <p:attrName>style.visibility</p:attrName>
+                                        </p:attrNameLst>
+                                      </p:cBhvr>
+                                      <p:to>
+                                        <p:strVal val="visible"/>
+                                      </p:to>
+                                    </p:set>
+                                    <p:animEffect filter="fade" transition="in">
+                                      <p:cBhvr>
+                                        <p:cTn dur="1000"/>
+                                        <p:tgtEl>
+                                          <p:spTgt spid="152"/>
+                                        </p:tgtEl>
+                                      </p:cBhvr>
+                                    </p:animEffect>
+                                  </p:childTnLst>
+                                </p:cTn>
+                              </p:par>
                             </p:childTnLst>
                           </p:cTn>
                         </p:par>
@@ -15613,7 +15683,7 @@
                                           </p:stCondLst>
                                         </p:cTn>
                                         <p:tgtEl>
-                                          <p:spTgt spid="152"/>
+                                          <p:spTgt spid="153"/>
                                         </p:tgtEl>
                                         <p:attrNameLst>
                                           <p:attrName>style.visibility</p:attrName>
@@ -15627,7 +15697,7 @@
                                       <p:cBhvr>
                                         <p:cTn dur="1000"/>
                                         <p:tgtEl>
-                                          <p:spTgt spid="152"/>
+                                          <p:spTgt spid="153"/>
                                         </p:tgtEl>
                                       </p:cBhvr>
                                     </p:animEffect>
@@ -15670,7 +15740,7 @@
   <p:cSld>
     <p:spTree>
       <p:nvGrpSpPr>
-        <p:cNvPr id="156" name="Shape 156"/>
+        <p:cNvPr id="157" name="Shape 157"/>
         <p:cNvGrpSpPr/>
         <p:nvPr/>
       </p:nvGrpSpPr>
@@ -15684,7 +15754,7 @@
       </p:grpSpPr>
       <p:pic>
         <p:nvPicPr>
-          <p:cNvPr id="157" name="Google Shape;157;p20"/>
+          <p:cNvPr id="158" name="Google Shape;158;p20"/>
           <p:cNvPicPr preferRelativeResize="0"/>
           <p:nvPr/>
         </p:nvPicPr>
@@ -15712,7 +15782,7 @@
       </p:pic>
       <p:sp>
         <p:nvSpPr>
-          <p:cNvPr id="158" name="Google Shape;158;p20"/>
+          <p:cNvPr id="159" name="Google Shape;159;p20"/>
           <p:cNvSpPr txBox="1"/>
           <p:nvPr/>
         </p:nvSpPr>
@@ -15762,7 +15832,7 @@
       </p:sp>
       <p:sp>
         <p:nvSpPr>
-          <p:cNvPr id="159" name="Google Shape;159;p20"/>
+          <p:cNvPr id="160" name="Google Shape;160;p20"/>
           <p:cNvSpPr/>
           <p:nvPr/>
         </p:nvSpPr>
@@ -15808,7 +15878,7 @@
       </p:sp>
       <p:sp>
         <p:nvSpPr>
-          <p:cNvPr id="160" name="Google Shape;160;p20"/>
+          <p:cNvPr id="161" name="Google Shape;161;p20"/>
           <p:cNvSpPr txBox="1"/>
           <p:nvPr/>
         </p:nvSpPr>
@@ -15858,7 +15928,7 @@
       </p:sp>
       <p:sp>
         <p:nvSpPr>
-          <p:cNvPr id="161" name="Google Shape;161;p20"/>
+          <p:cNvPr id="162" name="Google Shape;162;p20"/>
           <p:cNvSpPr/>
           <p:nvPr/>
         </p:nvSpPr>
@@ -15904,7 +15974,7 @@
       </p:sp>
       <p:sp>
         <p:nvSpPr>
-          <p:cNvPr id="162" name="Google Shape;162;p20"/>
+          <p:cNvPr id="163" name="Google Shape;163;p20"/>
           <p:cNvSpPr txBox="1"/>
           <p:nvPr/>
         </p:nvSpPr>
@@ -15978,7 +16048,7 @@
       </p:sp>
       <p:sp>
         <p:nvSpPr>
-          <p:cNvPr id="163" name="Google Shape;163;p20"/>
+          <p:cNvPr id="164" name="Google Shape;164;p20"/>
           <p:cNvSpPr/>
           <p:nvPr/>
         </p:nvSpPr>
@@ -16024,7 +16094,7 @@
       </p:sp>
       <p:sp>
         <p:nvSpPr>
-          <p:cNvPr id="164" name="Google Shape;164;p20"/>
+          <p:cNvPr id="165" name="Google Shape;165;p20"/>
           <p:cNvSpPr txBox="1"/>
           <p:nvPr/>
         </p:nvSpPr>
@@ -16074,7 +16144,7 @@
       </p:sp>
       <p:sp>
         <p:nvSpPr>
-          <p:cNvPr id="165" name="Google Shape;165;p20"/>
+          <p:cNvPr id="166" name="Google Shape;166;p20"/>
           <p:cNvSpPr/>
           <p:nvPr/>
         </p:nvSpPr>
@@ -16120,7 +16190,7 @@
       </p:sp>
       <p:sp>
         <p:nvSpPr>
-          <p:cNvPr id="166" name="Google Shape;166;p20"/>
+          <p:cNvPr id="167" name="Google Shape;167;p20"/>
           <p:cNvSpPr txBox="1"/>
           <p:nvPr/>
         </p:nvSpPr>
@@ -16178,7 +16248,7 @@
       </p:sp>
       <p:sp>
         <p:nvSpPr>
-          <p:cNvPr id="167" name="Google Shape;167;p20"/>
+          <p:cNvPr id="168" name="Google Shape;168;p20"/>
           <p:cNvSpPr/>
           <p:nvPr/>
         </p:nvSpPr>
@@ -16235,7 +16305,7 @@
   <p:cSld>
     <p:spTree>
       <p:nvGrpSpPr>
-        <p:cNvPr id="171" name="Shape 171"/>
+        <p:cNvPr id="172" name="Shape 172"/>
         <p:cNvGrpSpPr/>
         <p:nvPr/>
       </p:nvGrpSpPr>
@@ -16249,7 +16319,7 @@
       </p:grpSpPr>
       <p:sp>
         <p:nvSpPr>
-          <p:cNvPr id="172" name="Google Shape;172;p21"/>
+          <p:cNvPr id="173" name="Google Shape;173;p21"/>
           <p:cNvSpPr txBox="1"/>
           <p:nvPr>
             <p:ph type="title"/>
@@ -16289,7 +16359,7 @@
       </p:sp>
       <p:sp>
         <p:nvSpPr>
-          <p:cNvPr id="173" name="Google Shape;173;p21"/>
+          <p:cNvPr id="174" name="Google Shape;174;p21"/>
           <p:cNvSpPr txBox="1"/>
           <p:nvPr>
             <p:ph idx="1" type="body"/>
@@ -16381,7 +16451,7 @@
       </p:sp>
       <p:sp>
         <p:nvSpPr>
-          <p:cNvPr id="174" name="Google Shape;174;p21"/>
+          <p:cNvPr id="175" name="Google Shape;175;p21"/>
           <p:cNvSpPr/>
           <p:nvPr/>
         </p:nvSpPr>
@@ -16440,60 +16510,6 @@
                 </a:solidFill>
               </a:rPr>
               <a:t> functions + Pipes</a:t>
-            </a:r>
-            <a:endParaRPr b="1" sz="1800">
-              <a:solidFill>
-                <a:schemeClr val="lt1"/>
-              </a:solidFill>
-            </a:endParaRPr>
-          </a:p>
-        </p:txBody>
-      </p:sp>
-      <p:sp>
-        <p:nvSpPr>
-          <p:cNvPr id="175" name="Google Shape;175;p21"/>
-          <p:cNvSpPr/>
-          <p:nvPr/>
-        </p:nvSpPr>
-        <p:spPr>
-          <a:xfrm>
-            <a:off x="4761399" y="4950050"/>
-            <a:ext cx="3718800" cy="656100"/>
-          </a:xfrm>
-          <a:prstGeom prst="roundRect">
-            <a:avLst>
-              <a:gd fmla="val 16667" name="adj"/>
-            </a:avLst>
-          </a:prstGeom>
-          <a:solidFill>
-            <a:srgbClr val="45397F"/>
-          </a:solidFill>
-          <a:ln>
-            <a:noFill/>
-          </a:ln>
-        </p:spPr>
-        <p:txBody>
-          <a:bodyPr anchorCtr="0" anchor="ctr" bIns="91425" lIns="91425" spcFirstLastPara="1" rIns="91425" wrap="square" tIns="91425">
-            <a:noAutofit/>
-          </a:bodyPr>
-          <a:lstStyle/>
-          <a:p>
-            <a:pPr indent="0" lvl="0" marL="0" rtl="0">
-              <a:spcBef>
-                <a:spcPts val="0"/>
-              </a:spcBef>
-              <a:spcAft>
-                <a:spcPts val="0"/>
-              </a:spcAft>
-              <a:buNone/>
-            </a:pPr>
-            <a:r>
-              <a:rPr b="1" lang="en" sz="1800">
-                <a:solidFill>
-                  <a:schemeClr val="lt1"/>
-                </a:solidFill>
-              </a:rPr>
-              <a:t>2. Smart &amp; Automated</a:t>
             </a:r>
             <a:endParaRPr b="1" sz="1800">
               <a:solidFill>
@@ -16511,6 +16527,60 @@
         </p:nvSpPr>
         <p:spPr>
           <a:xfrm>
+            <a:off x="4761399" y="4950050"/>
+            <a:ext cx="3718800" cy="656100"/>
+          </a:xfrm>
+          <a:prstGeom prst="roundRect">
+            <a:avLst>
+              <a:gd fmla="val 16667" name="adj"/>
+            </a:avLst>
+          </a:prstGeom>
+          <a:solidFill>
+            <a:srgbClr val="45397F"/>
+          </a:solidFill>
+          <a:ln>
+            <a:noFill/>
+          </a:ln>
+        </p:spPr>
+        <p:txBody>
+          <a:bodyPr anchorCtr="0" anchor="ctr" bIns="91425" lIns="91425" spcFirstLastPara="1" rIns="91425" wrap="square" tIns="91425">
+            <a:noAutofit/>
+          </a:bodyPr>
+          <a:lstStyle/>
+          <a:p>
+            <a:pPr indent="0" lvl="0" marL="0" rtl="0">
+              <a:spcBef>
+                <a:spcPts val="0"/>
+              </a:spcBef>
+              <a:spcAft>
+                <a:spcPts val="0"/>
+              </a:spcAft>
+              <a:buNone/>
+            </a:pPr>
+            <a:r>
+              <a:rPr b="1" lang="en" sz="1800">
+                <a:solidFill>
+                  <a:schemeClr val="lt1"/>
+                </a:solidFill>
+              </a:rPr>
+              <a:t>2. Smart &amp; Automated</a:t>
+            </a:r>
+            <a:endParaRPr b="1" sz="1800">
+              <a:solidFill>
+                <a:schemeClr val="lt1"/>
+              </a:solidFill>
+            </a:endParaRPr>
+          </a:p>
+        </p:txBody>
+      </p:sp>
+      <p:sp>
+        <p:nvSpPr>
+          <p:cNvPr id="177" name="Google Shape;177;p21"/>
+          <p:cNvSpPr/>
+          <p:nvPr/>
+        </p:nvSpPr>
+        <p:spPr>
+          <a:xfrm>
             <a:off x="729450" y="5786525"/>
             <a:ext cx="3842700" cy="656100"/>
           </a:xfrm>
@@ -16559,7 +16629,7 @@
       </p:sp>
       <p:sp>
         <p:nvSpPr>
-          <p:cNvPr id="177" name="Google Shape;177;p21"/>
+          <p:cNvPr id="178" name="Google Shape;178;p21"/>
           <p:cNvSpPr/>
           <p:nvPr/>
         </p:nvSpPr>
@@ -16650,41 +16720,6 @@
                                           </p:stCondLst>
                                         </p:cTn>
                                         <p:tgtEl>
-                                          <p:spTgt spid="174"/>
-                                        </p:tgtEl>
-                                        <p:attrNameLst>
-                                          <p:attrName>style.visibility</p:attrName>
-                                        </p:attrNameLst>
-                                      </p:cBhvr>
-                                      <p:to>
-                                        <p:strVal val="visible"/>
-                                      </p:to>
-                                    </p:set>
-                                    <p:animEffect filter="fade" transition="in">
-                                      <p:cBhvr>
-                                        <p:cTn dur="1000"/>
-                                        <p:tgtEl>
-                                          <p:spTgt spid="174"/>
-                                        </p:tgtEl>
-                                      </p:cBhvr>
-                                    </p:animEffect>
-                                  </p:childTnLst>
-                                </p:cTn>
-                              </p:par>
-                              <p:par>
-                                <p:cTn fill="hold" nodeType="withEffect" presetClass="entr" presetID="10" presetSubtype="0">
-                                  <p:stCondLst>
-                                    <p:cond delay="0"/>
-                                  </p:stCondLst>
-                                  <p:childTnLst>
-                                    <p:set>
-                                      <p:cBhvr>
-                                        <p:cTn dur="1" fill="hold">
-                                          <p:stCondLst>
-                                            <p:cond delay="0"/>
-                                          </p:stCondLst>
-                                        </p:cTn>
-                                        <p:tgtEl>
                                           <p:spTgt spid="175"/>
                                         </p:tgtEl>
                                         <p:attrNameLst>
@@ -16720,7 +16755,7 @@
                                           </p:stCondLst>
                                         </p:cTn>
                                         <p:tgtEl>
-                                          <p:spTgt spid="177"/>
+                                          <p:spTgt spid="176"/>
                                         </p:tgtEl>
                                         <p:attrNameLst>
                                           <p:attrName>style.visibility</p:attrName>
@@ -16734,7 +16769,7 @@
                                       <p:cBhvr>
                                         <p:cTn dur="1000"/>
                                         <p:tgtEl>
-                                          <p:spTgt spid="177"/>
+                                          <p:spTgt spid="176"/>
                                         </p:tgtEl>
                                       </p:cBhvr>
                                     </p:animEffect>
@@ -16755,7 +16790,7 @@
                                           </p:stCondLst>
                                         </p:cTn>
                                         <p:tgtEl>
-                                          <p:spTgt spid="176"/>
+                                          <p:spTgt spid="178"/>
                                         </p:tgtEl>
                                         <p:attrNameLst>
                                           <p:attrName>style.visibility</p:attrName>
@@ -16769,7 +16804,42 @@
                                       <p:cBhvr>
                                         <p:cTn dur="1000"/>
                                         <p:tgtEl>
-                                          <p:spTgt spid="176"/>
+                                          <p:spTgt spid="178"/>
+                                        </p:tgtEl>
+                                      </p:cBhvr>
+                                    </p:animEffect>
+                                  </p:childTnLst>
+                                </p:cTn>
+                              </p:par>
+                              <p:par>
+                                <p:cTn fill="hold" nodeType="withEffect" presetClass="entr" presetID="10" presetSubtype="0">
+                                  <p:stCondLst>
+                                    <p:cond delay="0"/>
+                                  </p:stCondLst>
+                                  <p:childTnLst>
+                                    <p:set>
+                                      <p:cBhvr>
+                                        <p:cTn dur="1" fill="hold">
+                                          <p:stCondLst>
+                                            <p:cond delay="0"/>
+                                          </p:stCondLst>
+                                        </p:cTn>
+                                        <p:tgtEl>
+                                          <p:spTgt spid="177"/>
+                                        </p:tgtEl>
+                                        <p:attrNameLst>
+                                          <p:attrName>style.visibility</p:attrName>
+                                        </p:attrNameLst>
+                                      </p:cBhvr>
+                                      <p:to>
+                                        <p:strVal val="visible"/>
+                                      </p:to>
+                                    </p:set>
+                                    <p:animEffect filter="fade" transition="in">
+                                      <p:cBhvr>
+                                        <p:cTn dur="1000"/>
+                                        <p:tgtEl>
+                                          <p:spTgt spid="177"/>
                                         </p:tgtEl>
                                       </p:cBhvr>
                                     </p:animEffect>

--- a/kableExtra_JSM2018.pptx
+++ b/kableExtra_JSM2018.pptx
@@ -797,7 +797,7 @@
             </a:pPr>
             <a:r>
               <a:rPr lang="en"/>
-              <a:t>The kableextra package is now about 3 years old. It came from an attempt I tried to add some footnotes to the output of the kable function from Yihui’s knitr. Since then I’ve been working on that, and thanks to the help from our colleagues at institute for Aging research and later the tremendous amount of support I got on github, we extend the scope of the package far beyond what I originally thought about. Before I get started, I would like to thank my colleagues listed here and everyone who have made contributions to this package and makes it better. </a:t>
+              <a:t>The kableextra package is an R package that is about 3 years old now. It came from an attempt I tried to add some footnotes to Yihui’s kable function in knitr. The core concept is to help you make those complex tables. </a:t>
             </a:r>
             <a:endParaRPr/>
           </a:p>
@@ -816,7 +816,7 @@
   <p:cSld>
     <p:spTree>
       <p:nvGrpSpPr>
-        <p:cNvPr id="179" name="Shape 179"/>
+        <p:cNvPr id="193" name="Shape 193"/>
         <p:cNvGrpSpPr/>
         <p:nvPr/>
       </p:nvGrpSpPr>
@@ -830,7 +830,7 @@
       </p:grpSpPr>
       <p:sp>
         <p:nvSpPr>
-          <p:cNvPr id="180" name="Google Shape;180;g3e5d444fa7_0_203:notes"/>
+          <p:cNvPr id="194" name="Google Shape;194;g3e5d444fa7_0_190:notes"/>
           <p:cNvSpPr/>
           <p:nvPr>
             <p:ph idx="2" type="sldImg"/>
@@ -864,7 +864,7 @@
       </p:sp>
       <p:sp>
         <p:nvSpPr>
-          <p:cNvPr id="181" name="Google Shape;181;g3e5d444fa7_0_203:notes"/>
+          <p:cNvPr id="195" name="Google Shape;195;g3e5d444fa7_0_190:notes"/>
           <p:cNvSpPr txBox="1"/>
           <p:nvPr>
             <p:ph idx="1" type="body"/>
@@ -1035,7 +1035,7 @@
       </p:grpSpPr>
       <p:sp>
         <p:nvSpPr>
-          <p:cNvPr id="210" name="Google Shape;210;g3e5d444fa7_0_251:notes"/>
+          <p:cNvPr id="210" name="Google Shape;210;g3e5d444fa7_0_246:notes"/>
           <p:cNvSpPr/>
           <p:nvPr>
             <p:ph idx="2" type="sldImg"/>
@@ -1069,7 +1069,7 @@
       </p:sp>
       <p:sp>
         <p:nvSpPr>
-          <p:cNvPr id="211" name="Google Shape;211;g3e5d444fa7_0_251:notes"/>
+          <p:cNvPr id="211" name="Google Shape;211;g3e5d444fa7_0_246:notes"/>
           <p:cNvSpPr txBox="1"/>
           <p:nvPr>
             <p:ph idx="1" type="body"/>
@@ -1100,7 +1100,16 @@
               <a:buNone/>
             </a:pPr>
             <a:r>
-              <a:t/>
+              <a:rPr lang="en"/>
+              <a:t>From the very beginning, functions in kableExtra automatically pick </a:t>
+            </a:r>
+            <a:r>
+              <a:rPr lang="en"/>
+              <a:t>appropriated methods based on the kable object feeded in. </a:t>
+            </a:r>
+            <a:r>
+              <a:rPr lang="en"/>
+              <a:t> </a:t>
             </a:r>
             <a:endParaRPr/>
           </a:p>
@@ -1133,7 +1142,7 @@
       </p:grpSpPr>
       <p:sp>
         <p:nvSpPr>
-          <p:cNvPr id="217" name="Google Shape;217;g3e5fae1630_2_0:notes"/>
+          <p:cNvPr id="217" name="Google Shape;217;g3e5d444fa7_0_251:notes"/>
           <p:cNvSpPr/>
           <p:nvPr>
             <p:ph idx="2" type="sldImg"/>
@@ -1167,7 +1176,7 @@
       </p:sp>
       <p:sp>
         <p:nvSpPr>
-          <p:cNvPr id="218" name="Google Shape;218;g3e5fae1630_2_0:notes"/>
+          <p:cNvPr id="218" name="Google Shape;218;g3e5d444fa7_0_251:notes"/>
           <p:cNvSpPr txBox="1"/>
           <p:nvPr>
             <p:ph idx="1" type="body"/>
@@ -1188,7 +1197,7 @@
           </a:bodyPr>
           <a:lstStyle/>
           <a:p>
-            <a:pPr indent="0" lvl="0" marL="0" rtl="0">
+            <a:pPr indent="0" lvl="0" marL="0">
               <a:spcBef>
                 <a:spcPts val="0"/>
               </a:spcBef>
@@ -1231,7 +1240,7 @@
       </p:grpSpPr>
       <p:sp>
         <p:nvSpPr>
-          <p:cNvPr id="224" name="Google Shape;224;g3e5fae1630_2_9:notes"/>
+          <p:cNvPr id="224" name="Google Shape;224;g3e5fae1630_2_0:notes"/>
           <p:cNvSpPr/>
           <p:nvPr>
             <p:ph idx="2" type="sldImg"/>
@@ -1265,7 +1274,7 @@
       </p:sp>
       <p:sp>
         <p:nvSpPr>
-          <p:cNvPr id="225" name="Google Shape;225;g3e5fae1630_2_9:notes"/>
+          <p:cNvPr id="225" name="Google Shape;225;g3e5fae1630_2_0:notes"/>
           <p:cNvSpPr txBox="1"/>
           <p:nvPr>
             <p:ph idx="1" type="body"/>
@@ -1329,7 +1338,7 @@
       </p:grpSpPr>
       <p:sp>
         <p:nvSpPr>
-          <p:cNvPr id="231" name="Google Shape;231;g3e5d444fa7_0_259:notes"/>
+          <p:cNvPr id="231" name="Google Shape;231;g3e5fae1630_2_9:notes"/>
           <p:cNvSpPr/>
           <p:nvPr>
             <p:ph idx="2" type="sldImg"/>
@@ -1363,7 +1372,7 @@
       </p:sp>
       <p:sp>
         <p:nvSpPr>
-          <p:cNvPr id="232" name="Google Shape;232;g3e5d444fa7_0_259:notes"/>
+          <p:cNvPr id="232" name="Google Shape;232;g3e5fae1630_2_9:notes"/>
           <p:cNvSpPr txBox="1"/>
           <p:nvPr>
             <p:ph idx="1" type="body"/>
@@ -1427,7 +1436,7 @@
       </p:grpSpPr>
       <p:sp>
         <p:nvSpPr>
-          <p:cNvPr id="238" name="Google Shape;238;g3e5fae1630_2_30:notes"/>
+          <p:cNvPr id="238" name="Google Shape;238;g3e5d444fa7_0_259:notes"/>
           <p:cNvSpPr/>
           <p:nvPr>
             <p:ph idx="2" type="sldImg"/>
@@ -1461,7 +1470,7 @@
       </p:sp>
       <p:sp>
         <p:nvSpPr>
-          <p:cNvPr id="239" name="Google Shape;239;g3e5fae1630_2_30:notes"/>
+          <p:cNvPr id="239" name="Google Shape;239;g3e5d444fa7_0_259:notes"/>
           <p:cNvSpPr txBox="1"/>
           <p:nvPr>
             <p:ph idx="1" type="body"/>
@@ -1525,7 +1534,7 @@
       </p:grpSpPr>
       <p:sp>
         <p:nvSpPr>
-          <p:cNvPr id="245" name="Google Shape;245;g3e5fae1630_2_36:notes"/>
+          <p:cNvPr id="245" name="Google Shape;245;g3e5fae1630_2_30:notes"/>
           <p:cNvSpPr/>
           <p:nvPr>
             <p:ph idx="2" type="sldImg"/>
@@ -1559,7 +1568,7 @@
       </p:sp>
       <p:sp>
         <p:nvSpPr>
-          <p:cNvPr id="246" name="Google Shape;246;g3e5fae1630_2_36:notes"/>
+          <p:cNvPr id="246" name="Google Shape;246;g3e5fae1630_2_30:notes"/>
           <p:cNvSpPr txBox="1"/>
           <p:nvPr>
             <p:ph idx="1" type="body"/>
@@ -1623,7 +1632,7 @@
       </p:grpSpPr>
       <p:sp>
         <p:nvSpPr>
-          <p:cNvPr id="252" name="Google Shape;252;g3e5d444fa7_0_246:notes"/>
+          <p:cNvPr id="252" name="Google Shape;252;g3e5fae1630_2_36:notes"/>
           <p:cNvSpPr/>
           <p:nvPr>
             <p:ph idx="2" type="sldImg"/>
@@ -1657,7 +1666,7 @@
       </p:sp>
       <p:sp>
         <p:nvSpPr>
-          <p:cNvPr id="253" name="Google Shape;253;g3e5d444fa7_0_246:notes"/>
+          <p:cNvPr id="253" name="Google Shape;253;g3e5fae1630_2_36:notes"/>
           <p:cNvSpPr txBox="1"/>
           <p:nvPr>
             <p:ph idx="1" type="body"/>
@@ -1678,7 +1687,7 @@
           </a:bodyPr>
           <a:lstStyle/>
           <a:p>
-            <a:pPr indent="0" lvl="0" marL="0">
+            <a:pPr indent="0" lvl="0" marL="0" rtl="0">
               <a:spcBef>
                 <a:spcPts val="0"/>
               </a:spcBef>
@@ -1688,16 +1697,7 @@
               <a:buNone/>
             </a:pPr>
             <a:r>
-              <a:rPr lang="en"/>
-              <a:t>From the very beginning, functions in kableExtra automatically pick </a:t>
-            </a:r>
-            <a:r>
-              <a:rPr lang="en"/>
-              <a:t>appropriated methods based on the kable object feeded in. </a:t>
-            </a:r>
-            <a:r>
-              <a:rPr lang="en"/>
-              <a:t> </a:t>
+              <a:t/>
             </a:r>
             <a:endParaRPr/>
           </a:p>
@@ -2712,7 +2712,7 @@
       </p:grpSpPr>
       <p:sp>
         <p:nvSpPr>
-          <p:cNvPr id="170" name="Google Shape;170;g3e5d444fa7_0_190:notes"/>
+          <p:cNvPr id="170" name="Google Shape;170;g3e5d444fa7_0_203:notes"/>
           <p:cNvSpPr/>
           <p:nvPr>
             <p:ph idx="2" type="sldImg"/>
@@ -2746,7 +2746,7 @@
       </p:sp>
       <p:sp>
         <p:nvSpPr>
-          <p:cNvPr id="171" name="Google Shape;171;g3e5d444fa7_0_190:notes"/>
+          <p:cNvPr id="171" name="Google Shape;171;g3e5d444fa7_0_203:notes"/>
           <p:cNvSpPr txBox="1"/>
           <p:nvPr>
             <p:ph idx="1" type="body"/>
@@ -9495,8 +9495,8 @@
         </p:nvSpPr>
         <p:spPr>
           <a:xfrm>
-            <a:off x="711919" y="6175925"/>
-            <a:ext cx="4431600" cy="362100"/>
+            <a:off x="711926" y="6175925"/>
+            <a:ext cx="5230500" cy="362100"/>
           </a:xfrm>
           <a:prstGeom prst="rect">
             <a:avLst/>
@@ -9532,11 +9532,11 @@
             <a:r>
               <a:rPr lang="en" sz="1800" u="sng">
                 <a:solidFill>
-                  <a:schemeClr val="accent5"/>
+                  <a:schemeClr val="hlink"/>
                 </a:solidFill>
                 <a:hlinkClick r:id="rId6"/>
               </a:rPr>
-              <a:t>bit.ly/kableExtra_JSM</a:t>
+              <a:t>bit.ly/kableExtra_JSM2018</a:t>
             </a:r>
             <a:endParaRPr/>
           </a:p>
@@ -9555,7 +9555,7 @@
   <p:cSld>
     <p:spTree>
       <p:nvGrpSpPr>
-        <p:cNvPr id="182" name="Shape 182"/>
+        <p:cNvPr id="196" name="Shape 196"/>
         <p:cNvGrpSpPr/>
         <p:nvPr/>
       </p:nvGrpSpPr>
@@ -9569,22 +9569,20 @@
       </p:grpSpPr>
       <p:sp>
         <p:nvSpPr>
-          <p:cNvPr id="183" name="Google Shape;183;p22"/>
+          <p:cNvPr id="197" name="Google Shape;197;p22"/>
           <p:cNvSpPr txBox="1"/>
-          <p:nvPr/>
+          <p:nvPr>
+            <p:ph type="title"/>
+          </p:nvPr>
         </p:nvSpPr>
         <p:spPr>
           <a:xfrm>
-            <a:off x="489050" y="537025"/>
-            <a:ext cx="2719200" cy="548700"/>
+            <a:off x="729450" y="1758200"/>
+            <a:ext cx="7688700" cy="713700"/>
           </a:xfrm>
           <a:prstGeom prst="rect">
             <a:avLst/>
           </a:prstGeom>
-          <a:noFill/>
-          <a:ln>
-            <a:noFill/>
-          </a:ln>
         </p:spPr>
         <p:txBody>
           <a:bodyPr anchorCtr="0" anchor="t" bIns="91425" lIns="91425" spcFirstLastPara="1" rIns="91425" wrap="square" tIns="91425">
@@ -9602,16 +9600,170 @@
               <a:buNone/>
             </a:pPr>
             <a:r>
-              <a:rPr b="1" lang="en" sz="2400">
-                <a:solidFill>
-                  <a:srgbClr val="2AA286"/>
+              <a:rPr lang="en"/>
+              <a:t>Goals &amp; Design</a:t>
+            </a:r>
+            <a:endParaRPr/>
+          </a:p>
+        </p:txBody>
+      </p:sp>
+      <p:sp>
+        <p:nvSpPr>
+          <p:cNvPr id="198" name="Google Shape;198;p22"/>
+          <p:cNvSpPr txBox="1"/>
+          <p:nvPr>
+            <p:ph idx="1" type="body"/>
+          </p:nvPr>
+        </p:nvSpPr>
+        <p:spPr>
+          <a:xfrm>
+            <a:off x="729450" y="2771828"/>
+            <a:ext cx="7688700" cy="1997700"/>
+          </a:xfrm>
+          <a:prstGeom prst="rect">
+            <a:avLst/>
+          </a:prstGeom>
+        </p:spPr>
+        <p:txBody>
+          <a:bodyPr anchorCtr="0" anchor="t" bIns="91425" lIns="91425" spcFirstLastPara="1" rIns="91425" wrap="square" tIns="91425">
+            <a:noAutofit/>
+          </a:bodyPr>
+          <a:lstStyle/>
+          <a:p>
+            <a:pPr indent="-381000" lvl="0" marL="457200" rtl="0">
+              <a:spcBef>
+                <a:spcPts val="0"/>
+              </a:spcBef>
+              <a:spcAft>
+                <a:spcPts val="0"/>
+              </a:spcAft>
+              <a:buSzPts val="2400"/>
+              <a:buAutoNum type="arabicPeriod"/>
+            </a:pPr>
+            <a:r>
+              <a:rPr lang="en" sz="2400"/>
+              <a:t>Easy to learn</a:t>
+            </a:r>
+            <a:endParaRPr sz="2400"/>
+          </a:p>
+          <a:p>
+            <a:pPr indent="-381000" lvl="0" marL="457200" rtl="0">
+              <a:spcBef>
+                <a:spcPts val="0"/>
+              </a:spcBef>
+              <a:spcAft>
+                <a:spcPts val="0"/>
+              </a:spcAft>
+              <a:buSzPts val="2400"/>
+              <a:buAutoNum type="arabicPeriod"/>
+            </a:pPr>
+            <a:r>
+              <a:rPr lang="en" sz="2400"/>
+              <a:t>Easy to use</a:t>
+            </a:r>
+            <a:endParaRPr sz="2400"/>
+          </a:p>
+          <a:p>
+            <a:pPr indent="-381000" lvl="0" marL="457200" rtl="0">
+              <a:spcBef>
+                <a:spcPts val="0"/>
+              </a:spcBef>
+              <a:spcAft>
+                <a:spcPts val="0"/>
+              </a:spcAft>
+              <a:buSzPts val="2400"/>
+              <a:buAutoNum type="arabicPeriod"/>
+            </a:pPr>
+            <a:r>
+              <a:rPr lang="en" sz="2400"/>
+              <a:t>Works for both HTML and LaTeX</a:t>
+            </a:r>
+            <a:endParaRPr sz="2400"/>
+          </a:p>
+          <a:p>
+            <a:pPr indent="-381000" lvl="0" marL="457200" rtl="0">
+              <a:spcBef>
+                <a:spcPts val="0"/>
+              </a:spcBef>
+              <a:spcAft>
+                <a:spcPts val="0"/>
+              </a:spcAft>
+              <a:buSzPts val="2400"/>
+              <a:buAutoNum type="arabicPeriod"/>
+            </a:pPr>
+            <a:r>
+              <a:rPr lang="en" sz="2400"/>
+              <a:t>Works for 95% of complex tables.</a:t>
+            </a:r>
+            <a:endParaRPr sz="2400"/>
+          </a:p>
+        </p:txBody>
+      </p:sp>
+      <p:sp>
+        <p:nvSpPr>
+          <p:cNvPr id="199" name="Google Shape;199;p22"/>
+          <p:cNvSpPr/>
+          <p:nvPr/>
+        </p:nvSpPr>
+        <p:spPr>
+          <a:xfrm>
+            <a:off x="729450" y="4950050"/>
+            <a:ext cx="3842700" cy="656100"/>
+          </a:xfrm>
+          <a:prstGeom prst="roundRect">
+            <a:avLst>
+              <a:gd fmla="val 16667" name="adj"/>
+            </a:avLst>
+          </a:prstGeom>
+          <a:solidFill>
+            <a:srgbClr val="2AA286"/>
+          </a:solidFill>
+          <a:ln>
+            <a:noFill/>
+          </a:ln>
+        </p:spPr>
+        <p:txBody>
+          <a:bodyPr anchorCtr="0" anchor="ctr" bIns="91425" lIns="91425" spcFirstLastPara="1" rIns="91425" wrap="square" tIns="91425">
+            <a:noAutofit/>
+          </a:bodyPr>
+          <a:lstStyle/>
+          <a:p>
+            <a:pPr indent="0" lvl="0" marL="0">
+              <a:spcBef>
+                <a:spcPts val="0"/>
+              </a:spcBef>
+              <a:spcAft>
+                <a:spcPts val="0"/>
+              </a:spcAft>
+              <a:buNone/>
+            </a:pPr>
+            <a:r>
+              <a:rPr b="1" lang="en" sz="1800">
+                <a:solidFill>
+                  <a:schemeClr val="lt1"/>
                 </a:solidFill>
               </a:rPr>
-              <a:t>Geranal</a:t>
+              <a:t>1. </a:t>
             </a:r>
-            <a:endParaRPr b="1" sz="2400">
+            <a:r>
+              <a:rPr b="1" lang="en" sz="1800">
+                <a:solidFill>
+                  <a:schemeClr val="lt1"/>
+                </a:solidFill>
+              </a:rPr>
+              <a:t>Simple</a:t>
+            </a:r>
+            <a:r>
+              <a:rPr b="1" lang="en" sz="1800">
+                <a:solidFill>
+                  <a:schemeClr val="lt1"/>
+                </a:solidFill>
+              </a:rPr>
+              <a:t> functions + Pipes</a:t>
+            </a:r>
+            <a:endParaRPr b="1" sz="1800">
               <a:solidFill>
-                <a:srgbClr val="2AA286"/>
+                <a:schemeClr val="lt1"/>
               </a:solidFill>
             </a:endParaRPr>
           </a:p>
@@ -9619,27 +9771,29 @@
       </p:sp>
       <p:sp>
         <p:nvSpPr>
-          <p:cNvPr id="184" name="Google Shape;184;p22"/>
-          <p:cNvSpPr txBox="1"/>
+          <p:cNvPr id="200" name="Google Shape;200;p22"/>
+          <p:cNvSpPr/>
           <p:nvPr/>
         </p:nvSpPr>
         <p:spPr>
           <a:xfrm>
-            <a:off x="594200" y="1027200"/>
-            <a:ext cx="1254600" cy="352200"/>
-          </a:xfrm>
-          <a:prstGeom prst="rect">
-            <a:avLst/>
+            <a:off x="4761399" y="4950050"/>
+            <a:ext cx="3718800" cy="656100"/>
+          </a:xfrm>
+          <a:prstGeom prst="roundRect">
+            <a:avLst>
+              <a:gd fmla="val 16667" name="adj"/>
+            </a:avLst>
           </a:prstGeom>
           <a:solidFill>
-            <a:srgbClr val="EFEFEF"/>
+            <a:srgbClr val="45397F"/>
           </a:solidFill>
           <a:ln>
             <a:noFill/>
           </a:ln>
         </p:spPr>
         <p:txBody>
-          <a:bodyPr anchorCtr="0" anchor="t" bIns="91425" lIns="91425" spcFirstLastPara="1" rIns="91425" wrap="square" tIns="91425">
+          <a:bodyPr anchorCtr="0" anchor="ctr" bIns="91425" lIns="91425" spcFirstLastPara="1" rIns="91425" wrap="square" tIns="91425">
             <a:noAutofit/>
           </a:bodyPr>
           <a:lstStyle/>
@@ -9654,16 +9808,16 @@
               <a:buNone/>
             </a:pPr>
             <a:r>
-              <a:rPr lang="en">
-                <a:solidFill>
-                  <a:srgbClr val="CC0000"/>
+              <a:rPr b="1" lang="en" sz="1800">
+                <a:solidFill>
+                  <a:schemeClr val="lt1"/>
                 </a:solidFill>
               </a:rPr>
-              <a:t>kable_styling</a:t>
+              <a:t>2. Smart &amp; Automated</a:t>
             </a:r>
-            <a:endParaRPr>
+            <a:endParaRPr b="1" sz="1800">
               <a:solidFill>
-                <a:srgbClr val="CC0000"/>
+                <a:schemeClr val="lt1"/>
               </a:solidFill>
             </a:endParaRPr>
           </a:p>
@@ -9671,25 +9825,29 @@
       </p:sp>
       <p:sp>
         <p:nvSpPr>
-          <p:cNvPr id="185" name="Google Shape;185;p22"/>
-          <p:cNvSpPr txBox="1"/>
+          <p:cNvPr id="201" name="Google Shape;201;p22"/>
+          <p:cNvSpPr/>
           <p:nvPr/>
         </p:nvSpPr>
         <p:spPr>
           <a:xfrm>
-            <a:off x="489050" y="1442144"/>
-            <a:ext cx="3542400" cy="548700"/>
-          </a:xfrm>
-          <a:prstGeom prst="rect">
-            <a:avLst/>
+            <a:off x="729450" y="5786525"/>
+            <a:ext cx="3842700" cy="656100"/>
+          </a:xfrm>
+          <a:prstGeom prst="roundRect">
+            <a:avLst>
+              <a:gd fmla="val 16667" name="adj"/>
+            </a:avLst>
           </a:prstGeom>
-          <a:noFill/>
+          <a:solidFill>
+            <a:srgbClr val="45397F"/>
+          </a:solidFill>
           <a:ln>
             <a:noFill/>
           </a:ln>
         </p:spPr>
         <p:txBody>
-          <a:bodyPr anchorCtr="0" anchor="t" bIns="91425" lIns="91425" spcFirstLastPara="1" rIns="91425" wrap="square" tIns="91425">
+          <a:bodyPr anchorCtr="0" anchor="ctr" bIns="91425" lIns="91425" spcFirstLastPara="1" rIns="91425" wrap="square" tIns="91425">
             <a:noAutofit/>
           </a:bodyPr>
           <a:lstStyle/>
@@ -9704,16 +9862,16 @@
               <a:buNone/>
             </a:pPr>
             <a:r>
-              <a:rPr b="1" lang="en" sz="2400">
-                <a:solidFill>
-                  <a:srgbClr val="2AA286"/>
+              <a:rPr b="1" lang="en" sz="1800">
+                <a:solidFill>
+                  <a:schemeClr val="lt1"/>
                 </a:solidFill>
               </a:rPr>
-              <a:t>Spec family</a:t>
+              <a:t>3. Higher level language that translates to HTML &amp; LaTeX</a:t>
             </a:r>
-            <a:endParaRPr b="1" sz="2400">
+            <a:endParaRPr b="1" sz="1800">
               <a:solidFill>
-                <a:srgbClr val="2AA286"/>
+                <a:schemeClr val="lt1"/>
               </a:solidFill>
             </a:endParaRPr>
           </a:p>
@@ -9721,27 +9879,29 @@
       </p:sp>
       <p:sp>
         <p:nvSpPr>
-          <p:cNvPr id="186" name="Google Shape;186;p22"/>
-          <p:cNvSpPr txBox="1"/>
+          <p:cNvPr id="202" name="Google Shape;202;p22"/>
+          <p:cNvSpPr/>
           <p:nvPr/>
         </p:nvSpPr>
         <p:spPr>
           <a:xfrm>
-            <a:off x="594200" y="1968100"/>
-            <a:ext cx="1254600" cy="352200"/>
-          </a:xfrm>
-          <a:prstGeom prst="rect">
-            <a:avLst/>
+            <a:off x="4761399" y="5788250"/>
+            <a:ext cx="3718800" cy="656100"/>
+          </a:xfrm>
+          <a:prstGeom prst="roundRect">
+            <a:avLst>
+              <a:gd fmla="val 16667" name="adj"/>
+            </a:avLst>
           </a:prstGeom>
           <a:solidFill>
-            <a:srgbClr val="EFEFEF"/>
+            <a:srgbClr val="2AA286"/>
           </a:solidFill>
           <a:ln>
             <a:noFill/>
           </a:ln>
         </p:spPr>
         <p:txBody>
-          <a:bodyPr anchorCtr="0" anchor="t" bIns="91425" lIns="91425" spcFirstLastPara="1" rIns="91425" wrap="square" tIns="91425">
+          <a:bodyPr anchorCtr="0" anchor="ctr" bIns="91425" lIns="91425" spcFirstLastPara="1" rIns="91425" wrap="square" tIns="91425">
             <a:noAutofit/>
           </a:bodyPr>
           <a:lstStyle/>
@@ -9756,779 +9916,16 @@
               <a:buNone/>
             </a:pPr>
             <a:r>
-              <a:rPr lang="en">
-                <a:solidFill>
-                  <a:srgbClr val="CC0000"/>
+              <a:rPr b="1" lang="en" sz="1800">
+                <a:solidFill>
+                  <a:schemeClr val="lt1"/>
                 </a:solidFill>
               </a:rPr>
-              <a:t>column_spec</a:t>
+              <a:t>4. Top priority: Simplicity</a:t>
             </a:r>
-            <a:endParaRPr>
+            <a:endParaRPr b="1" sz="1800">
               <a:solidFill>
-                <a:srgbClr val="CC0000"/>
-              </a:solidFill>
-            </a:endParaRPr>
-          </a:p>
-        </p:txBody>
-      </p:sp>
-      <p:sp>
-        <p:nvSpPr>
-          <p:cNvPr id="187" name="Google Shape;187;p22"/>
-          <p:cNvSpPr txBox="1"/>
-          <p:nvPr/>
-        </p:nvSpPr>
-        <p:spPr>
-          <a:xfrm>
-            <a:off x="594200" y="2425298"/>
-            <a:ext cx="956400" cy="352200"/>
-          </a:xfrm>
-          <a:prstGeom prst="rect">
-            <a:avLst/>
-          </a:prstGeom>
-          <a:solidFill>
-            <a:srgbClr val="EFEFEF"/>
-          </a:solidFill>
-          <a:ln>
-            <a:noFill/>
-          </a:ln>
-        </p:spPr>
-        <p:txBody>
-          <a:bodyPr anchorCtr="0" anchor="t" bIns="91425" lIns="91425" spcFirstLastPara="1" rIns="91425" wrap="square" tIns="91425">
-            <a:noAutofit/>
-          </a:bodyPr>
-          <a:lstStyle/>
-          <a:p>
-            <a:pPr indent="0" lvl="0" marL="0" rtl="0">
-              <a:spcBef>
-                <a:spcPts val="0"/>
-              </a:spcBef>
-              <a:spcAft>
-                <a:spcPts val="0"/>
-              </a:spcAft>
-              <a:buNone/>
-            </a:pPr>
-            <a:r>
-              <a:rPr lang="en">
-                <a:solidFill>
-                  <a:srgbClr val="CC0000"/>
-                </a:solidFill>
-              </a:rPr>
-              <a:t>row</a:t>
-            </a:r>
-            <a:r>
-              <a:rPr lang="en">
-                <a:solidFill>
-                  <a:srgbClr val="CC0000"/>
-                </a:solidFill>
-              </a:rPr>
-              <a:t>_spec</a:t>
-            </a:r>
-            <a:endParaRPr>
-              <a:solidFill>
-                <a:srgbClr val="CC0000"/>
-              </a:solidFill>
-            </a:endParaRPr>
-          </a:p>
-        </p:txBody>
-      </p:sp>
-      <p:sp>
-        <p:nvSpPr>
-          <p:cNvPr id="188" name="Google Shape;188;p22"/>
-          <p:cNvSpPr txBox="1"/>
-          <p:nvPr/>
-        </p:nvSpPr>
-        <p:spPr>
-          <a:xfrm>
-            <a:off x="594200" y="2894423"/>
-            <a:ext cx="956400" cy="352200"/>
-          </a:xfrm>
-          <a:prstGeom prst="rect">
-            <a:avLst/>
-          </a:prstGeom>
-          <a:solidFill>
-            <a:srgbClr val="EFEFEF"/>
-          </a:solidFill>
-          <a:ln>
-            <a:noFill/>
-          </a:ln>
-        </p:spPr>
-        <p:txBody>
-          <a:bodyPr anchorCtr="0" anchor="t" bIns="91425" lIns="91425" spcFirstLastPara="1" rIns="91425" wrap="square" tIns="91425">
-            <a:noAutofit/>
-          </a:bodyPr>
-          <a:lstStyle/>
-          <a:p>
-            <a:pPr indent="0" lvl="0" marL="0" rtl="0">
-              <a:spcBef>
-                <a:spcPts val="0"/>
-              </a:spcBef>
-              <a:spcAft>
-                <a:spcPts val="0"/>
-              </a:spcAft>
-              <a:buNone/>
-            </a:pPr>
-            <a:r>
-              <a:rPr lang="en">
-                <a:solidFill>
-                  <a:srgbClr val="CC0000"/>
-                </a:solidFill>
-              </a:rPr>
-              <a:t>cell</a:t>
-            </a:r>
-            <a:r>
-              <a:rPr lang="en">
-                <a:solidFill>
-                  <a:srgbClr val="CC0000"/>
-                </a:solidFill>
-              </a:rPr>
-              <a:t>_spec</a:t>
-            </a:r>
-            <a:endParaRPr>
-              <a:solidFill>
-                <a:srgbClr val="CC0000"/>
-              </a:solidFill>
-            </a:endParaRPr>
-          </a:p>
-        </p:txBody>
-      </p:sp>
-      <p:sp>
-        <p:nvSpPr>
-          <p:cNvPr id="189" name="Google Shape;189;p22"/>
-          <p:cNvSpPr txBox="1"/>
-          <p:nvPr/>
-        </p:nvSpPr>
-        <p:spPr>
-          <a:xfrm>
-            <a:off x="489050" y="3270944"/>
-            <a:ext cx="3542400" cy="548700"/>
-          </a:xfrm>
-          <a:prstGeom prst="rect">
-            <a:avLst/>
-          </a:prstGeom>
-          <a:noFill/>
-          <a:ln>
-            <a:noFill/>
-          </a:ln>
-        </p:spPr>
-        <p:txBody>
-          <a:bodyPr anchorCtr="0" anchor="t" bIns="91425" lIns="91425" spcFirstLastPara="1" rIns="91425" wrap="square" tIns="91425">
-            <a:noAutofit/>
-          </a:bodyPr>
-          <a:lstStyle/>
-          <a:p>
-            <a:pPr indent="0" lvl="0" marL="0" rtl="0">
-              <a:spcBef>
-                <a:spcPts val="0"/>
-              </a:spcBef>
-              <a:spcAft>
-                <a:spcPts val="0"/>
-              </a:spcAft>
-              <a:buNone/>
-            </a:pPr>
-            <a:r>
-              <a:rPr b="1" lang="en" sz="2400">
-                <a:solidFill>
-                  <a:srgbClr val="2AA286"/>
-                </a:solidFill>
-              </a:rPr>
-              <a:t>Grouping</a:t>
-            </a:r>
-            <a:endParaRPr b="1" sz="2400">
-              <a:solidFill>
-                <a:srgbClr val="2AA286"/>
-              </a:solidFill>
-            </a:endParaRPr>
-          </a:p>
-        </p:txBody>
-      </p:sp>
-      <p:sp>
-        <p:nvSpPr>
-          <p:cNvPr id="190" name="Google Shape;190;p22"/>
-          <p:cNvSpPr txBox="1"/>
-          <p:nvPr/>
-        </p:nvSpPr>
-        <p:spPr>
-          <a:xfrm>
-            <a:off x="594200" y="3773050"/>
-            <a:ext cx="1719600" cy="352200"/>
-          </a:xfrm>
-          <a:prstGeom prst="rect">
-            <a:avLst/>
-          </a:prstGeom>
-          <a:solidFill>
-            <a:srgbClr val="EFEFEF"/>
-          </a:solidFill>
-          <a:ln>
-            <a:noFill/>
-          </a:ln>
-        </p:spPr>
-        <p:txBody>
-          <a:bodyPr anchorCtr="0" anchor="t" bIns="91425" lIns="91425" spcFirstLastPara="1" rIns="91425" wrap="square" tIns="91425">
-            <a:noAutofit/>
-          </a:bodyPr>
-          <a:lstStyle/>
-          <a:p>
-            <a:pPr indent="0" lvl="0" marL="0" rtl="0">
-              <a:spcBef>
-                <a:spcPts val="0"/>
-              </a:spcBef>
-              <a:spcAft>
-                <a:spcPts val="0"/>
-              </a:spcAft>
-              <a:buNone/>
-            </a:pPr>
-            <a:r>
-              <a:rPr lang="en">
-                <a:solidFill>
-                  <a:srgbClr val="CC0000"/>
-                </a:solidFill>
-              </a:rPr>
-              <a:t>add_header_above</a:t>
-            </a:r>
-            <a:endParaRPr>
-              <a:solidFill>
-                <a:srgbClr val="CC0000"/>
-              </a:solidFill>
-            </a:endParaRPr>
-          </a:p>
-        </p:txBody>
-      </p:sp>
-      <p:sp>
-        <p:nvSpPr>
-          <p:cNvPr id="191" name="Google Shape;191;p22"/>
-          <p:cNvSpPr txBox="1"/>
-          <p:nvPr/>
-        </p:nvSpPr>
-        <p:spPr>
-          <a:xfrm>
-            <a:off x="594200" y="4230250"/>
-            <a:ext cx="1123200" cy="352200"/>
-          </a:xfrm>
-          <a:prstGeom prst="rect">
-            <a:avLst/>
-          </a:prstGeom>
-          <a:solidFill>
-            <a:srgbClr val="EFEFEF"/>
-          </a:solidFill>
-          <a:ln>
-            <a:noFill/>
-          </a:ln>
-        </p:spPr>
-        <p:txBody>
-          <a:bodyPr anchorCtr="0" anchor="t" bIns="91425" lIns="91425" spcFirstLastPara="1" rIns="91425" wrap="square" tIns="91425">
-            <a:noAutofit/>
-          </a:bodyPr>
-          <a:lstStyle/>
-          <a:p>
-            <a:pPr indent="0" lvl="0" marL="0" rtl="0">
-              <a:spcBef>
-                <a:spcPts val="0"/>
-              </a:spcBef>
-              <a:spcAft>
-                <a:spcPts val="0"/>
-              </a:spcAft>
-              <a:buNone/>
-            </a:pPr>
-            <a:r>
-              <a:rPr lang="en">
-                <a:solidFill>
-                  <a:srgbClr val="CC0000"/>
-                </a:solidFill>
-              </a:rPr>
-              <a:t>group_rows</a:t>
-            </a:r>
-            <a:endParaRPr>
-              <a:solidFill>
-                <a:srgbClr val="CC0000"/>
-              </a:solidFill>
-            </a:endParaRPr>
-          </a:p>
-        </p:txBody>
-      </p:sp>
-      <p:sp>
-        <p:nvSpPr>
-          <p:cNvPr id="192" name="Google Shape;192;p22"/>
-          <p:cNvSpPr txBox="1"/>
-          <p:nvPr/>
-        </p:nvSpPr>
-        <p:spPr>
-          <a:xfrm>
-            <a:off x="594200" y="4699375"/>
-            <a:ext cx="1314000" cy="352200"/>
-          </a:xfrm>
-          <a:prstGeom prst="rect">
-            <a:avLst/>
-          </a:prstGeom>
-          <a:solidFill>
-            <a:srgbClr val="EFEFEF"/>
-          </a:solidFill>
-          <a:ln>
-            <a:noFill/>
-          </a:ln>
-        </p:spPr>
-        <p:txBody>
-          <a:bodyPr anchorCtr="0" anchor="t" bIns="91425" lIns="91425" spcFirstLastPara="1" rIns="91425" wrap="square" tIns="91425">
-            <a:noAutofit/>
-          </a:bodyPr>
-          <a:lstStyle/>
-          <a:p>
-            <a:pPr indent="0" lvl="0" marL="0" rtl="0">
-              <a:spcBef>
-                <a:spcPts val="0"/>
-              </a:spcBef>
-              <a:spcAft>
-                <a:spcPts val="0"/>
-              </a:spcAft>
-              <a:buNone/>
-            </a:pPr>
-            <a:r>
-              <a:rPr lang="en">
-                <a:solidFill>
-                  <a:srgbClr val="CC0000"/>
-                </a:solidFill>
-              </a:rPr>
-              <a:t>collapse_rows</a:t>
-            </a:r>
-            <a:endParaRPr>
-              <a:solidFill>
-                <a:srgbClr val="CC0000"/>
-              </a:solidFill>
-            </a:endParaRPr>
-          </a:p>
-        </p:txBody>
-      </p:sp>
-      <p:sp>
-        <p:nvSpPr>
-          <p:cNvPr id="193" name="Google Shape;193;p22"/>
-          <p:cNvSpPr txBox="1"/>
-          <p:nvPr/>
-        </p:nvSpPr>
-        <p:spPr>
-          <a:xfrm>
-            <a:off x="489050" y="5099744"/>
-            <a:ext cx="3542400" cy="548700"/>
-          </a:xfrm>
-          <a:prstGeom prst="rect">
-            <a:avLst/>
-          </a:prstGeom>
-          <a:noFill/>
-          <a:ln>
-            <a:noFill/>
-          </a:ln>
-        </p:spPr>
-        <p:txBody>
-          <a:bodyPr anchorCtr="0" anchor="t" bIns="91425" lIns="91425" spcFirstLastPara="1" rIns="91425" wrap="square" tIns="91425">
-            <a:noAutofit/>
-          </a:bodyPr>
-          <a:lstStyle/>
-          <a:p>
-            <a:pPr indent="0" lvl="0" marL="0" rtl="0">
-              <a:spcBef>
-                <a:spcPts val="0"/>
-              </a:spcBef>
-              <a:spcAft>
-                <a:spcPts val="0"/>
-              </a:spcAft>
-              <a:buNone/>
-            </a:pPr>
-            <a:r>
-              <a:rPr b="1" lang="en" sz="2400">
-                <a:solidFill>
-                  <a:srgbClr val="2AA286"/>
-                </a:solidFill>
-              </a:rPr>
-              <a:t>Footnote</a:t>
-            </a:r>
-            <a:endParaRPr b="1" sz="2400">
-              <a:solidFill>
-                <a:srgbClr val="2AA286"/>
-              </a:solidFill>
-            </a:endParaRPr>
-          </a:p>
-        </p:txBody>
-      </p:sp>
-      <p:sp>
-        <p:nvSpPr>
-          <p:cNvPr id="194" name="Google Shape;194;p22"/>
-          <p:cNvSpPr txBox="1"/>
-          <p:nvPr/>
-        </p:nvSpPr>
-        <p:spPr>
-          <a:xfrm>
-            <a:off x="594200" y="5599200"/>
-            <a:ext cx="837000" cy="352200"/>
-          </a:xfrm>
-          <a:prstGeom prst="rect">
-            <a:avLst/>
-          </a:prstGeom>
-          <a:solidFill>
-            <a:srgbClr val="EFEFEF"/>
-          </a:solidFill>
-          <a:ln>
-            <a:noFill/>
-          </a:ln>
-        </p:spPr>
-        <p:txBody>
-          <a:bodyPr anchorCtr="0" anchor="t" bIns="91425" lIns="91425" spcFirstLastPara="1" rIns="91425" wrap="square" tIns="91425">
-            <a:noAutofit/>
-          </a:bodyPr>
-          <a:lstStyle/>
-          <a:p>
-            <a:pPr indent="0" lvl="0" marL="0" rtl="0">
-              <a:spcBef>
-                <a:spcPts val="0"/>
-              </a:spcBef>
-              <a:spcAft>
-                <a:spcPts val="0"/>
-              </a:spcAft>
-              <a:buNone/>
-            </a:pPr>
-            <a:r>
-              <a:rPr lang="en">
-                <a:solidFill>
-                  <a:srgbClr val="CC0000"/>
-                </a:solidFill>
-              </a:rPr>
-              <a:t>footnote</a:t>
-            </a:r>
-            <a:endParaRPr>
-              <a:solidFill>
-                <a:srgbClr val="CC0000"/>
-              </a:solidFill>
-            </a:endParaRPr>
-          </a:p>
-        </p:txBody>
-      </p:sp>
-      <p:sp>
-        <p:nvSpPr>
-          <p:cNvPr id="195" name="Google Shape;195;p22"/>
-          <p:cNvSpPr txBox="1"/>
-          <p:nvPr/>
-        </p:nvSpPr>
-        <p:spPr>
-          <a:xfrm>
-            <a:off x="3065250" y="665100"/>
-            <a:ext cx="3111900" cy="714300"/>
-          </a:xfrm>
-          <a:prstGeom prst="rect">
-            <a:avLst/>
-          </a:prstGeom>
-          <a:noFill/>
-          <a:ln>
-            <a:noFill/>
-          </a:ln>
-        </p:spPr>
-        <p:txBody>
-          <a:bodyPr anchorCtr="0" anchor="t" bIns="91425" lIns="91425" spcFirstLastPara="1" rIns="91425" wrap="square" tIns="91425">
-            <a:noAutofit/>
-          </a:bodyPr>
-          <a:lstStyle/>
-          <a:p>
-            <a:pPr indent="0" lvl="0" marL="0">
-              <a:spcBef>
-                <a:spcPts val="0"/>
-              </a:spcBef>
-              <a:spcAft>
-                <a:spcPts val="0"/>
-              </a:spcAft>
-              <a:buNone/>
-            </a:pPr>
-            <a:r>
-              <a:rPr lang="en" sz="1800">
-                <a:solidFill>
-                  <a:srgbClr val="45397F"/>
-                </a:solidFill>
-              </a:rPr>
-              <a:t>General setup: Table themes, striped rows, position, font size etc</a:t>
-            </a:r>
-            <a:endParaRPr sz="1800">
-              <a:solidFill>
-                <a:srgbClr val="45397F"/>
-              </a:solidFill>
-            </a:endParaRPr>
-          </a:p>
-        </p:txBody>
-      </p:sp>
-      <p:sp>
-        <p:nvSpPr>
-          <p:cNvPr id="196" name="Google Shape;196;p22"/>
-          <p:cNvSpPr txBox="1"/>
-          <p:nvPr/>
-        </p:nvSpPr>
-        <p:spPr>
-          <a:xfrm>
-            <a:off x="3065250" y="1894200"/>
-            <a:ext cx="3111900" cy="714300"/>
-          </a:xfrm>
-          <a:prstGeom prst="rect">
-            <a:avLst/>
-          </a:prstGeom>
-          <a:noFill/>
-          <a:ln>
-            <a:noFill/>
-          </a:ln>
-        </p:spPr>
-        <p:txBody>
-          <a:bodyPr anchorCtr="0" anchor="t" bIns="91425" lIns="91425" spcFirstLastPara="1" rIns="91425" wrap="square" tIns="91425">
-            <a:noAutofit/>
-          </a:bodyPr>
-          <a:lstStyle/>
-          <a:p>
-            <a:pPr indent="0" lvl="0" marL="0" rtl="0">
-              <a:spcBef>
-                <a:spcPts val="0"/>
-              </a:spcBef>
-              <a:spcAft>
-                <a:spcPts val="0"/>
-              </a:spcAft>
-              <a:buNone/>
-            </a:pPr>
-            <a:r>
-              <a:rPr lang="en" sz="1800">
-                <a:solidFill>
-                  <a:srgbClr val="45397F"/>
-                </a:solidFill>
-              </a:rPr>
-              <a:t>Specify formats (bold, font color etc) for selected columns, rows &amp; cells</a:t>
-            </a:r>
-            <a:endParaRPr sz="1800">
-              <a:solidFill>
-                <a:srgbClr val="45397F"/>
-              </a:solidFill>
-            </a:endParaRPr>
-          </a:p>
-        </p:txBody>
-      </p:sp>
-      <p:sp>
-        <p:nvSpPr>
-          <p:cNvPr id="197" name="Google Shape;197;p22"/>
-          <p:cNvSpPr txBox="1"/>
-          <p:nvPr/>
-        </p:nvSpPr>
-        <p:spPr>
-          <a:xfrm>
-            <a:off x="3065250" y="3773050"/>
-            <a:ext cx="2719200" cy="1352700"/>
-          </a:xfrm>
-          <a:prstGeom prst="rect">
-            <a:avLst/>
-          </a:prstGeom>
-          <a:noFill/>
-          <a:ln>
-            <a:noFill/>
-          </a:ln>
-        </p:spPr>
-        <p:txBody>
-          <a:bodyPr anchorCtr="0" anchor="t" bIns="91425" lIns="91425" spcFirstLastPara="1" rIns="91425" wrap="square" tIns="91425">
-            <a:noAutofit/>
-          </a:bodyPr>
-          <a:lstStyle/>
-          <a:p>
-            <a:pPr indent="0" lvl="0" marL="0" rtl="0">
-              <a:spcBef>
-                <a:spcPts val="0"/>
-              </a:spcBef>
-              <a:spcAft>
-                <a:spcPts val="0"/>
-              </a:spcAft>
-              <a:buNone/>
-            </a:pPr>
-            <a:r>
-              <a:rPr lang="en" sz="1800">
-                <a:solidFill>
-                  <a:srgbClr val="45397F"/>
-                </a:solidFill>
-              </a:rPr>
-              <a:t>Add columns/rows labels to indicate certain elements belong to the same group</a:t>
-            </a:r>
-            <a:endParaRPr sz="1800">
-              <a:solidFill>
-                <a:srgbClr val="45397F"/>
-              </a:solidFill>
-            </a:endParaRPr>
-          </a:p>
-        </p:txBody>
-      </p:sp>
-      <p:pic>
-        <p:nvPicPr>
-          <p:cNvPr id="198" name="Google Shape;198;p22"/>
-          <p:cNvPicPr preferRelativeResize="0"/>
-          <p:nvPr/>
-        </p:nvPicPr>
-        <p:blipFill rotWithShape="1">
-          <a:blip r:embed="rId3">
-            <a:alphaModFix/>
-          </a:blip>
-          <a:srcRect b="0" l="0" r="0" t="0"/>
-          <a:stretch/>
-        </p:blipFill>
-        <p:spPr>
-          <a:xfrm>
-            <a:off x="6559875" y="665100"/>
-            <a:ext cx="2150975" cy="861684"/>
-          </a:xfrm>
-          <a:prstGeom prst="rect">
-            <a:avLst/>
-          </a:prstGeom>
-          <a:noFill/>
-          <a:ln cap="flat" cmpd="sng" w="9525">
-            <a:solidFill>
-              <a:srgbClr val="CCCCCC"/>
-            </a:solidFill>
-            <a:prstDash val="solid"/>
-            <a:round/>
-            <a:headEnd len="sm" w="sm" type="none"/>
-            <a:tailEnd len="sm" w="sm" type="none"/>
-          </a:ln>
-        </p:spPr>
-      </p:pic>
-      <p:pic>
-        <p:nvPicPr>
-          <p:cNvPr id="199" name="Google Shape;199;p22"/>
-          <p:cNvPicPr preferRelativeResize="0"/>
-          <p:nvPr/>
-        </p:nvPicPr>
-        <p:blipFill>
-          <a:blip r:embed="rId4">
-            <a:alphaModFix/>
-          </a:blip>
-          <a:stretch>
-            <a:fillRect/>
-          </a:stretch>
-        </p:blipFill>
-        <p:spPr>
-          <a:xfrm>
-            <a:off x="6559875" y="1992625"/>
-            <a:ext cx="2150975" cy="1133799"/>
-          </a:xfrm>
-          <a:prstGeom prst="rect">
-            <a:avLst/>
-          </a:prstGeom>
-          <a:noFill/>
-          <a:ln cap="flat" cmpd="sng" w="9525">
-            <a:solidFill>
-              <a:srgbClr val="CCCCCC"/>
-            </a:solidFill>
-            <a:prstDash val="solid"/>
-            <a:round/>
-            <a:headEnd len="sm" w="sm" type="none"/>
-            <a:tailEnd len="sm" w="sm" type="none"/>
-          </a:ln>
-        </p:spPr>
-      </p:pic>
-      <p:pic>
-        <p:nvPicPr>
-          <p:cNvPr id="200" name="Google Shape;200;p22"/>
-          <p:cNvPicPr preferRelativeResize="0"/>
-          <p:nvPr/>
-        </p:nvPicPr>
-        <p:blipFill>
-          <a:blip r:embed="rId5">
-            <a:alphaModFix/>
-          </a:blip>
-          <a:stretch>
-            <a:fillRect/>
-          </a:stretch>
-        </p:blipFill>
-        <p:spPr>
-          <a:xfrm>
-            <a:off x="6535900" y="3772399"/>
-            <a:ext cx="2174951" cy="1352579"/>
-          </a:xfrm>
-          <a:prstGeom prst="rect">
-            <a:avLst/>
-          </a:prstGeom>
-          <a:noFill/>
-          <a:ln cap="flat" cmpd="sng" w="9525">
-            <a:solidFill>
-              <a:srgbClr val="D9D9D9"/>
-            </a:solidFill>
-            <a:prstDash val="solid"/>
-            <a:round/>
-            <a:headEnd len="sm" w="sm" type="none"/>
-            <a:tailEnd len="sm" w="sm" type="none"/>
-          </a:ln>
-        </p:spPr>
-      </p:pic>
-      <p:pic>
-        <p:nvPicPr>
-          <p:cNvPr id="201" name="Google Shape;201;p22"/>
-          <p:cNvPicPr preferRelativeResize="0"/>
-          <p:nvPr/>
-        </p:nvPicPr>
-        <p:blipFill>
-          <a:blip r:embed="rId6">
-            <a:alphaModFix/>
-          </a:blip>
-          <a:stretch>
-            <a:fillRect/>
-          </a:stretch>
-        </p:blipFill>
-        <p:spPr>
-          <a:xfrm>
-            <a:off x="6535900" y="5441550"/>
-            <a:ext cx="2150974" cy="830915"/>
-          </a:xfrm>
-          <a:prstGeom prst="rect">
-            <a:avLst/>
-          </a:prstGeom>
-          <a:noFill/>
-          <a:ln cap="flat" cmpd="sng" w="9525">
-            <a:solidFill>
-              <a:srgbClr val="D9D9D9"/>
-            </a:solidFill>
-            <a:prstDash val="solid"/>
-            <a:round/>
-            <a:headEnd len="sm" w="sm" type="none"/>
-            <a:tailEnd len="sm" w="sm" type="none"/>
-          </a:ln>
-        </p:spPr>
-      </p:pic>
-      <p:sp>
-        <p:nvSpPr>
-          <p:cNvPr id="202" name="Google Shape;202;p22"/>
-          <p:cNvSpPr txBox="1"/>
-          <p:nvPr/>
-        </p:nvSpPr>
-        <p:spPr>
-          <a:xfrm>
-            <a:off x="3065250" y="5549547"/>
-            <a:ext cx="2719200" cy="480000"/>
-          </a:xfrm>
-          <a:prstGeom prst="rect">
-            <a:avLst/>
-          </a:prstGeom>
-          <a:noFill/>
-          <a:ln>
-            <a:noFill/>
-          </a:ln>
-        </p:spPr>
-        <p:txBody>
-          <a:bodyPr anchorCtr="0" anchor="t" bIns="91425" lIns="91425" spcFirstLastPara="1" rIns="91425" wrap="square" tIns="91425">
-            <a:noAutofit/>
-          </a:bodyPr>
-          <a:lstStyle/>
-          <a:p>
-            <a:pPr indent="0" lvl="0" marL="0" rtl="0">
-              <a:spcBef>
-                <a:spcPts val="0"/>
-              </a:spcBef>
-              <a:spcAft>
-                <a:spcPts val="0"/>
-              </a:spcAft>
-              <a:buNone/>
-            </a:pPr>
-            <a:r>
-              <a:rPr lang="en" sz="1800">
-                <a:solidFill>
-                  <a:srgbClr val="45397F"/>
-                </a:solidFill>
-              </a:rPr>
-              <a:t>Add table footnotes</a:t>
-            </a:r>
-            <a:endParaRPr sz="1800">
-              <a:solidFill>
-                <a:srgbClr val="45397F"/>
+                <a:schemeClr val="lt1"/>
               </a:solidFill>
             </a:endParaRPr>
           </a:p>
@@ -10651,57 +10048,22 @@
           <a:chExt cx="0" cy="0"/>
         </a:xfrm>
       </p:grpSpPr>
-      <p:pic>
-        <p:nvPicPr>
+      <p:sp>
+        <p:nvSpPr>
           <p:cNvPr id="213" name="Google Shape;213;p24"/>
-          <p:cNvPicPr preferRelativeResize="0"/>
-          <p:nvPr/>
-        </p:nvPicPr>
-        <p:blipFill rotWithShape="1">
-          <a:blip r:embed="rId3">
-            <a:alphaModFix/>
-          </a:blip>
-          <a:srcRect b="-1450" l="0" r="0" t="0"/>
-          <a:stretch/>
-        </p:blipFill>
-        <p:spPr>
-          <a:xfrm>
-            <a:off x="332550" y="1185300"/>
-            <a:ext cx="6196525" cy="4679950"/>
+          <p:cNvSpPr txBox="1"/>
+          <p:nvPr>
+            <p:ph type="title"/>
+          </p:nvPr>
+        </p:nvSpPr>
+        <p:spPr>
+          <a:xfrm>
+            <a:off x="729450" y="1758200"/>
+            <a:ext cx="7688700" cy="713700"/>
           </a:xfrm>
           <a:prstGeom prst="rect">
             <a:avLst/>
           </a:prstGeom>
-          <a:noFill/>
-          <a:ln cap="flat" cmpd="sng" w="9525">
-            <a:solidFill>
-              <a:srgbClr val="D9D9D9"/>
-            </a:solidFill>
-            <a:prstDash val="solid"/>
-            <a:round/>
-            <a:headEnd len="sm" w="sm" type="none"/>
-            <a:tailEnd len="sm" w="sm" type="none"/>
-          </a:ln>
-        </p:spPr>
-      </p:pic>
-      <p:sp>
-        <p:nvSpPr>
-          <p:cNvPr id="214" name="Google Shape;214;p24"/>
-          <p:cNvSpPr txBox="1"/>
-          <p:nvPr/>
-        </p:nvSpPr>
-        <p:spPr>
-          <a:xfrm>
-            <a:off x="332550" y="378300"/>
-            <a:ext cx="8527200" cy="807000"/>
-          </a:xfrm>
-          <a:prstGeom prst="rect">
-            <a:avLst/>
-          </a:prstGeom>
-          <a:noFill/>
-          <a:ln>
-            <a:noFill/>
-          </a:ln>
         </p:spPr>
         <p:txBody>
           <a:bodyPr anchorCtr="0" anchor="t" bIns="91425" lIns="91425" spcFirstLastPara="1" rIns="91425" wrap="square" tIns="91425">
@@ -10719,42 +10081,134 @@
               <a:buNone/>
             </a:pPr>
             <a:r>
-              <a:rPr b="1" lang="en" sz="3600">
-                <a:solidFill>
-                  <a:srgbClr val="2AA286"/>
-                </a:solidFill>
-              </a:rPr>
-              <a:t>Gallery (HTML)                                1 / 3</a:t>
+              <a:rPr lang="en"/>
+              <a:t>Cross-format support for </a:t>
             </a:r>
-            <a:endParaRPr b="1" sz="3600">
-              <a:solidFill>
-                <a:srgbClr val="2AA286"/>
-              </a:solidFill>
-            </a:endParaRPr>
+            <a:r>
+              <a:rPr lang="en"/>
+              <a:t>HTML &amp; LaTeX</a:t>
+            </a:r>
+            <a:endParaRPr/>
+          </a:p>
+        </p:txBody>
+      </p:sp>
+      <p:sp>
+        <p:nvSpPr>
+          <p:cNvPr id="214" name="Google Shape;214;p24"/>
+          <p:cNvSpPr txBox="1"/>
+          <p:nvPr>
+            <p:ph idx="1" type="body"/>
+          </p:nvPr>
+        </p:nvSpPr>
+        <p:spPr>
+          <a:xfrm>
+            <a:off x="729450" y="2771833"/>
+            <a:ext cx="7688700" cy="3014700"/>
+          </a:xfrm>
+          <a:prstGeom prst="rect">
+            <a:avLst/>
+          </a:prstGeom>
+        </p:spPr>
+        <p:txBody>
+          <a:bodyPr anchorCtr="0" anchor="t" bIns="91425" lIns="91425" spcFirstLastPara="1" rIns="91425" wrap="square" tIns="91425">
+            <a:noAutofit/>
+          </a:bodyPr>
+          <a:lstStyle/>
+          <a:p>
+            <a:pPr indent="0" lvl="0" marL="0" rtl="0">
+              <a:spcBef>
+                <a:spcPts val="0"/>
+              </a:spcBef>
+              <a:spcAft>
+                <a:spcPts val="0"/>
+              </a:spcAft>
+              <a:buNone/>
+            </a:pPr>
+            <a:r>
+              <a:rPr lang="en" sz="2400"/>
+              <a:t>kableExtra now asks kable to render appropriated format of table based on the current rmarkdown environment</a:t>
+            </a:r>
+            <a:r>
+              <a:rPr lang="en" sz="2400"/>
+              <a:t>.</a:t>
+            </a:r>
+            <a:endParaRPr sz="2400"/>
+          </a:p>
+          <a:p>
+            <a:pPr indent="0" lvl="0" marL="0" rtl="0">
+              <a:spcBef>
+                <a:spcPts val="1600"/>
+              </a:spcBef>
+              <a:spcAft>
+                <a:spcPts val="0"/>
+              </a:spcAft>
+              <a:buNone/>
+            </a:pPr>
+            <a:r>
+              <a:rPr b="1" lang="en" sz="2400"/>
+              <a:t>It’s no longer necessary to define format in kable.</a:t>
+            </a:r>
+            <a:endParaRPr b="1" sz="2400"/>
+          </a:p>
+          <a:p>
+            <a:pPr indent="0" lvl="0" marL="0" rtl="0">
+              <a:spcBef>
+                <a:spcPts val="1600"/>
+              </a:spcBef>
+              <a:spcAft>
+                <a:spcPts val="0"/>
+              </a:spcAft>
+              <a:buNone/>
+            </a:pPr>
+            <a:r>
+              <a:rPr lang="en" sz="2400"/>
+              <a:t>You can write your code and preview it in HTML but get a PDF table when you render the document. </a:t>
+            </a:r>
+            <a:endParaRPr sz="2400"/>
+          </a:p>
+          <a:p>
+            <a:pPr indent="0" lvl="0" marL="0">
+              <a:spcBef>
+                <a:spcPts val="1600"/>
+              </a:spcBef>
+              <a:spcAft>
+                <a:spcPts val="1600"/>
+              </a:spcAft>
+              <a:buNone/>
+            </a:pPr>
+            <a:r>
+              <a:t/>
+            </a:r>
+            <a:endParaRPr sz="2400"/>
           </a:p>
         </p:txBody>
       </p:sp>
       <p:sp>
         <p:nvSpPr>
           <p:cNvPr id="215" name="Google Shape;215;p24"/>
-          <p:cNvSpPr txBox="1"/>
+          <p:cNvSpPr/>
           <p:nvPr/>
         </p:nvSpPr>
         <p:spPr>
           <a:xfrm>
-            <a:off x="1457250" y="6497700"/>
-            <a:ext cx="7686900" cy="360300"/>
-          </a:xfrm>
-          <a:prstGeom prst="rect">
-            <a:avLst/>
+            <a:off x="168150" y="5116475"/>
+            <a:ext cx="492300" cy="372300"/>
+          </a:xfrm>
+          <a:prstGeom prst="notchedRightArrow">
+            <a:avLst>
+              <a:gd fmla="val 50000" name="adj1"/>
+              <a:gd fmla="val 50000" name="adj2"/>
+            </a:avLst>
           </a:prstGeom>
-          <a:noFill/>
+          <a:solidFill>
+            <a:srgbClr val="2AA286"/>
+          </a:solidFill>
           <a:ln>
             <a:noFill/>
           </a:ln>
         </p:spPr>
         <p:txBody>
-          <a:bodyPr anchorCtr="0" anchor="t" bIns="91425" lIns="91425" spcFirstLastPara="1" rIns="91425" wrap="square" tIns="91425">
+          <a:bodyPr anchorCtr="0" anchor="ctr" bIns="91425" lIns="91425" spcFirstLastPara="1" rIns="91425" wrap="square" tIns="91425">
             <a:noAutofit/>
           </a:bodyPr>
           <a:lstStyle/>
@@ -10769,17 +10223,7 @@
               <a:buNone/>
             </a:pPr>
             <a:r>
-              <a:rPr lang="en"/>
-              <a:t>See the package documentation site for more examples: </a:t>
-            </a:r>
-            <a:r>
-              <a:rPr lang="en" u="sng">
-                <a:solidFill>
-                  <a:schemeClr val="hlink"/>
-                </a:solidFill>
-                <a:hlinkClick r:id="rId4"/>
-              </a:rPr>
-              <a:t>http://haozhu233.github.io/kableExtra/</a:t>
+              <a:t/>
             </a:r>
             <a:endParaRPr/>
           </a:p>
@@ -10816,18 +10260,17 @@
           <p:cNvPicPr preferRelativeResize="0"/>
           <p:nvPr/>
         </p:nvPicPr>
-        <p:blipFill>
+        <p:blipFill rotWithShape="1">
           <a:blip r:embed="rId3">
             <a:alphaModFix/>
           </a:blip>
-          <a:stretch>
-            <a:fillRect/>
-          </a:stretch>
+          <a:srcRect b="-1450" l="0" r="0" t="0"/>
+          <a:stretch/>
         </p:blipFill>
         <p:spPr>
           <a:xfrm>
             <a:off x="332550" y="1185300"/>
-            <a:ext cx="5630150" cy="3614200"/>
+            <a:ext cx="6196525" cy="4679950"/>
           </a:xfrm>
           <a:prstGeom prst="rect">
             <a:avLst/>
@@ -10884,34 +10327,7 @@
                   <a:srgbClr val="2AA286"/>
                 </a:solidFill>
               </a:rPr>
-              <a:t>Gallery (HTML)</a:t>
-            </a:r>
-            <a:r>
-              <a:rPr b="1" lang="en" sz="3600">
-                <a:solidFill>
-                  <a:srgbClr val="2AA286"/>
-                </a:solidFill>
-              </a:rPr>
-              <a:t>                                2 / 3</a:t>
-            </a:r>
-            <a:endParaRPr b="1" sz="3600">
-              <a:solidFill>
-                <a:srgbClr val="2AA286"/>
-              </a:solidFill>
-            </a:endParaRPr>
-          </a:p>
-          <a:p>
-            <a:pPr indent="0" lvl="0" marL="0" rtl="0">
-              <a:spcBef>
-                <a:spcPts val="0"/>
-              </a:spcBef>
-              <a:spcAft>
-                <a:spcPts val="0"/>
-              </a:spcAft>
-              <a:buNone/>
-            </a:pPr>
-            <a:r>
-              <a:t/>
+              <a:t>Gallery (HTML)                                1 / 3</a:t>
             </a:r>
             <a:endParaRPr b="1" sz="3600">
               <a:solidFill>
@@ -10946,7 +10362,7 @@
           </a:bodyPr>
           <a:lstStyle/>
           <a:p>
-            <a:pPr indent="0" lvl="0" marL="0" rtl="0">
+            <a:pPr indent="0" lvl="0" marL="0">
               <a:spcBef>
                 <a:spcPts val="0"/>
               </a:spcBef>
@@ -10997,86 +10413,9 @@
           <a:chExt cx="0" cy="0"/>
         </a:xfrm>
       </p:grpSpPr>
-      <p:sp>
-        <p:nvSpPr>
-          <p:cNvPr id="227" name="Google Shape;227;p26"/>
-          <p:cNvSpPr txBox="1"/>
-          <p:nvPr/>
-        </p:nvSpPr>
-        <p:spPr>
-          <a:xfrm>
-            <a:off x="332550" y="378300"/>
-            <a:ext cx="8516100" cy="807000"/>
-          </a:xfrm>
-          <a:prstGeom prst="rect">
-            <a:avLst/>
-          </a:prstGeom>
-          <a:noFill/>
-          <a:ln>
-            <a:noFill/>
-          </a:ln>
-        </p:spPr>
-        <p:txBody>
-          <a:bodyPr anchorCtr="0" anchor="t" bIns="91425" lIns="91425" spcFirstLastPara="1" rIns="91425" wrap="square" tIns="91425">
-            <a:noAutofit/>
-          </a:bodyPr>
-          <a:lstStyle/>
-          <a:p>
-            <a:pPr indent="0" lvl="0" marL="0">
-              <a:spcBef>
-                <a:spcPts val="0"/>
-              </a:spcBef>
-              <a:spcAft>
-                <a:spcPts val="0"/>
-              </a:spcAft>
-              <a:buNone/>
-            </a:pPr>
-            <a:r>
-              <a:rPr b="1" lang="en" sz="3600">
-                <a:solidFill>
-                  <a:srgbClr val="2AA286"/>
-                </a:solidFill>
-              </a:rPr>
-              <a:t>Gallery (HTML)</a:t>
-            </a:r>
-            <a:r>
-              <a:rPr b="1" lang="en" sz="3600">
-                <a:solidFill>
-                  <a:srgbClr val="2AA286"/>
-                </a:solidFill>
-              </a:rPr>
-              <a:t>                                3 / 3</a:t>
-            </a:r>
-            <a:endParaRPr b="1" sz="3600">
-              <a:solidFill>
-                <a:srgbClr val="2AA286"/>
-              </a:solidFill>
-            </a:endParaRPr>
-          </a:p>
-          <a:p>
-            <a:pPr indent="0" lvl="0" marL="0" rtl="0">
-              <a:spcBef>
-                <a:spcPts val="0"/>
-              </a:spcBef>
-              <a:spcAft>
-                <a:spcPts val="0"/>
-              </a:spcAft>
-              <a:buNone/>
-            </a:pPr>
-            <a:r>
-              <a:t/>
-            </a:r>
-            <a:endParaRPr b="1" sz="3600">
-              <a:solidFill>
-                <a:srgbClr val="2AA286"/>
-              </a:solidFill>
-            </a:endParaRPr>
-          </a:p>
-        </p:txBody>
-      </p:sp>
       <p:pic>
         <p:nvPicPr>
-          <p:cNvPr id="228" name="Google Shape;228;p26"/>
+          <p:cNvPr id="227" name="Google Shape;227;p26"/>
           <p:cNvPicPr preferRelativeResize="0"/>
           <p:nvPr/>
         </p:nvPicPr>
@@ -11091,7 +10430,7 @@
         <p:spPr>
           <a:xfrm>
             <a:off x="332550" y="1185300"/>
-            <a:ext cx="5737401" cy="3715875"/>
+            <a:ext cx="5630150" cy="3614200"/>
           </a:xfrm>
           <a:prstGeom prst="rect">
             <a:avLst/>
@@ -11108,6 +10447,83 @@
           </a:ln>
         </p:spPr>
       </p:pic>
+      <p:sp>
+        <p:nvSpPr>
+          <p:cNvPr id="228" name="Google Shape;228;p26"/>
+          <p:cNvSpPr txBox="1"/>
+          <p:nvPr/>
+        </p:nvSpPr>
+        <p:spPr>
+          <a:xfrm>
+            <a:off x="332550" y="378300"/>
+            <a:ext cx="8527200" cy="807000"/>
+          </a:xfrm>
+          <a:prstGeom prst="rect">
+            <a:avLst/>
+          </a:prstGeom>
+          <a:noFill/>
+          <a:ln>
+            <a:noFill/>
+          </a:ln>
+        </p:spPr>
+        <p:txBody>
+          <a:bodyPr anchorCtr="0" anchor="t" bIns="91425" lIns="91425" spcFirstLastPara="1" rIns="91425" wrap="square" tIns="91425">
+            <a:noAutofit/>
+          </a:bodyPr>
+          <a:lstStyle/>
+          <a:p>
+            <a:pPr indent="0" lvl="0" marL="0">
+              <a:spcBef>
+                <a:spcPts val="0"/>
+              </a:spcBef>
+              <a:spcAft>
+                <a:spcPts val="0"/>
+              </a:spcAft>
+              <a:buNone/>
+            </a:pPr>
+            <a:r>
+              <a:rPr b="1" lang="en" sz="3600">
+                <a:solidFill>
+                  <a:srgbClr val="2AA286"/>
+                </a:solidFill>
+              </a:rPr>
+              <a:t>Gallery (HTML)</a:t>
+            </a:r>
+            <a:r>
+              <a:rPr b="1" lang="en" sz="3600">
+                <a:solidFill>
+                  <a:srgbClr val="2AA286"/>
+                </a:solidFill>
+              </a:rPr>
+              <a:t>                                2 / 3</a:t>
+            </a:r>
+            <a:endParaRPr b="1" sz="3600">
+              <a:solidFill>
+                <a:srgbClr val="2AA286"/>
+              </a:solidFill>
+            </a:endParaRPr>
+          </a:p>
+          <a:p>
+            <a:pPr indent="0" lvl="0" marL="0" rtl="0">
+              <a:spcBef>
+                <a:spcPts val="0"/>
+              </a:spcBef>
+              <a:spcAft>
+                <a:spcPts val="0"/>
+              </a:spcAft>
+              <a:buNone/>
+            </a:pPr>
+            <a:r>
+              <a:t/>
+            </a:r>
+            <a:endParaRPr b="1" sz="3600">
+              <a:solidFill>
+                <a:srgbClr val="2AA286"/>
+              </a:solidFill>
+            </a:endParaRPr>
+          </a:p>
+        </p:txBody>
+      </p:sp>
       <p:sp>
         <p:nvSpPr>
           <p:cNvPr id="229" name="Google Shape;229;p26"/>
@@ -11193,7 +10609,7 @@
         <p:spPr>
           <a:xfrm>
             <a:off x="332550" y="378300"/>
-            <a:ext cx="8505300" cy="807000"/>
+            <a:ext cx="8516100" cy="807000"/>
           </a:xfrm>
           <a:prstGeom prst="rect">
             <a:avLst/>
@@ -11221,22 +10637,22 @@
             <a:r>
               <a:rPr b="1" lang="en" sz="3600">
                 <a:solidFill>
-                  <a:srgbClr val="45397F"/>
+                  <a:srgbClr val="2AA286"/>
                 </a:solidFill>
               </a:rPr>
-              <a:t>Gallery (LaTeX)</a:t>
+              <a:t>Gallery (HTML)</a:t>
             </a:r>
             <a:r>
               <a:rPr b="1" lang="en" sz="3600">
                 <a:solidFill>
-                  <a:srgbClr val="45397F"/>
+                  <a:srgbClr val="2AA286"/>
                 </a:solidFill>
               </a:rPr>
-              <a:t>                                1 / 3</a:t>
+              <a:t>                                3 / 3</a:t>
             </a:r>
             <a:endParaRPr b="1" sz="3600">
               <a:solidFill>
-                <a:srgbClr val="45397F"/>
+                <a:srgbClr val="2AA286"/>
               </a:solidFill>
             </a:endParaRPr>
           </a:p>
@@ -11255,7 +10671,7 @@
             </a:r>
             <a:endParaRPr b="1" sz="3600">
               <a:solidFill>
-                <a:srgbClr val="45397F"/>
+                <a:srgbClr val="2AA286"/>
               </a:solidFill>
             </a:endParaRPr>
           </a:p>
@@ -11277,15 +10693,21 @@
         </p:blipFill>
         <p:spPr>
           <a:xfrm>
-            <a:off x="332550" y="1425500"/>
-            <a:ext cx="7181724" cy="4458225"/>
+            <a:off x="332550" y="1185300"/>
+            <a:ext cx="5737401" cy="3715875"/>
           </a:xfrm>
           <a:prstGeom prst="rect">
             <a:avLst/>
           </a:prstGeom>
           <a:noFill/>
-          <a:ln>
-            <a:noFill/>
+          <a:ln cap="flat" cmpd="sng" w="9525">
+            <a:solidFill>
+              <a:srgbClr val="D9D9D9"/>
+            </a:solidFill>
+            <a:prstDash val="solid"/>
+            <a:round/>
+            <a:headEnd len="sm" w="sm" type="none"/>
+            <a:tailEnd len="sm" w="sm" type="none"/>
           </a:ln>
         </p:spPr>
       </p:pic>
@@ -11390,7 +10812,7 @@
           </a:bodyPr>
           <a:lstStyle/>
           <a:p>
-            <a:pPr indent="0" lvl="0" marL="0" rtl="0">
+            <a:pPr indent="0" lvl="0" marL="0">
               <a:spcBef>
                 <a:spcPts val="0"/>
               </a:spcBef>
@@ -11405,7 +10827,15 @@
                   <a:srgbClr val="45397F"/>
                 </a:solidFill>
               </a:rPr>
-              <a:t>Gallery (LaTeX)                                2 / 3</a:t>
+              <a:t>Gallery (LaTeX)</a:t>
+            </a:r>
+            <a:r>
+              <a:rPr b="1" lang="en" sz="3600">
+                <a:solidFill>
+                  <a:srgbClr val="45397F"/>
+                </a:solidFill>
+              </a:rPr>
+              <a:t>                                1 / 3</a:t>
             </a:r>
             <a:endParaRPr b="1" sz="3600">
               <a:solidFill>
@@ -11434,16 +10864,24 @@
           </a:p>
         </p:txBody>
       </p:sp>
-      <p:sp>
-        <p:nvSpPr>
+      <p:pic>
+        <p:nvPicPr>
           <p:cNvPr id="242" name="Google Shape;242;p28"/>
-          <p:cNvSpPr txBox="1"/>
+          <p:cNvPicPr preferRelativeResize="0"/>
           <p:nvPr/>
-        </p:nvSpPr>
-        <p:spPr>
-          <a:xfrm>
-            <a:off x="1457250" y="6497700"/>
-            <a:ext cx="7686900" cy="360300"/>
+        </p:nvPicPr>
+        <p:blipFill>
+          <a:blip r:embed="rId3">
+            <a:alphaModFix/>
+          </a:blip>
+          <a:stretch>
+            <a:fillRect/>
+          </a:stretch>
+        </p:blipFill>
+        <p:spPr>
+          <a:xfrm>
+            <a:off x="332550" y="1425500"/>
+            <a:ext cx="7181724" cy="4458225"/>
           </a:xfrm>
           <a:prstGeom prst="rect">
             <a:avLst/>
@@ -11453,6 +10891,26 @@
             <a:noFill/>
           </a:ln>
         </p:spPr>
+      </p:pic>
+      <p:sp>
+        <p:nvSpPr>
+          <p:cNvPr id="243" name="Google Shape;243;p28"/>
+          <p:cNvSpPr txBox="1"/>
+          <p:nvPr/>
+        </p:nvSpPr>
+        <p:spPr>
+          <a:xfrm>
+            <a:off x="1457250" y="6497700"/>
+            <a:ext cx="7686900" cy="360300"/>
+          </a:xfrm>
+          <a:prstGeom prst="rect">
+            <a:avLst/>
+          </a:prstGeom>
+          <a:noFill/>
+          <a:ln>
+            <a:noFill/>
+          </a:ln>
+        </p:spPr>
         <p:txBody>
           <a:bodyPr anchorCtr="0" anchor="t" bIns="91425" lIns="91425" spcFirstLastPara="1" rIns="91425" wrap="square" tIns="91425">
             <a:noAutofit/>
@@ -11477,7 +10935,7 @@
                 <a:solidFill>
                   <a:schemeClr val="hlink"/>
                 </a:solidFill>
-                <a:hlinkClick r:id="rId3"/>
+                <a:hlinkClick r:id="rId4"/>
               </a:rPr>
               <a:t>http://haozhu233.github.io/kableExtra/</a:t>
             </a:r>
@@ -11485,34 +10943,6 @@
           </a:p>
         </p:txBody>
       </p:sp>
-      <p:pic>
-        <p:nvPicPr>
-          <p:cNvPr id="243" name="Google Shape;243;p28"/>
-          <p:cNvPicPr preferRelativeResize="0"/>
-          <p:nvPr/>
-        </p:nvPicPr>
-        <p:blipFill>
-          <a:blip r:embed="rId4">
-            <a:alphaModFix/>
-          </a:blip>
-          <a:stretch>
-            <a:fillRect/>
-          </a:stretch>
-        </p:blipFill>
-        <p:spPr>
-          <a:xfrm>
-            <a:off x="332546" y="1185307"/>
-            <a:ext cx="7180600" cy="3758575"/>
-          </a:xfrm>
-          <a:prstGeom prst="rect">
-            <a:avLst/>
-          </a:prstGeom>
-          <a:noFill/>
-          <a:ln>
-            <a:noFill/>
-          </a:ln>
-        </p:spPr>
-      </p:pic>
     </p:spTree>
   </p:cSld>
   <p:clrMapOvr>
@@ -11578,7 +11008,7 @@
                   <a:srgbClr val="45397F"/>
                 </a:solidFill>
               </a:rPr>
-              <a:t>Gallery (LaTeX)                                3 / 3</a:t>
+              <a:t>Gallery (LaTeX)                                2 / 3</a:t>
             </a:r>
             <a:endParaRPr b="1" sz="3600">
               <a:solidFill>
@@ -11674,8 +11104,8 @@
         </p:blipFill>
         <p:spPr>
           <a:xfrm>
-            <a:off x="332550" y="1185289"/>
-            <a:ext cx="7264574" cy="3507025"/>
+            <a:off x="332546" y="1185307"/>
+            <a:ext cx="7180600" cy="3758575"/>
           </a:xfrm>
           <a:prstGeom prst="rect">
             <a:avLst/>
@@ -11715,18 +11145,20 @@
         <p:nvSpPr>
           <p:cNvPr id="255" name="Google Shape;255;p30"/>
           <p:cNvSpPr txBox="1"/>
-          <p:nvPr>
-            <p:ph type="title"/>
-          </p:nvPr>
+          <p:nvPr/>
         </p:nvSpPr>
         <p:spPr>
           <a:xfrm>
-            <a:off x="729450" y="1758200"/>
-            <a:ext cx="7688700" cy="713700"/>
+            <a:off x="332550" y="378300"/>
+            <a:ext cx="8505300" cy="807000"/>
           </a:xfrm>
           <a:prstGeom prst="rect">
             <a:avLst/>
           </a:prstGeom>
+          <a:noFill/>
+          <a:ln>
+            <a:noFill/>
+          </a:ln>
         </p:spPr>
         <p:txBody>
           <a:bodyPr anchorCtr="0" anchor="t" bIns="91425" lIns="91425" spcFirstLastPara="1" rIns="91425" wrap="square" tIns="91425">
@@ -11734,7 +11166,7 @@
           </a:bodyPr>
           <a:lstStyle/>
           <a:p>
-            <a:pPr indent="0" lvl="0" marL="0">
+            <a:pPr indent="0" lvl="0" marL="0" rtl="0">
               <a:spcBef>
                 <a:spcPts val="0"/>
               </a:spcBef>
@@ -11744,14 +11176,37 @@
               <a:buNone/>
             </a:pPr>
             <a:r>
-              <a:rPr lang="en"/>
-              <a:t>Cross-format support for </a:t>
+              <a:rPr b="1" lang="en" sz="3600">
+                <a:solidFill>
+                  <a:srgbClr val="45397F"/>
+                </a:solidFill>
+              </a:rPr>
+              <a:t>Gallery (LaTeX)                                3 / 3</a:t>
             </a:r>
+            <a:endParaRPr b="1" sz="3600">
+              <a:solidFill>
+                <a:srgbClr val="45397F"/>
+              </a:solidFill>
+            </a:endParaRPr>
+          </a:p>
+          <a:p>
+            <a:pPr indent="0" lvl="0" marL="0" rtl="0">
+              <a:spcBef>
+                <a:spcPts val="0"/>
+              </a:spcBef>
+              <a:spcAft>
+                <a:spcPts val="0"/>
+              </a:spcAft>
+              <a:buNone/>
+            </a:pPr>
             <a:r>
-              <a:rPr lang="en"/>
-              <a:t>HTML &amp; LaTeX</a:t>
+              <a:t/>
             </a:r>
-            <a:endParaRPr/>
+            <a:endParaRPr b="1" sz="3600">
+              <a:solidFill>
+                <a:srgbClr val="45397F"/>
+              </a:solidFill>
+            </a:endParaRPr>
           </a:p>
         </p:txBody>
       </p:sp>
@@ -11759,18 +11214,20 @@
         <p:nvSpPr>
           <p:cNvPr id="256" name="Google Shape;256;p30"/>
           <p:cNvSpPr txBox="1"/>
-          <p:nvPr>
-            <p:ph idx="1" type="body"/>
-          </p:nvPr>
+          <p:nvPr/>
         </p:nvSpPr>
         <p:spPr>
           <a:xfrm>
-            <a:off x="729450" y="2771833"/>
-            <a:ext cx="7688700" cy="3014700"/>
+            <a:off x="1457250" y="6497700"/>
+            <a:ext cx="7686900" cy="360300"/>
           </a:xfrm>
           <a:prstGeom prst="rect">
             <a:avLst/>
           </a:prstGeom>
+          <a:noFill/>
+          <a:ln>
+            <a:noFill/>
+          </a:ln>
         </p:spPr>
         <p:txBody>
           <a:bodyPr anchorCtr="0" anchor="t" bIns="91425" lIns="91425" spcFirstLastPara="1" rIns="91425" wrap="square" tIns="91425">
@@ -11788,110 +11245,50 @@
               <a:buNone/>
             </a:pPr>
             <a:r>
-              <a:rPr lang="en" sz="2400"/>
-              <a:t>kableExtra now asks kable to render appropriated format of table based on the current rmarkdown environment</a:t>
+              <a:rPr lang="en"/>
+              <a:t>See the package documentation site for more examples: </a:t>
             </a:r>
             <a:r>
-              <a:rPr lang="en" sz="2400"/>
-              <a:t>.</a:t>
-            </a:r>
-            <a:endParaRPr sz="2400"/>
-          </a:p>
-          <a:p>
-            <a:pPr indent="0" lvl="0" marL="0" rtl="0">
-              <a:spcBef>
-                <a:spcPts val="1600"/>
-              </a:spcBef>
-              <a:spcAft>
-                <a:spcPts val="0"/>
-              </a:spcAft>
-              <a:buNone/>
-            </a:pPr>
-            <a:r>
-              <a:rPr b="1" lang="en" sz="2400"/>
-              <a:t>It’s no longer necessary to define format in kable.</a:t>
-            </a:r>
-            <a:endParaRPr b="1" sz="2400"/>
-          </a:p>
-          <a:p>
-            <a:pPr indent="0" lvl="0" marL="0" rtl="0">
-              <a:spcBef>
-                <a:spcPts val="1600"/>
-              </a:spcBef>
-              <a:spcAft>
-                <a:spcPts val="0"/>
-              </a:spcAft>
-              <a:buNone/>
-            </a:pPr>
-            <a:r>
-              <a:rPr lang="en" sz="2400"/>
-              <a:t>You can write your code and preview it in HTML but get a PDF table when you render the document. </a:t>
-            </a:r>
-            <a:endParaRPr sz="2400"/>
-          </a:p>
-          <a:p>
-            <a:pPr indent="0" lvl="0" marL="0">
-              <a:spcBef>
-                <a:spcPts val="1600"/>
-              </a:spcBef>
-              <a:spcAft>
-                <a:spcPts val="1600"/>
-              </a:spcAft>
-              <a:buNone/>
-            </a:pPr>
-            <a:r>
-              <a:t/>
-            </a:r>
-            <a:endParaRPr sz="2400"/>
-          </a:p>
-        </p:txBody>
-      </p:sp>
-      <p:sp>
-        <p:nvSpPr>
-          <p:cNvPr id="257" name="Google Shape;257;p30"/>
-          <p:cNvSpPr/>
-          <p:nvPr/>
-        </p:nvSpPr>
-        <p:spPr>
-          <a:xfrm>
-            <a:off x="168150" y="5116475"/>
-            <a:ext cx="492300" cy="372300"/>
-          </a:xfrm>
-          <a:prstGeom prst="notchedRightArrow">
-            <a:avLst>
-              <a:gd fmla="val 50000" name="adj1"/>
-              <a:gd fmla="val 50000" name="adj2"/>
-            </a:avLst>
-          </a:prstGeom>
-          <a:solidFill>
-            <a:srgbClr val="2AA286"/>
-          </a:solidFill>
-          <a:ln>
-            <a:noFill/>
-          </a:ln>
-        </p:spPr>
-        <p:txBody>
-          <a:bodyPr anchorCtr="0" anchor="ctr" bIns="91425" lIns="91425" spcFirstLastPara="1" rIns="91425" wrap="square" tIns="91425">
-            <a:noAutofit/>
-          </a:bodyPr>
-          <a:lstStyle/>
-          <a:p>
-            <a:pPr indent="0" lvl="0" marL="0">
-              <a:spcBef>
-                <a:spcPts val="0"/>
-              </a:spcBef>
-              <a:spcAft>
-                <a:spcPts val="0"/>
-              </a:spcAft>
-              <a:buNone/>
-            </a:pPr>
-            <a:r>
-              <a:t/>
+              <a:rPr lang="en" u="sng">
+                <a:solidFill>
+                  <a:schemeClr val="hlink"/>
+                </a:solidFill>
+                <a:hlinkClick r:id="rId3"/>
+              </a:rPr>
+              <a:t>http://haozhu233.github.io/kableExtra/</a:t>
             </a:r>
             <a:endParaRPr/>
           </a:p>
         </p:txBody>
       </p:sp>
+      <p:pic>
+        <p:nvPicPr>
+          <p:cNvPr id="257" name="Google Shape;257;p30"/>
+          <p:cNvPicPr preferRelativeResize="0"/>
+          <p:nvPr/>
+        </p:nvPicPr>
+        <p:blipFill>
+          <a:blip r:embed="rId4">
+            <a:alphaModFix/>
+          </a:blip>
+          <a:stretch>
+            <a:fillRect/>
+          </a:stretch>
+        </p:blipFill>
+        <p:spPr>
+          <a:xfrm>
+            <a:off x="332550" y="1185289"/>
+            <a:ext cx="7264574" cy="3507025"/>
+          </a:xfrm>
+          <a:prstGeom prst="rect">
+            <a:avLst/>
+          </a:prstGeom>
+          <a:noFill/>
+          <a:ln>
+            <a:noFill/>
+          </a:ln>
+        </p:spPr>
+      </p:pic>
     </p:spTree>
   </p:cSld>
   <p:clrMapOvr>
@@ -12387,7 +11784,7 @@
             </a:pPr>
             <a:r>
               <a:rPr lang="en" sz="1800"/>
-              <a:t>Dr Tom Travison</a:t>
+              <a:t>Dr. Tom Travison</a:t>
             </a:r>
             <a:endParaRPr sz="1800"/>
           </a:p>
@@ -12403,7 +11800,7 @@
             </a:pPr>
             <a:r>
               <a:rPr lang="en" sz="1800"/>
-              <a:t>For giving me freedom and encouragement for exploring and creating new things. </a:t>
+              <a:t>For giving me freedom and encouragement for exploring and making new things. </a:t>
             </a:r>
             <a:endParaRPr sz="1800"/>
           </a:p>
@@ -15249,6 +14646,182 @@
                             </p:stCondLst>
                             <p:childTnLst>
                               <p:par>
+                                <p:cTn fill="hold" nodeType="clickEffect" presetClass="entr" presetID="10" presetSubtype="0">
+                                  <p:stCondLst>
+                                    <p:cond delay="0"/>
+                                  </p:stCondLst>
+                                  <p:childTnLst>
+                                    <p:set>
+                                      <p:cBhvr>
+                                        <p:cTn dur="1" fill="hold">
+                                          <p:stCondLst>
+                                            <p:cond delay="0"/>
+                                          </p:stCondLst>
+                                        </p:cTn>
+                                        <p:tgtEl>
+                                          <p:spTgt spid="150"/>
+                                        </p:tgtEl>
+                                        <p:attrNameLst>
+                                          <p:attrName>style.visibility</p:attrName>
+                                        </p:attrNameLst>
+                                      </p:cBhvr>
+                                      <p:to>
+                                        <p:strVal val="visible"/>
+                                      </p:to>
+                                    </p:set>
+                                    <p:animEffect filter="fade" transition="in">
+                                      <p:cBhvr>
+                                        <p:cTn dur="1000"/>
+                                        <p:tgtEl>
+                                          <p:spTgt spid="150"/>
+                                        </p:tgtEl>
+                                      </p:cBhvr>
+                                    </p:animEffect>
+                                  </p:childTnLst>
+                                </p:cTn>
+                              </p:par>
+                              <p:par>
+                                <p:cTn fill="hold" nodeType="withEffect" presetClass="entr" presetID="10" presetSubtype="0">
+                                  <p:stCondLst>
+                                    <p:cond delay="0"/>
+                                  </p:stCondLst>
+                                  <p:childTnLst>
+                                    <p:set>
+                                      <p:cBhvr>
+                                        <p:cTn dur="1" fill="hold">
+                                          <p:stCondLst>
+                                            <p:cond delay="0"/>
+                                          </p:stCondLst>
+                                        </p:cTn>
+                                        <p:tgtEl>
+                                          <p:spTgt spid="152"/>
+                                        </p:tgtEl>
+                                        <p:attrNameLst>
+                                          <p:attrName>style.visibility</p:attrName>
+                                        </p:attrNameLst>
+                                      </p:cBhvr>
+                                      <p:to>
+                                        <p:strVal val="visible"/>
+                                      </p:to>
+                                    </p:set>
+                                    <p:animEffect filter="fade" transition="in">
+                                      <p:cBhvr>
+                                        <p:cTn dur="1000"/>
+                                        <p:tgtEl>
+                                          <p:spTgt spid="152"/>
+                                        </p:tgtEl>
+                                      </p:cBhvr>
+                                    </p:animEffect>
+                                  </p:childTnLst>
+                                </p:cTn>
+                              </p:par>
+                              <p:par>
+                                <p:cTn fill="hold" nodeType="withEffect" presetClass="entr" presetID="10" presetSubtype="0">
+                                  <p:stCondLst>
+                                    <p:cond delay="0"/>
+                                  </p:stCondLst>
+                                  <p:childTnLst>
+                                    <p:set>
+                                      <p:cBhvr>
+                                        <p:cTn dur="1" fill="hold">
+                                          <p:stCondLst>
+                                            <p:cond delay="0"/>
+                                          </p:stCondLst>
+                                        </p:cTn>
+                                        <p:tgtEl>
+                                          <p:spTgt spid="151"/>
+                                        </p:tgtEl>
+                                        <p:attrNameLst>
+                                          <p:attrName>style.visibility</p:attrName>
+                                        </p:attrNameLst>
+                                      </p:cBhvr>
+                                      <p:to>
+                                        <p:strVal val="visible"/>
+                                      </p:to>
+                                    </p:set>
+                                    <p:animEffect filter="fade" transition="in">
+                                      <p:cBhvr>
+                                        <p:cTn dur="1000"/>
+                                        <p:tgtEl>
+                                          <p:spTgt spid="151"/>
+                                        </p:tgtEl>
+                                      </p:cBhvr>
+                                    </p:animEffect>
+                                  </p:childTnLst>
+                                </p:cTn>
+                              </p:par>
+                            </p:childTnLst>
+                          </p:cTn>
+                        </p:par>
+                      </p:childTnLst>
+                    </p:cTn>
+                  </p:par>
+                  <p:par>
+                    <p:cTn fill="hold">
+                      <p:stCondLst>
+                        <p:cond delay="indefinite"/>
+                      </p:stCondLst>
+                      <p:childTnLst>
+                        <p:par>
+                          <p:cTn fill="hold">
+                            <p:stCondLst>
+                              <p:cond delay="0"/>
+                            </p:stCondLst>
+                            <p:childTnLst>
+                              <p:par>
+                                <p:cTn fill="hold" nodeType="clickEffect" presetClass="entr" presetID="10" presetSubtype="0">
+                                  <p:stCondLst>
+                                    <p:cond delay="0"/>
+                                  </p:stCondLst>
+                                  <p:childTnLst>
+                                    <p:set>
+                                      <p:cBhvr>
+                                        <p:cTn dur="1" fill="hold">
+                                          <p:stCondLst>
+                                            <p:cond delay="0"/>
+                                          </p:stCondLst>
+                                        </p:cTn>
+                                        <p:tgtEl>
+                                          <p:spTgt spid="153"/>
+                                        </p:tgtEl>
+                                        <p:attrNameLst>
+                                          <p:attrName>style.visibility</p:attrName>
+                                        </p:attrNameLst>
+                                      </p:cBhvr>
+                                      <p:to>
+                                        <p:strVal val="visible"/>
+                                      </p:to>
+                                    </p:set>
+                                    <p:animEffect filter="fade" transition="in">
+                                      <p:cBhvr>
+                                        <p:cTn dur="1000"/>
+                                        <p:tgtEl>
+                                          <p:spTgt spid="153"/>
+                                        </p:tgtEl>
+                                      </p:cBhvr>
+                                    </p:animEffect>
+                                  </p:childTnLst>
+                                </p:cTn>
+                              </p:par>
+                            </p:childTnLst>
+                          </p:cTn>
+                        </p:par>
+                      </p:childTnLst>
+                    </p:cTn>
+                  </p:par>
+                  <p:par>
+                    <p:cTn fill="hold">
+                      <p:stCondLst>
+                        <p:cond delay="indefinite"/>
+                      </p:stCondLst>
+                      <p:childTnLst>
+                        <p:par>
+                          <p:cTn fill="hold">
+                            <p:stCondLst>
+                              <p:cond delay="0"/>
+                            </p:stCondLst>
+                            <p:childTnLst>
+                              <p:par>
                                 <p:cTn fill="hold" nodeType="clickEffect" presetClass="exit" presetID="10" presetSubtype="0">
                                   <p:stCondLst>
                                     <p:cond delay="0"/>
@@ -15534,182 +15107,6 @@
                       </p:childTnLst>
                     </p:cTn>
                   </p:par>
-                  <p:par>
-                    <p:cTn fill="hold">
-                      <p:stCondLst>
-                        <p:cond delay="indefinite"/>
-                      </p:stCondLst>
-                      <p:childTnLst>
-                        <p:par>
-                          <p:cTn fill="hold">
-                            <p:stCondLst>
-                              <p:cond delay="0"/>
-                            </p:stCondLst>
-                            <p:childTnLst>
-                              <p:par>
-                                <p:cTn fill="hold" nodeType="clickEffect" presetClass="entr" presetID="10" presetSubtype="0">
-                                  <p:stCondLst>
-                                    <p:cond delay="0"/>
-                                  </p:stCondLst>
-                                  <p:childTnLst>
-                                    <p:set>
-                                      <p:cBhvr>
-                                        <p:cTn dur="1" fill="hold">
-                                          <p:stCondLst>
-                                            <p:cond delay="0"/>
-                                          </p:stCondLst>
-                                        </p:cTn>
-                                        <p:tgtEl>
-                                          <p:spTgt spid="150"/>
-                                        </p:tgtEl>
-                                        <p:attrNameLst>
-                                          <p:attrName>style.visibility</p:attrName>
-                                        </p:attrNameLst>
-                                      </p:cBhvr>
-                                      <p:to>
-                                        <p:strVal val="visible"/>
-                                      </p:to>
-                                    </p:set>
-                                    <p:animEffect filter="fade" transition="in">
-                                      <p:cBhvr>
-                                        <p:cTn dur="1000"/>
-                                        <p:tgtEl>
-                                          <p:spTgt spid="150"/>
-                                        </p:tgtEl>
-                                      </p:cBhvr>
-                                    </p:animEffect>
-                                  </p:childTnLst>
-                                </p:cTn>
-                              </p:par>
-                              <p:par>
-                                <p:cTn fill="hold" nodeType="withEffect" presetClass="entr" presetID="10" presetSubtype="0">
-                                  <p:stCondLst>
-                                    <p:cond delay="0"/>
-                                  </p:stCondLst>
-                                  <p:childTnLst>
-                                    <p:set>
-                                      <p:cBhvr>
-                                        <p:cTn dur="1" fill="hold">
-                                          <p:stCondLst>
-                                            <p:cond delay="0"/>
-                                          </p:stCondLst>
-                                        </p:cTn>
-                                        <p:tgtEl>
-                                          <p:spTgt spid="151"/>
-                                        </p:tgtEl>
-                                        <p:attrNameLst>
-                                          <p:attrName>style.visibility</p:attrName>
-                                        </p:attrNameLst>
-                                      </p:cBhvr>
-                                      <p:to>
-                                        <p:strVal val="visible"/>
-                                      </p:to>
-                                    </p:set>
-                                    <p:animEffect filter="fade" transition="in">
-                                      <p:cBhvr>
-                                        <p:cTn dur="1000"/>
-                                        <p:tgtEl>
-                                          <p:spTgt spid="151"/>
-                                        </p:tgtEl>
-                                      </p:cBhvr>
-                                    </p:animEffect>
-                                  </p:childTnLst>
-                                </p:cTn>
-                              </p:par>
-                              <p:par>
-                                <p:cTn fill="hold" nodeType="withEffect" presetClass="entr" presetID="10" presetSubtype="0">
-                                  <p:stCondLst>
-                                    <p:cond delay="0"/>
-                                  </p:stCondLst>
-                                  <p:childTnLst>
-                                    <p:set>
-                                      <p:cBhvr>
-                                        <p:cTn dur="1" fill="hold">
-                                          <p:stCondLst>
-                                            <p:cond delay="0"/>
-                                          </p:stCondLst>
-                                        </p:cTn>
-                                        <p:tgtEl>
-                                          <p:spTgt spid="152"/>
-                                        </p:tgtEl>
-                                        <p:attrNameLst>
-                                          <p:attrName>style.visibility</p:attrName>
-                                        </p:attrNameLst>
-                                      </p:cBhvr>
-                                      <p:to>
-                                        <p:strVal val="visible"/>
-                                      </p:to>
-                                    </p:set>
-                                    <p:animEffect filter="fade" transition="in">
-                                      <p:cBhvr>
-                                        <p:cTn dur="1000"/>
-                                        <p:tgtEl>
-                                          <p:spTgt spid="152"/>
-                                        </p:tgtEl>
-                                      </p:cBhvr>
-                                    </p:animEffect>
-                                  </p:childTnLst>
-                                </p:cTn>
-                              </p:par>
-                            </p:childTnLst>
-                          </p:cTn>
-                        </p:par>
-                      </p:childTnLst>
-                    </p:cTn>
-                  </p:par>
-                  <p:par>
-                    <p:cTn fill="hold">
-                      <p:stCondLst>
-                        <p:cond delay="indefinite"/>
-                      </p:stCondLst>
-                      <p:childTnLst>
-                        <p:par>
-                          <p:cTn fill="hold">
-                            <p:stCondLst>
-                              <p:cond delay="0"/>
-                            </p:stCondLst>
-                            <p:childTnLst>
-                              <p:par>
-                                <p:cTn fill="hold" nodeType="clickEffect" presetClass="entr" presetID="10" presetSubtype="0">
-                                  <p:stCondLst>
-                                    <p:cond delay="0"/>
-                                  </p:stCondLst>
-                                  <p:childTnLst>
-                                    <p:set>
-                                      <p:cBhvr>
-                                        <p:cTn dur="1" fill="hold">
-                                          <p:stCondLst>
-                                            <p:cond delay="0"/>
-                                          </p:stCondLst>
-                                        </p:cTn>
-                                        <p:tgtEl>
-                                          <p:spTgt spid="153"/>
-                                        </p:tgtEl>
-                                        <p:attrNameLst>
-                                          <p:attrName>style.visibility</p:attrName>
-                                        </p:attrNameLst>
-                                      </p:cBhvr>
-                                      <p:to>
-                                        <p:strVal val="visible"/>
-                                      </p:to>
-                                    </p:set>
-                                    <p:animEffect filter="fade" transition="in">
-                                      <p:cBhvr>
-                                        <p:cTn dur="1000"/>
-                                        <p:tgtEl>
-                                          <p:spTgt spid="153"/>
-                                        </p:tgtEl>
-                                      </p:cBhvr>
-                                    </p:animEffect>
-                                  </p:childTnLst>
-                                </p:cTn>
-                              </p:par>
-                            </p:childTnLst>
-                          </p:cTn>
-                        </p:par>
-                      </p:childTnLst>
-                    </p:cTn>
-                  </p:par>
                 </p:childTnLst>
               </p:cTn>
               <p:prevCondLst>
@@ -16321,18 +15718,20 @@
         <p:nvSpPr>
           <p:cNvPr id="173" name="Google Shape;173;p21"/>
           <p:cNvSpPr txBox="1"/>
-          <p:nvPr>
-            <p:ph type="title"/>
-          </p:nvPr>
+          <p:nvPr/>
         </p:nvSpPr>
         <p:spPr>
           <a:xfrm>
-            <a:off x="729450" y="1758200"/>
-            <a:ext cx="7688700" cy="713700"/>
+            <a:off x="489050" y="537025"/>
+            <a:ext cx="2719200" cy="548700"/>
           </a:xfrm>
           <a:prstGeom prst="rect">
             <a:avLst/>
           </a:prstGeom>
+          <a:noFill/>
+          <a:ln>
+            <a:noFill/>
+          </a:ln>
         </p:spPr>
         <p:txBody>
           <a:bodyPr anchorCtr="0" anchor="t" bIns="91425" lIns="91425" spcFirstLastPara="1" rIns="91425" wrap="square" tIns="91425">
@@ -16350,10 +15749,18 @@
               <a:buNone/>
             </a:pPr>
             <a:r>
-              <a:rPr lang="en"/>
-              <a:t>Goals &amp; Design</a:t>
+              <a:rPr b="1" lang="en" sz="2400">
+                <a:solidFill>
+                  <a:srgbClr val="2AA286"/>
+                </a:solidFill>
+              </a:rPr>
+              <a:t>Geranal</a:t>
             </a:r>
-            <a:endParaRPr/>
+            <a:endParaRPr b="1" sz="2400">
+              <a:solidFill>
+                <a:srgbClr val="2AA286"/>
+              </a:solidFill>
+            </a:endParaRPr>
           </a:p>
         </p:txBody>
       </p:sp>
@@ -16361,18 +15768,22 @@
         <p:nvSpPr>
           <p:cNvPr id="174" name="Google Shape;174;p21"/>
           <p:cNvSpPr txBox="1"/>
-          <p:nvPr>
-            <p:ph idx="1" type="body"/>
-          </p:nvPr>
+          <p:nvPr/>
         </p:nvSpPr>
         <p:spPr>
           <a:xfrm>
-            <a:off x="729450" y="2771828"/>
-            <a:ext cx="7688700" cy="1997700"/>
+            <a:off x="594200" y="1027200"/>
+            <a:ext cx="1254600" cy="352200"/>
           </a:xfrm>
           <a:prstGeom prst="rect">
             <a:avLst/>
           </a:prstGeom>
+          <a:solidFill>
+            <a:srgbClr val="EFEFEF"/>
+          </a:solidFill>
+          <a:ln>
+            <a:noFill/>
+          </a:ln>
         </p:spPr>
         <p:txBody>
           <a:bodyPr anchorCtr="0" anchor="t" bIns="91425" lIns="91425" spcFirstLastPara="1" rIns="91425" wrap="square" tIns="91425">
@@ -16380,105 +15791,57 @@
           </a:bodyPr>
           <a:lstStyle/>
           <a:p>
-            <a:pPr indent="-381000" lvl="0" marL="457200" rtl="0">
-              <a:spcBef>
-                <a:spcPts val="0"/>
-              </a:spcBef>
-              <a:spcAft>
-                <a:spcPts val="0"/>
-              </a:spcAft>
-              <a:buSzPts val="2400"/>
-              <a:buAutoNum type="arabicPeriod"/>
+            <a:pPr indent="0" lvl="0" marL="0" rtl="0">
+              <a:spcBef>
+                <a:spcPts val="0"/>
+              </a:spcBef>
+              <a:spcAft>
+                <a:spcPts val="0"/>
+              </a:spcAft>
+              <a:buNone/>
             </a:pPr>
             <a:r>
-              <a:rPr lang="en" sz="2400"/>
-              <a:t>Easy to learn</a:t>
+              <a:rPr lang="en">
+                <a:solidFill>
+                  <a:srgbClr val="CC0000"/>
+                </a:solidFill>
+              </a:rPr>
+              <a:t>kable_styling</a:t>
             </a:r>
-            <a:endParaRPr sz="2400"/>
-          </a:p>
-          <a:p>
-            <a:pPr indent="-381000" lvl="0" marL="457200" rtl="0">
-              <a:spcBef>
-                <a:spcPts val="0"/>
-              </a:spcBef>
-              <a:spcAft>
-                <a:spcPts val="0"/>
-              </a:spcAft>
-              <a:buSzPts val="2400"/>
-              <a:buAutoNum type="arabicPeriod"/>
-            </a:pPr>
-            <a:r>
-              <a:rPr lang="en" sz="2400"/>
-              <a:t>Easy to use</a:t>
-            </a:r>
-            <a:endParaRPr sz="2400"/>
-          </a:p>
-          <a:p>
-            <a:pPr indent="-381000" lvl="0" marL="457200" rtl="0">
-              <a:spcBef>
-                <a:spcPts val="0"/>
-              </a:spcBef>
-              <a:spcAft>
-                <a:spcPts val="0"/>
-              </a:spcAft>
-              <a:buSzPts val="2400"/>
-              <a:buAutoNum type="arabicPeriod"/>
-            </a:pPr>
-            <a:r>
-              <a:rPr lang="en" sz="2400"/>
-              <a:t>Works for both HTML and LaTeX</a:t>
-            </a:r>
-            <a:endParaRPr sz="2400"/>
-          </a:p>
-          <a:p>
-            <a:pPr indent="-381000" lvl="0" marL="457200" rtl="0">
-              <a:spcBef>
-                <a:spcPts val="0"/>
-              </a:spcBef>
-              <a:spcAft>
-                <a:spcPts val="0"/>
-              </a:spcAft>
-              <a:buSzPts val="2400"/>
-              <a:buAutoNum type="arabicPeriod"/>
-            </a:pPr>
-            <a:r>
-              <a:rPr lang="en" sz="2400"/>
-              <a:t>Works for 95% of complex tables.</a:t>
-            </a:r>
-            <a:endParaRPr sz="2400"/>
+            <a:endParaRPr>
+              <a:solidFill>
+                <a:srgbClr val="CC0000"/>
+              </a:solidFill>
+            </a:endParaRPr>
           </a:p>
         </p:txBody>
       </p:sp>
       <p:sp>
         <p:nvSpPr>
           <p:cNvPr id="175" name="Google Shape;175;p21"/>
-          <p:cNvSpPr/>
+          <p:cNvSpPr txBox="1"/>
           <p:nvPr/>
         </p:nvSpPr>
         <p:spPr>
           <a:xfrm>
-            <a:off x="729450" y="4950050"/>
-            <a:ext cx="3842700" cy="656100"/>
-          </a:xfrm>
-          <a:prstGeom prst="roundRect">
-            <a:avLst>
-              <a:gd fmla="val 16667" name="adj"/>
-            </a:avLst>
+            <a:off x="489050" y="1442144"/>
+            <a:ext cx="3542400" cy="548700"/>
+          </a:xfrm>
+          <a:prstGeom prst="rect">
+            <a:avLst/>
           </a:prstGeom>
-          <a:solidFill>
-            <a:srgbClr val="2AA286"/>
-          </a:solidFill>
+          <a:noFill/>
           <a:ln>
             <a:noFill/>
           </a:ln>
         </p:spPr>
         <p:txBody>
-          <a:bodyPr anchorCtr="0" anchor="ctr" bIns="91425" lIns="91425" spcFirstLastPara="1" rIns="91425" wrap="square" tIns="91425">
+          <a:bodyPr anchorCtr="0" anchor="t" bIns="91425" lIns="91425" spcFirstLastPara="1" rIns="91425" wrap="square" tIns="91425">
             <a:noAutofit/>
           </a:bodyPr>
           <a:lstStyle/>
           <a:p>
-            <a:pPr indent="0" lvl="0" marL="0">
+            <a:pPr indent="0" lvl="0" marL="0" rtl="0">
               <a:spcBef>
                 <a:spcPts val="0"/>
               </a:spcBef>
@@ -16488,32 +15851,16 @@
               <a:buNone/>
             </a:pPr>
             <a:r>
-              <a:rPr b="1" lang="en" sz="1800">
-                <a:solidFill>
-                  <a:schemeClr val="lt1"/>
+              <a:rPr b="1" lang="en" sz="2400">
+                <a:solidFill>
+                  <a:srgbClr val="2AA286"/>
                 </a:solidFill>
               </a:rPr>
-              <a:t>1. </a:t>
+              <a:t>Spec family</a:t>
             </a:r>
-            <a:r>
-              <a:rPr b="1" lang="en" sz="1800">
-                <a:solidFill>
-                  <a:schemeClr val="lt1"/>
-                </a:solidFill>
-              </a:rPr>
-              <a:t>Simple</a:t>
-            </a:r>
-            <a:r>
-              <a:rPr b="1" lang="en" sz="1800">
-                <a:solidFill>
-                  <a:schemeClr val="lt1"/>
-                </a:solidFill>
-              </a:rPr>
-              <a:t> functions + Pipes</a:t>
-            </a:r>
-            <a:endParaRPr b="1" sz="1800">
+            <a:endParaRPr b="1" sz="2400">
               <a:solidFill>
-                <a:schemeClr val="lt1"/>
+                <a:srgbClr val="2AA286"/>
               </a:solidFill>
             </a:endParaRPr>
           </a:p>
@@ -16522,28 +15869,26 @@
       <p:sp>
         <p:nvSpPr>
           <p:cNvPr id="176" name="Google Shape;176;p21"/>
-          <p:cNvSpPr/>
+          <p:cNvSpPr txBox="1"/>
           <p:nvPr/>
         </p:nvSpPr>
         <p:spPr>
           <a:xfrm>
-            <a:off x="4761399" y="4950050"/>
-            <a:ext cx="3718800" cy="656100"/>
-          </a:xfrm>
-          <a:prstGeom prst="roundRect">
-            <a:avLst>
-              <a:gd fmla="val 16667" name="adj"/>
-            </a:avLst>
+            <a:off x="594200" y="1968100"/>
+            <a:ext cx="1254600" cy="352200"/>
+          </a:xfrm>
+          <a:prstGeom prst="rect">
+            <a:avLst/>
           </a:prstGeom>
           <a:solidFill>
-            <a:srgbClr val="45397F"/>
+            <a:srgbClr val="EFEFEF"/>
           </a:solidFill>
           <a:ln>
             <a:noFill/>
           </a:ln>
         </p:spPr>
         <p:txBody>
-          <a:bodyPr anchorCtr="0" anchor="ctr" bIns="91425" lIns="91425" spcFirstLastPara="1" rIns="91425" wrap="square" tIns="91425">
+          <a:bodyPr anchorCtr="0" anchor="t" bIns="91425" lIns="91425" spcFirstLastPara="1" rIns="91425" wrap="square" tIns="91425">
             <a:noAutofit/>
           </a:bodyPr>
           <a:lstStyle/>
@@ -16558,16 +15903,16 @@
               <a:buNone/>
             </a:pPr>
             <a:r>
-              <a:rPr b="1" lang="en" sz="1800">
-                <a:solidFill>
-                  <a:schemeClr val="lt1"/>
+              <a:rPr lang="en">
+                <a:solidFill>
+                  <a:srgbClr val="CC0000"/>
                 </a:solidFill>
               </a:rPr>
-              <a:t>2. Smart &amp; Automated</a:t>
+              <a:t>column_spec</a:t>
             </a:r>
-            <a:endParaRPr b="1" sz="1800">
+            <a:endParaRPr>
               <a:solidFill>
-                <a:schemeClr val="lt1"/>
+                <a:srgbClr val="CC0000"/>
               </a:solidFill>
             </a:endParaRPr>
           </a:p>
@@ -16576,28 +15921,26 @@
       <p:sp>
         <p:nvSpPr>
           <p:cNvPr id="177" name="Google Shape;177;p21"/>
-          <p:cNvSpPr/>
+          <p:cNvSpPr txBox="1"/>
           <p:nvPr/>
         </p:nvSpPr>
         <p:spPr>
           <a:xfrm>
-            <a:off x="729450" y="5786525"/>
-            <a:ext cx="3842700" cy="656100"/>
-          </a:xfrm>
-          <a:prstGeom prst="roundRect">
-            <a:avLst>
-              <a:gd fmla="val 16667" name="adj"/>
-            </a:avLst>
+            <a:off x="594200" y="2425298"/>
+            <a:ext cx="956400" cy="352200"/>
+          </a:xfrm>
+          <a:prstGeom prst="rect">
+            <a:avLst/>
           </a:prstGeom>
           <a:solidFill>
-            <a:srgbClr val="45397F"/>
+            <a:srgbClr val="EFEFEF"/>
           </a:solidFill>
           <a:ln>
             <a:noFill/>
           </a:ln>
         </p:spPr>
         <p:txBody>
-          <a:bodyPr anchorCtr="0" anchor="ctr" bIns="91425" lIns="91425" spcFirstLastPara="1" rIns="91425" wrap="square" tIns="91425">
+          <a:bodyPr anchorCtr="0" anchor="t" bIns="91425" lIns="91425" spcFirstLastPara="1" rIns="91425" wrap="square" tIns="91425">
             <a:noAutofit/>
           </a:bodyPr>
           <a:lstStyle/>
@@ -16612,16 +15955,24 @@
               <a:buNone/>
             </a:pPr>
             <a:r>
-              <a:rPr b="1" lang="en" sz="1800">
-                <a:solidFill>
-                  <a:schemeClr val="lt1"/>
+              <a:rPr lang="en">
+                <a:solidFill>
+                  <a:srgbClr val="CC0000"/>
                 </a:solidFill>
               </a:rPr>
-              <a:t>3. Higher level language that translates to HTML &amp; LaTeX</a:t>
+              <a:t>row</a:t>
             </a:r>
-            <a:endParaRPr b="1" sz="1800">
+            <a:r>
+              <a:rPr lang="en">
+                <a:solidFill>
+                  <a:srgbClr val="CC0000"/>
+                </a:solidFill>
+              </a:rPr>
+              <a:t>_spec</a:t>
+            </a:r>
+            <a:endParaRPr>
               <a:solidFill>
-                <a:schemeClr val="lt1"/>
+                <a:srgbClr val="CC0000"/>
               </a:solidFill>
             </a:endParaRPr>
           </a:p>
@@ -16630,28 +15981,26 @@
       <p:sp>
         <p:nvSpPr>
           <p:cNvPr id="178" name="Google Shape;178;p21"/>
-          <p:cNvSpPr/>
+          <p:cNvSpPr txBox="1"/>
           <p:nvPr/>
         </p:nvSpPr>
         <p:spPr>
           <a:xfrm>
-            <a:off x="4761399" y="5788250"/>
-            <a:ext cx="3718800" cy="656100"/>
-          </a:xfrm>
-          <a:prstGeom prst="roundRect">
-            <a:avLst>
-              <a:gd fmla="val 16667" name="adj"/>
-            </a:avLst>
+            <a:off x="594200" y="2894423"/>
+            <a:ext cx="956400" cy="352200"/>
+          </a:xfrm>
+          <a:prstGeom prst="rect">
+            <a:avLst/>
           </a:prstGeom>
           <a:solidFill>
-            <a:srgbClr val="2AA286"/>
+            <a:srgbClr val="EFEFEF"/>
           </a:solidFill>
           <a:ln>
             <a:noFill/>
           </a:ln>
         </p:spPr>
         <p:txBody>
-          <a:bodyPr anchorCtr="0" anchor="ctr" bIns="91425" lIns="91425" spcFirstLastPara="1" rIns="91425" wrap="square" tIns="91425">
+          <a:bodyPr anchorCtr="0" anchor="t" bIns="91425" lIns="91425" spcFirstLastPara="1" rIns="91425" wrap="square" tIns="91425">
             <a:noAutofit/>
           </a:bodyPr>
           <a:lstStyle/>
@@ -16666,16 +16015,667 @@
               <a:buNone/>
             </a:pPr>
             <a:r>
-              <a:rPr b="1" lang="en" sz="1800">
-                <a:solidFill>
-                  <a:schemeClr val="lt1"/>
+              <a:rPr lang="en">
+                <a:solidFill>
+                  <a:srgbClr val="CC0000"/>
                 </a:solidFill>
               </a:rPr>
-              <a:t>4. Top priority: Simplicity</a:t>
+              <a:t>cell</a:t>
             </a:r>
-            <a:endParaRPr b="1" sz="1800">
+            <a:r>
+              <a:rPr lang="en">
+                <a:solidFill>
+                  <a:srgbClr val="CC0000"/>
+                </a:solidFill>
+              </a:rPr>
+              <a:t>_spec</a:t>
+            </a:r>
+            <a:endParaRPr>
               <a:solidFill>
-                <a:schemeClr val="lt1"/>
+                <a:srgbClr val="CC0000"/>
+              </a:solidFill>
+            </a:endParaRPr>
+          </a:p>
+        </p:txBody>
+      </p:sp>
+      <p:sp>
+        <p:nvSpPr>
+          <p:cNvPr id="179" name="Google Shape;179;p21"/>
+          <p:cNvSpPr txBox="1"/>
+          <p:nvPr/>
+        </p:nvSpPr>
+        <p:spPr>
+          <a:xfrm>
+            <a:off x="489050" y="3270944"/>
+            <a:ext cx="3542400" cy="548700"/>
+          </a:xfrm>
+          <a:prstGeom prst="rect">
+            <a:avLst/>
+          </a:prstGeom>
+          <a:noFill/>
+          <a:ln>
+            <a:noFill/>
+          </a:ln>
+        </p:spPr>
+        <p:txBody>
+          <a:bodyPr anchorCtr="0" anchor="t" bIns="91425" lIns="91425" spcFirstLastPara="1" rIns="91425" wrap="square" tIns="91425">
+            <a:noAutofit/>
+          </a:bodyPr>
+          <a:lstStyle/>
+          <a:p>
+            <a:pPr indent="0" lvl="0" marL="0" rtl="0">
+              <a:spcBef>
+                <a:spcPts val="0"/>
+              </a:spcBef>
+              <a:spcAft>
+                <a:spcPts val="0"/>
+              </a:spcAft>
+              <a:buNone/>
+            </a:pPr>
+            <a:r>
+              <a:rPr b="1" lang="en" sz="2400">
+                <a:solidFill>
+                  <a:srgbClr val="2AA286"/>
+                </a:solidFill>
+              </a:rPr>
+              <a:t>Grouping</a:t>
+            </a:r>
+            <a:endParaRPr b="1" sz="2400">
+              <a:solidFill>
+                <a:srgbClr val="2AA286"/>
+              </a:solidFill>
+            </a:endParaRPr>
+          </a:p>
+        </p:txBody>
+      </p:sp>
+      <p:sp>
+        <p:nvSpPr>
+          <p:cNvPr id="180" name="Google Shape;180;p21"/>
+          <p:cNvSpPr txBox="1"/>
+          <p:nvPr/>
+        </p:nvSpPr>
+        <p:spPr>
+          <a:xfrm>
+            <a:off x="594200" y="3773050"/>
+            <a:ext cx="1719600" cy="352200"/>
+          </a:xfrm>
+          <a:prstGeom prst="rect">
+            <a:avLst/>
+          </a:prstGeom>
+          <a:solidFill>
+            <a:srgbClr val="EFEFEF"/>
+          </a:solidFill>
+          <a:ln>
+            <a:noFill/>
+          </a:ln>
+        </p:spPr>
+        <p:txBody>
+          <a:bodyPr anchorCtr="0" anchor="t" bIns="91425" lIns="91425" spcFirstLastPara="1" rIns="91425" wrap="square" tIns="91425">
+            <a:noAutofit/>
+          </a:bodyPr>
+          <a:lstStyle/>
+          <a:p>
+            <a:pPr indent="0" lvl="0" marL="0" rtl="0">
+              <a:spcBef>
+                <a:spcPts val="0"/>
+              </a:spcBef>
+              <a:spcAft>
+                <a:spcPts val="0"/>
+              </a:spcAft>
+              <a:buNone/>
+            </a:pPr>
+            <a:r>
+              <a:rPr lang="en">
+                <a:solidFill>
+                  <a:srgbClr val="CC0000"/>
+                </a:solidFill>
+              </a:rPr>
+              <a:t>add_header_above</a:t>
+            </a:r>
+            <a:endParaRPr>
+              <a:solidFill>
+                <a:srgbClr val="CC0000"/>
+              </a:solidFill>
+            </a:endParaRPr>
+          </a:p>
+        </p:txBody>
+      </p:sp>
+      <p:sp>
+        <p:nvSpPr>
+          <p:cNvPr id="181" name="Google Shape;181;p21"/>
+          <p:cNvSpPr txBox="1"/>
+          <p:nvPr/>
+        </p:nvSpPr>
+        <p:spPr>
+          <a:xfrm>
+            <a:off x="594200" y="4230250"/>
+            <a:ext cx="1123200" cy="352200"/>
+          </a:xfrm>
+          <a:prstGeom prst="rect">
+            <a:avLst/>
+          </a:prstGeom>
+          <a:solidFill>
+            <a:srgbClr val="EFEFEF"/>
+          </a:solidFill>
+          <a:ln>
+            <a:noFill/>
+          </a:ln>
+        </p:spPr>
+        <p:txBody>
+          <a:bodyPr anchorCtr="0" anchor="t" bIns="91425" lIns="91425" spcFirstLastPara="1" rIns="91425" wrap="square" tIns="91425">
+            <a:noAutofit/>
+          </a:bodyPr>
+          <a:lstStyle/>
+          <a:p>
+            <a:pPr indent="0" lvl="0" marL="0" rtl="0">
+              <a:spcBef>
+                <a:spcPts val="0"/>
+              </a:spcBef>
+              <a:spcAft>
+                <a:spcPts val="0"/>
+              </a:spcAft>
+              <a:buNone/>
+            </a:pPr>
+            <a:r>
+              <a:rPr lang="en">
+                <a:solidFill>
+                  <a:srgbClr val="CC0000"/>
+                </a:solidFill>
+              </a:rPr>
+              <a:t>group_rows</a:t>
+            </a:r>
+            <a:endParaRPr>
+              <a:solidFill>
+                <a:srgbClr val="CC0000"/>
+              </a:solidFill>
+            </a:endParaRPr>
+          </a:p>
+        </p:txBody>
+      </p:sp>
+      <p:sp>
+        <p:nvSpPr>
+          <p:cNvPr id="182" name="Google Shape;182;p21"/>
+          <p:cNvSpPr txBox="1"/>
+          <p:nvPr/>
+        </p:nvSpPr>
+        <p:spPr>
+          <a:xfrm>
+            <a:off x="594200" y="4699375"/>
+            <a:ext cx="1314000" cy="352200"/>
+          </a:xfrm>
+          <a:prstGeom prst="rect">
+            <a:avLst/>
+          </a:prstGeom>
+          <a:solidFill>
+            <a:srgbClr val="EFEFEF"/>
+          </a:solidFill>
+          <a:ln>
+            <a:noFill/>
+          </a:ln>
+        </p:spPr>
+        <p:txBody>
+          <a:bodyPr anchorCtr="0" anchor="t" bIns="91425" lIns="91425" spcFirstLastPara="1" rIns="91425" wrap="square" tIns="91425">
+            <a:noAutofit/>
+          </a:bodyPr>
+          <a:lstStyle/>
+          <a:p>
+            <a:pPr indent="0" lvl="0" marL="0" rtl="0">
+              <a:spcBef>
+                <a:spcPts val="0"/>
+              </a:spcBef>
+              <a:spcAft>
+                <a:spcPts val="0"/>
+              </a:spcAft>
+              <a:buNone/>
+            </a:pPr>
+            <a:r>
+              <a:rPr lang="en">
+                <a:solidFill>
+                  <a:srgbClr val="CC0000"/>
+                </a:solidFill>
+              </a:rPr>
+              <a:t>collapse_rows</a:t>
+            </a:r>
+            <a:endParaRPr>
+              <a:solidFill>
+                <a:srgbClr val="CC0000"/>
+              </a:solidFill>
+            </a:endParaRPr>
+          </a:p>
+        </p:txBody>
+      </p:sp>
+      <p:sp>
+        <p:nvSpPr>
+          <p:cNvPr id="183" name="Google Shape;183;p21"/>
+          <p:cNvSpPr txBox="1"/>
+          <p:nvPr/>
+        </p:nvSpPr>
+        <p:spPr>
+          <a:xfrm>
+            <a:off x="489050" y="5099744"/>
+            <a:ext cx="3542400" cy="548700"/>
+          </a:xfrm>
+          <a:prstGeom prst="rect">
+            <a:avLst/>
+          </a:prstGeom>
+          <a:noFill/>
+          <a:ln>
+            <a:noFill/>
+          </a:ln>
+        </p:spPr>
+        <p:txBody>
+          <a:bodyPr anchorCtr="0" anchor="t" bIns="91425" lIns="91425" spcFirstLastPara="1" rIns="91425" wrap="square" tIns="91425">
+            <a:noAutofit/>
+          </a:bodyPr>
+          <a:lstStyle/>
+          <a:p>
+            <a:pPr indent="0" lvl="0" marL="0" rtl="0">
+              <a:spcBef>
+                <a:spcPts val="0"/>
+              </a:spcBef>
+              <a:spcAft>
+                <a:spcPts val="0"/>
+              </a:spcAft>
+              <a:buNone/>
+            </a:pPr>
+            <a:r>
+              <a:rPr b="1" lang="en" sz="2400">
+                <a:solidFill>
+                  <a:srgbClr val="2AA286"/>
+                </a:solidFill>
+              </a:rPr>
+              <a:t>Footnote</a:t>
+            </a:r>
+            <a:endParaRPr b="1" sz="2400">
+              <a:solidFill>
+                <a:srgbClr val="2AA286"/>
+              </a:solidFill>
+            </a:endParaRPr>
+          </a:p>
+        </p:txBody>
+      </p:sp>
+      <p:sp>
+        <p:nvSpPr>
+          <p:cNvPr id="184" name="Google Shape;184;p21"/>
+          <p:cNvSpPr txBox="1"/>
+          <p:nvPr/>
+        </p:nvSpPr>
+        <p:spPr>
+          <a:xfrm>
+            <a:off x="594200" y="5599200"/>
+            <a:ext cx="837000" cy="352200"/>
+          </a:xfrm>
+          <a:prstGeom prst="rect">
+            <a:avLst/>
+          </a:prstGeom>
+          <a:solidFill>
+            <a:srgbClr val="EFEFEF"/>
+          </a:solidFill>
+          <a:ln>
+            <a:noFill/>
+          </a:ln>
+        </p:spPr>
+        <p:txBody>
+          <a:bodyPr anchorCtr="0" anchor="t" bIns="91425" lIns="91425" spcFirstLastPara="1" rIns="91425" wrap="square" tIns="91425">
+            <a:noAutofit/>
+          </a:bodyPr>
+          <a:lstStyle/>
+          <a:p>
+            <a:pPr indent="0" lvl="0" marL="0" rtl="0">
+              <a:spcBef>
+                <a:spcPts val="0"/>
+              </a:spcBef>
+              <a:spcAft>
+                <a:spcPts val="0"/>
+              </a:spcAft>
+              <a:buNone/>
+            </a:pPr>
+            <a:r>
+              <a:rPr lang="en">
+                <a:solidFill>
+                  <a:srgbClr val="CC0000"/>
+                </a:solidFill>
+              </a:rPr>
+              <a:t>footnote</a:t>
+            </a:r>
+            <a:endParaRPr>
+              <a:solidFill>
+                <a:srgbClr val="CC0000"/>
+              </a:solidFill>
+            </a:endParaRPr>
+          </a:p>
+        </p:txBody>
+      </p:sp>
+      <p:sp>
+        <p:nvSpPr>
+          <p:cNvPr id="185" name="Google Shape;185;p21"/>
+          <p:cNvSpPr txBox="1"/>
+          <p:nvPr/>
+        </p:nvSpPr>
+        <p:spPr>
+          <a:xfrm>
+            <a:off x="3065250" y="665100"/>
+            <a:ext cx="3111900" cy="714300"/>
+          </a:xfrm>
+          <a:prstGeom prst="rect">
+            <a:avLst/>
+          </a:prstGeom>
+          <a:noFill/>
+          <a:ln>
+            <a:noFill/>
+          </a:ln>
+        </p:spPr>
+        <p:txBody>
+          <a:bodyPr anchorCtr="0" anchor="t" bIns="91425" lIns="91425" spcFirstLastPara="1" rIns="91425" wrap="square" tIns="91425">
+            <a:noAutofit/>
+          </a:bodyPr>
+          <a:lstStyle/>
+          <a:p>
+            <a:pPr indent="0" lvl="0" marL="0">
+              <a:spcBef>
+                <a:spcPts val="0"/>
+              </a:spcBef>
+              <a:spcAft>
+                <a:spcPts val="0"/>
+              </a:spcAft>
+              <a:buNone/>
+            </a:pPr>
+            <a:r>
+              <a:rPr lang="en" sz="1800">
+                <a:solidFill>
+                  <a:srgbClr val="45397F"/>
+                </a:solidFill>
+              </a:rPr>
+              <a:t>General setup: Table themes, striped rows, position, font size etc</a:t>
+            </a:r>
+            <a:endParaRPr sz="1800">
+              <a:solidFill>
+                <a:srgbClr val="45397F"/>
+              </a:solidFill>
+            </a:endParaRPr>
+          </a:p>
+        </p:txBody>
+      </p:sp>
+      <p:sp>
+        <p:nvSpPr>
+          <p:cNvPr id="186" name="Google Shape;186;p21"/>
+          <p:cNvSpPr txBox="1"/>
+          <p:nvPr/>
+        </p:nvSpPr>
+        <p:spPr>
+          <a:xfrm>
+            <a:off x="3065250" y="1894200"/>
+            <a:ext cx="3111900" cy="714300"/>
+          </a:xfrm>
+          <a:prstGeom prst="rect">
+            <a:avLst/>
+          </a:prstGeom>
+          <a:noFill/>
+          <a:ln>
+            <a:noFill/>
+          </a:ln>
+        </p:spPr>
+        <p:txBody>
+          <a:bodyPr anchorCtr="0" anchor="t" bIns="91425" lIns="91425" spcFirstLastPara="1" rIns="91425" wrap="square" tIns="91425">
+            <a:noAutofit/>
+          </a:bodyPr>
+          <a:lstStyle/>
+          <a:p>
+            <a:pPr indent="0" lvl="0" marL="0" rtl="0">
+              <a:spcBef>
+                <a:spcPts val="0"/>
+              </a:spcBef>
+              <a:spcAft>
+                <a:spcPts val="0"/>
+              </a:spcAft>
+              <a:buNone/>
+            </a:pPr>
+            <a:r>
+              <a:rPr lang="en" sz="1800">
+                <a:solidFill>
+                  <a:srgbClr val="45397F"/>
+                </a:solidFill>
+              </a:rPr>
+              <a:t>Specify formats (bold, font color etc) for selected columns, rows &amp; cells</a:t>
+            </a:r>
+            <a:endParaRPr sz="1800">
+              <a:solidFill>
+                <a:srgbClr val="45397F"/>
+              </a:solidFill>
+            </a:endParaRPr>
+          </a:p>
+        </p:txBody>
+      </p:sp>
+      <p:sp>
+        <p:nvSpPr>
+          <p:cNvPr id="187" name="Google Shape;187;p21"/>
+          <p:cNvSpPr txBox="1"/>
+          <p:nvPr/>
+        </p:nvSpPr>
+        <p:spPr>
+          <a:xfrm>
+            <a:off x="3065250" y="3773050"/>
+            <a:ext cx="2719200" cy="1352700"/>
+          </a:xfrm>
+          <a:prstGeom prst="rect">
+            <a:avLst/>
+          </a:prstGeom>
+          <a:noFill/>
+          <a:ln>
+            <a:noFill/>
+          </a:ln>
+        </p:spPr>
+        <p:txBody>
+          <a:bodyPr anchorCtr="0" anchor="t" bIns="91425" lIns="91425" spcFirstLastPara="1" rIns="91425" wrap="square" tIns="91425">
+            <a:noAutofit/>
+          </a:bodyPr>
+          <a:lstStyle/>
+          <a:p>
+            <a:pPr indent="0" lvl="0" marL="0" rtl="0">
+              <a:spcBef>
+                <a:spcPts val="0"/>
+              </a:spcBef>
+              <a:spcAft>
+                <a:spcPts val="0"/>
+              </a:spcAft>
+              <a:buNone/>
+            </a:pPr>
+            <a:r>
+              <a:rPr lang="en" sz="1800">
+                <a:solidFill>
+                  <a:srgbClr val="45397F"/>
+                </a:solidFill>
+              </a:rPr>
+              <a:t>Add columns/rows labels to indicate certain elements belong to the same group</a:t>
+            </a:r>
+            <a:endParaRPr sz="1800">
+              <a:solidFill>
+                <a:srgbClr val="45397F"/>
+              </a:solidFill>
+            </a:endParaRPr>
+          </a:p>
+        </p:txBody>
+      </p:sp>
+      <p:pic>
+        <p:nvPicPr>
+          <p:cNvPr id="188" name="Google Shape;188;p21"/>
+          <p:cNvPicPr preferRelativeResize="0"/>
+          <p:nvPr/>
+        </p:nvPicPr>
+        <p:blipFill rotWithShape="1">
+          <a:blip r:embed="rId3">
+            <a:alphaModFix/>
+          </a:blip>
+          <a:srcRect b="0" l="0" r="0" t="0"/>
+          <a:stretch/>
+        </p:blipFill>
+        <p:spPr>
+          <a:xfrm>
+            <a:off x="6559875" y="665100"/>
+            <a:ext cx="2150975" cy="861684"/>
+          </a:xfrm>
+          <a:prstGeom prst="rect">
+            <a:avLst/>
+          </a:prstGeom>
+          <a:noFill/>
+          <a:ln cap="flat" cmpd="sng" w="9525">
+            <a:solidFill>
+              <a:srgbClr val="CCCCCC"/>
+            </a:solidFill>
+            <a:prstDash val="solid"/>
+            <a:round/>
+            <a:headEnd len="sm" w="sm" type="none"/>
+            <a:tailEnd len="sm" w="sm" type="none"/>
+          </a:ln>
+        </p:spPr>
+      </p:pic>
+      <p:pic>
+        <p:nvPicPr>
+          <p:cNvPr id="189" name="Google Shape;189;p21"/>
+          <p:cNvPicPr preferRelativeResize="0"/>
+          <p:nvPr/>
+        </p:nvPicPr>
+        <p:blipFill>
+          <a:blip r:embed="rId4">
+            <a:alphaModFix/>
+          </a:blip>
+          <a:stretch>
+            <a:fillRect/>
+          </a:stretch>
+        </p:blipFill>
+        <p:spPr>
+          <a:xfrm>
+            <a:off x="6559875" y="1992625"/>
+            <a:ext cx="2150975" cy="1133799"/>
+          </a:xfrm>
+          <a:prstGeom prst="rect">
+            <a:avLst/>
+          </a:prstGeom>
+          <a:noFill/>
+          <a:ln cap="flat" cmpd="sng" w="9525">
+            <a:solidFill>
+              <a:srgbClr val="CCCCCC"/>
+            </a:solidFill>
+            <a:prstDash val="solid"/>
+            <a:round/>
+            <a:headEnd len="sm" w="sm" type="none"/>
+            <a:tailEnd len="sm" w="sm" type="none"/>
+          </a:ln>
+        </p:spPr>
+      </p:pic>
+      <p:pic>
+        <p:nvPicPr>
+          <p:cNvPr id="190" name="Google Shape;190;p21"/>
+          <p:cNvPicPr preferRelativeResize="0"/>
+          <p:nvPr/>
+        </p:nvPicPr>
+        <p:blipFill>
+          <a:blip r:embed="rId5">
+            <a:alphaModFix/>
+          </a:blip>
+          <a:stretch>
+            <a:fillRect/>
+          </a:stretch>
+        </p:blipFill>
+        <p:spPr>
+          <a:xfrm>
+            <a:off x="6535900" y="3772399"/>
+            <a:ext cx="2174951" cy="1352579"/>
+          </a:xfrm>
+          <a:prstGeom prst="rect">
+            <a:avLst/>
+          </a:prstGeom>
+          <a:noFill/>
+          <a:ln cap="flat" cmpd="sng" w="9525">
+            <a:solidFill>
+              <a:srgbClr val="D9D9D9"/>
+            </a:solidFill>
+            <a:prstDash val="solid"/>
+            <a:round/>
+            <a:headEnd len="sm" w="sm" type="none"/>
+            <a:tailEnd len="sm" w="sm" type="none"/>
+          </a:ln>
+        </p:spPr>
+      </p:pic>
+      <p:pic>
+        <p:nvPicPr>
+          <p:cNvPr id="191" name="Google Shape;191;p21"/>
+          <p:cNvPicPr preferRelativeResize="0"/>
+          <p:nvPr/>
+        </p:nvPicPr>
+        <p:blipFill>
+          <a:blip r:embed="rId6">
+            <a:alphaModFix/>
+          </a:blip>
+          <a:stretch>
+            <a:fillRect/>
+          </a:stretch>
+        </p:blipFill>
+        <p:spPr>
+          <a:xfrm>
+            <a:off x="6535900" y="5441550"/>
+            <a:ext cx="2150974" cy="830915"/>
+          </a:xfrm>
+          <a:prstGeom prst="rect">
+            <a:avLst/>
+          </a:prstGeom>
+          <a:noFill/>
+          <a:ln cap="flat" cmpd="sng" w="9525">
+            <a:solidFill>
+              <a:srgbClr val="D9D9D9"/>
+            </a:solidFill>
+            <a:prstDash val="solid"/>
+            <a:round/>
+            <a:headEnd len="sm" w="sm" type="none"/>
+            <a:tailEnd len="sm" w="sm" type="none"/>
+          </a:ln>
+        </p:spPr>
+      </p:pic>
+      <p:sp>
+        <p:nvSpPr>
+          <p:cNvPr id="192" name="Google Shape;192;p21"/>
+          <p:cNvSpPr txBox="1"/>
+          <p:nvPr/>
+        </p:nvSpPr>
+        <p:spPr>
+          <a:xfrm>
+            <a:off x="3065250" y="5549547"/>
+            <a:ext cx="2719200" cy="480000"/>
+          </a:xfrm>
+          <a:prstGeom prst="rect">
+            <a:avLst/>
+          </a:prstGeom>
+          <a:noFill/>
+          <a:ln>
+            <a:noFill/>
+          </a:ln>
+        </p:spPr>
+        <p:txBody>
+          <a:bodyPr anchorCtr="0" anchor="t" bIns="91425" lIns="91425" spcFirstLastPara="1" rIns="91425" wrap="square" tIns="91425">
+            <a:noAutofit/>
+          </a:bodyPr>
+          <a:lstStyle/>
+          <a:p>
+            <a:pPr indent="0" lvl="0" marL="0" rtl="0">
+              <a:spcBef>
+                <a:spcPts val="0"/>
+              </a:spcBef>
+              <a:spcAft>
+                <a:spcPts val="0"/>
+              </a:spcAft>
+              <a:buNone/>
+            </a:pPr>
+            <a:r>
+              <a:rPr lang="en" sz="1800">
+                <a:solidFill>
+                  <a:srgbClr val="45397F"/>
+                </a:solidFill>
+              </a:rPr>
+              <a:t>Add table footnotes</a:t>
+            </a:r>
+            <a:endParaRPr sz="1800">
+              <a:solidFill>
+                <a:srgbClr val="45397F"/>
               </a:solidFill>
             </a:endParaRPr>
           </a:p>
@@ -16686,194 +16686,6 @@
   <p:clrMapOvr>
     <a:masterClrMapping/>
   </p:clrMapOvr>
-  <p:timing>
-    <p:tnLst>
-      <p:par>
-        <p:cTn dur="indefinite" nodeType="tmRoot" restart="never">
-          <p:childTnLst>
-            <p:seq concurrent="1" nextAc="seek">
-              <p:cTn dur="indefinite" id="2" nodeType="mainSeq">
-                <p:childTnLst>
-                  <p:par>
-                    <p:cTn fill="hold">
-                      <p:stCondLst>
-                        <p:cond delay="indefinite"/>
-                      </p:stCondLst>
-                      <p:childTnLst>
-                        <p:par>
-                          <p:cTn fill="hold">
-                            <p:stCondLst>
-                              <p:cond delay="0"/>
-                            </p:stCondLst>
-                            <p:childTnLst>
-                              <p:par>
-                                <p:cTn fill="hold" nodeType="clickEffect" presetClass="entr" presetID="10" presetSubtype="0">
-                                  <p:stCondLst>
-                                    <p:cond delay="0"/>
-                                  </p:stCondLst>
-                                  <p:childTnLst>
-                                    <p:set>
-                                      <p:cBhvr>
-                                        <p:cTn dur="1" fill="hold">
-                                          <p:stCondLst>
-                                            <p:cond delay="0"/>
-                                          </p:stCondLst>
-                                        </p:cTn>
-                                        <p:tgtEl>
-                                          <p:spTgt spid="175"/>
-                                        </p:tgtEl>
-                                        <p:attrNameLst>
-                                          <p:attrName>style.visibility</p:attrName>
-                                        </p:attrNameLst>
-                                      </p:cBhvr>
-                                      <p:to>
-                                        <p:strVal val="visible"/>
-                                      </p:to>
-                                    </p:set>
-                                    <p:animEffect filter="fade" transition="in">
-                                      <p:cBhvr>
-                                        <p:cTn dur="1000"/>
-                                        <p:tgtEl>
-                                          <p:spTgt spid="175"/>
-                                        </p:tgtEl>
-                                      </p:cBhvr>
-                                    </p:animEffect>
-                                  </p:childTnLst>
-                                </p:cTn>
-                              </p:par>
-                              <p:par>
-                                <p:cTn fill="hold" nodeType="withEffect" presetClass="entr" presetID="10" presetSubtype="0">
-                                  <p:stCondLst>
-                                    <p:cond delay="0"/>
-                                  </p:stCondLst>
-                                  <p:childTnLst>
-                                    <p:set>
-                                      <p:cBhvr>
-                                        <p:cTn dur="1" fill="hold">
-                                          <p:stCondLst>
-                                            <p:cond delay="0"/>
-                                          </p:stCondLst>
-                                        </p:cTn>
-                                        <p:tgtEl>
-                                          <p:spTgt spid="176"/>
-                                        </p:tgtEl>
-                                        <p:attrNameLst>
-                                          <p:attrName>style.visibility</p:attrName>
-                                        </p:attrNameLst>
-                                      </p:cBhvr>
-                                      <p:to>
-                                        <p:strVal val="visible"/>
-                                      </p:to>
-                                    </p:set>
-                                    <p:animEffect filter="fade" transition="in">
-                                      <p:cBhvr>
-                                        <p:cTn dur="1000"/>
-                                        <p:tgtEl>
-                                          <p:spTgt spid="176"/>
-                                        </p:tgtEl>
-                                      </p:cBhvr>
-                                    </p:animEffect>
-                                  </p:childTnLst>
-                                </p:cTn>
-                              </p:par>
-                              <p:par>
-                                <p:cTn fill="hold" nodeType="withEffect" presetClass="entr" presetID="10" presetSubtype="0">
-                                  <p:stCondLst>
-                                    <p:cond delay="0"/>
-                                  </p:stCondLst>
-                                  <p:childTnLst>
-                                    <p:set>
-                                      <p:cBhvr>
-                                        <p:cTn dur="1" fill="hold">
-                                          <p:stCondLst>
-                                            <p:cond delay="0"/>
-                                          </p:stCondLst>
-                                        </p:cTn>
-                                        <p:tgtEl>
-                                          <p:spTgt spid="178"/>
-                                        </p:tgtEl>
-                                        <p:attrNameLst>
-                                          <p:attrName>style.visibility</p:attrName>
-                                        </p:attrNameLst>
-                                      </p:cBhvr>
-                                      <p:to>
-                                        <p:strVal val="visible"/>
-                                      </p:to>
-                                    </p:set>
-                                    <p:animEffect filter="fade" transition="in">
-                                      <p:cBhvr>
-                                        <p:cTn dur="1000"/>
-                                        <p:tgtEl>
-                                          <p:spTgt spid="178"/>
-                                        </p:tgtEl>
-                                      </p:cBhvr>
-                                    </p:animEffect>
-                                  </p:childTnLst>
-                                </p:cTn>
-                              </p:par>
-                              <p:par>
-                                <p:cTn fill="hold" nodeType="withEffect" presetClass="entr" presetID="10" presetSubtype="0">
-                                  <p:stCondLst>
-                                    <p:cond delay="0"/>
-                                  </p:stCondLst>
-                                  <p:childTnLst>
-                                    <p:set>
-                                      <p:cBhvr>
-                                        <p:cTn dur="1" fill="hold">
-                                          <p:stCondLst>
-                                            <p:cond delay="0"/>
-                                          </p:stCondLst>
-                                        </p:cTn>
-                                        <p:tgtEl>
-                                          <p:spTgt spid="177"/>
-                                        </p:tgtEl>
-                                        <p:attrNameLst>
-                                          <p:attrName>style.visibility</p:attrName>
-                                        </p:attrNameLst>
-                                      </p:cBhvr>
-                                      <p:to>
-                                        <p:strVal val="visible"/>
-                                      </p:to>
-                                    </p:set>
-                                    <p:animEffect filter="fade" transition="in">
-                                      <p:cBhvr>
-                                        <p:cTn dur="1000"/>
-                                        <p:tgtEl>
-                                          <p:spTgt spid="177"/>
-                                        </p:tgtEl>
-                                      </p:cBhvr>
-                                    </p:animEffect>
-                                  </p:childTnLst>
-                                </p:cTn>
-                              </p:par>
-                            </p:childTnLst>
-                          </p:cTn>
-                        </p:par>
-                      </p:childTnLst>
-                    </p:cTn>
-                  </p:par>
-                </p:childTnLst>
-              </p:cTn>
-              <p:prevCondLst>
-                <p:cond evt="onPrev">
-                  <p:tgtEl>
-                    <p:sldTgt/>
-                  </p:tgtEl>
-                </p:cond>
-              </p:prevCondLst>
-              <p:nextCondLst>
-                <p:cond evt="onNext">
-                  <p:tgtEl>
-                    <p:sldTgt/>
-                  </p:tgtEl>
-                </p:cond>
-              </p:nextCondLst>
-            </p:seq>
-          </p:childTnLst>
-        </p:cTn>
-      </p:par>
-    </p:tnLst>
-  </p:timing>
 </p:sld>
 </file>
 
